--- a/doc/Presentation/RenderGraph.pptx
+++ b/doc/Presentation/RenderGraph.pptx
@@ -5,7 +5,7 @@
     <p:sldMasterId id="2147483648" r:id="rId1"/>
   </p:sldMasterIdLst>
   <p:notesMasterIdLst>
-    <p:notesMasterId r:id="rId15"/>
+    <p:notesMasterId r:id="rId17"/>
   </p:notesMasterIdLst>
   <p:sldIdLst>
     <p:sldId id="256" r:id="rId4"/>
@@ -19,6 +19,8 @@
     <p:sldId id="264" r:id="rId12"/>
     <p:sldId id="265" r:id="rId13"/>
     <p:sldId id="266" r:id="rId14"/>
+    <p:sldId id="267" r:id="rId15"/>
+    <p:sldId id="268" r:id="rId16"/>
   </p:sldIdLst>
   <p:sldSz cx="12192000" cy="6858000"/>
   <p:notesSz cx="6858000" cy="9144000"/>
@@ -144,7 +146,7 @@
       </p:grpSpPr>
       <p:sp>
         <p:nvSpPr>
-          <p:cNvPr id="863966190" name="Header Placeholder 1"/>
+          <p:cNvPr id="451456481" name="Header Placeholder 1"/>
           <p:cNvSpPr>
             <a:spLocks noGrp="1"/>
           </p:cNvSpPr>
@@ -178,7 +180,7 @@
       </p:sp>
       <p:sp>
         <p:nvSpPr>
-          <p:cNvPr id="580349344" name="Date Placeholder 2"/>
+          <p:cNvPr id="1708878263" name="Date Placeholder 2"/>
           <p:cNvSpPr>
             <a:spLocks noGrp="1"/>
           </p:cNvSpPr>
@@ -216,7 +218,7 @@
       </p:sp>
       <p:sp>
         <p:nvSpPr>
-          <p:cNvPr id="746848446" name="Slide Image Placeholder 3"/>
+          <p:cNvPr id="1772348356" name="Slide Image Placeholder 3"/>
           <p:cNvSpPr>
             <a:spLocks noChangeAspect="1" noGrp="1" noRot="1"/>
           </p:cNvSpPr>
@@ -252,7 +254,7 @@
       </p:sp>
       <p:sp>
         <p:nvSpPr>
-          <p:cNvPr id="1086200831" name="Notes Placeholder 4"/>
+          <p:cNvPr id="530350772" name="Notes Placeholder 4"/>
           <p:cNvSpPr>
             <a:spLocks noGrp="1"/>
           </p:cNvSpPr>
@@ -326,7 +328,7 @@
       </p:sp>
       <p:sp>
         <p:nvSpPr>
-          <p:cNvPr id="1049398257" name="Footer Placeholder 5"/>
+          <p:cNvPr id="434529143" name="Footer Placeholder 5"/>
           <p:cNvSpPr>
             <a:spLocks noGrp="1"/>
           </p:cNvSpPr>
@@ -360,7 +362,7 @@
       </p:sp>
       <p:sp>
         <p:nvSpPr>
-          <p:cNvPr id="1098118490" name="Slide Number Placeholder 6"/>
+          <p:cNvPr id="1220560889" name="Slide Number Placeholder 6"/>
           <p:cNvSpPr>
             <a:spLocks noGrp="1"/>
           </p:cNvSpPr>
@@ -513,7 +515,7 @@
       </p:grpSpPr>
       <p:sp>
         <p:nvSpPr>
-          <p:cNvPr id="1720285147" name="Slide Image Placeholder 1"/>
+          <p:cNvPr id="1164074162" name="Slide Image Placeholder 1"/>
           <p:cNvSpPr>
             <a:spLocks noChangeAspect="1" noGrp="1" noRot="1"/>
           </p:cNvSpPr>
@@ -530,7 +532,7 @@
       </p:sp>
       <p:sp>
         <p:nvSpPr>
-          <p:cNvPr id="613841626" name="Notes Placeholder 2"/>
+          <p:cNvPr id="1748299183" name="Notes Placeholder 2"/>
           <p:cNvSpPr>
             <a:spLocks noGrp="1"/>
           </p:cNvSpPr>
@@ -555,7 +557,7 @@
       </p:sp>
       <p:sp>
         <p:nvSpPr>
-          <p:cNvPr id="1681131563" name="Slide Number Placeholder 3"/>
+          <p:cNvPr id="867150971" name="Slide Number Placeholder 3"/>
           <p:cNvSpPr>
             <a:spLocks noGrp="1"/>
           </p:cNvSpPr>
@@ -606,7 +608,7 @@
       </p:grpSpPr>
       <p:sp>
         <p:nvSpPr>
-          <p:cNvPr id="134898678" name="Slide Image Placeholder 1"/>
+          <p:cNvPr id="859909312" name="Slide Image Placeholder 1"/>
           <p:cNvSpPr>
             <a:spLocks noChangeAspect="1" noGrp="1" noRot="1"/>
           </p:cNvSpPr>
@@ -618,7 +620,7 @@
       </p:sp>
       <p:sp>
         <p:nvSpPr>
-          <p:cNvPr id="1614576233" name="Notes Placeholder 2"/>
+          <p:cNvPr id="1669009949" name="Notes Placeholder 2"/>
           <p:cNvSpPr>
             <a:spLocks noGrp="1"/>
           </p:cNvSpPr>
@@ -640,7 +642,7 @@
       </p:sp>
       <p:sp>
         <p:nvSpPr>
-          <p:cNvPr id="34422743" name="Slide Number Placeholder 3"/>
+          <p:cNvPr id="1642245261" name="Slide Number Placeholder 3"/>
           <p:cNvSpPr>
             <a:spLocks noGrp="1"/>
           </p:cNvSpPr>
@@ -656,7 +658,7 @@
             <a:pPr>
               <a:defRPr/>
             </a:pPr>
-            <a:fld id="{F2F192E9-DB1B-971F-64BE-B4BE4CFD1E18}" type="slidenum">
+            <a:fld id="{27908D6B-946A-DCF6-5485-92C00E40132F}" type="slidenum">
               <a:rPr/>
               <a:t/>
             </a:fld>
@@ -691,7 +693,7 @@
       </p:grpSpPr>
       <p:sp>
         <p:nvSpPr>
-          <p:cNvPr id="526606049" name="Slide Image Placeholder 1"/>
+          <p:cNvPr id="630637959" name="Slide Image Placeholder 1"/>
           <p:cNvSpPr>
             <a:spLocks noChangeAspect="1" noGrp="1" noRot="1"/>
           </p:cNvSpPr>
@@ -703,7 +705,7 @@
       </p:sp>
       <p:sp>
         <p:nvSpPr>
-          <p:cNvPr id="1871814608" name="Notes Placeholder 2"/>
+          <p:cNvPr id="1971608106" name="Notes Placeholder 2"/>
           <p:cNvSpPr>
             <a:spLocks noGrp="1"/>
           </p:cNvSpPr>
@@ -725,7 +727,177 @@
       </p:sp>
       <p:sp>
         <p:nvSpPr>
-          <p:cNvPr id="341798499" name="Slide Number Placeholder 3"/>
+          <p:cNvPr id="416526281" name="Slide Number Placeholder 3"/>
+          <p:cNvSpPr>
+            <a:spLocks noGrp="1"/>
+          </p:cNvSpPr>
+          <p:nvPr>
+            <p:ph type="sldNum" sz="quarter" idx="10"/>
+          </p:nvPr>
+        </p:nvSpPr>
+        <p:spPr bwMode="auto"/>
+        <p:txBody>
+          <a:bodyPr/>
+          <a:lstStyle/>
+          <a:p>
+            <a:pPr>
+              <a:defRPr/>
+            </a:pPr>
+            <a:fld id="{5D3EFF02-D6B2-8B10-80AD-2A52C0320BF8}" type="slidenum">
+              <a:rPr/>
+              <a:t/>
+            </a:fld>
+            <a:endParaRPr/>
+          </a:p>
+        </p:txBody>
+      </p:sp>
+    </p:spTree>
+  </p:cSld>
+  <p:clrMapOvr>
+    <a:masterClrMapping/>
+  </p:clrMapOvr>
+</p:notes>
+</file>
+
+<file path=ppt/notesSlides/notesSlide12.xml><?xml version="1.0" encoding="utf-8"?>
+<p:notes xmlns:a="http://schemas.openxmlformats.org/drawingml/2006/main" xmlns:r="http://schemas.openxmlformats.org/officeDocument/2006/relationships" xmlns:p="http://schemas.openxmlformats.org/presentationml/2006/main" xmlns:m="http://schemas.openxmlformats.org/officeDocument/2006/math" xmlns:w="http://schemas.openxmlformats.org/wordprocessingml/2006/main">
+  <p:cSld name="">
+    <p:spTree>
+      <p:nvGrpSpPr>
+        <p:cNvPr id="1" name=""/>
+        <p:cNvGrpSpPr/>
+        <p:nvPr/>
+      </p:nvGrpSpPr>
+      <p:grpSpPr bwMode="auto">
+        <a:xfrm>
+          <a:off x="0" y="0"/>
+          <a:ext cx="0" cy="0"/>
+          <a:chOff x="0" y="0"/>
+          <a:chExt cx="0" cy="0"/>
+        </a:xfrm>
+      </p:grpSpPr>
+      <p:sp>
+        <p:nvSpPr>
+          <p:cNvPr id="744443190" name="Slide Image Placeholder 1"/>
+          <p:cNvSpPr>
+            <a:spLocks noChangeAspect="1" noGrp="1" noRot="1"/>
+          </p:cNvSpPr>
+          <p:nvPr>
+            <p:ph type="sldImg"/>
+          </p:nvPr>
+        </p:nvSpPr>
+        <p:spPr bwMode="auto"/>
+      </p:sp>
+      <p:sp>
+        <p:nvSpPr>
+          <p:cNvPr id="1556494999" name="Notes Placeholder 2"/>
+          <p:cNvSpPr>
+            <a:spLocks noGrp="1"/>
+          </p:cNvSpPr>
+          <p:nvPr>
+            <p:ph type="body" idx="1"/>
+          </p:nvPr>
+        </p:nvSpPr>
+        <p:spPr bwMode="auto"/>
+        <p:txBody>
+          <a:bodyPr/>
+          <a:lstStyle/>
+          <a:p>
+            <a:pPr>
+              <a:defRPr/>
+            </a:pPr>
+            <a:endParaRPr/>
+          </a:p>
+        </p:txBody>
+      </p:sp>
+      <p:sp>
+        <p:nvSpPr>
+          <p:cNvPr id="961537597" name="Slide Number Placeholder 3"/>
+          <p:cNvSpPr>
+            <a:spLocks noGrp="1"/>
+          </p:cNvSpPr>
+          <p:nvPr>
+            <p:ph type="sldNum" sz="quarter" idx="10"/>
+          </p:nvPr>
+        </p:nvSpPr>
+        <p:spPr bwMode="auto"/>
+        <p:txBody>
+          <a:bodyPr/>
+          <a:lstStyle/>
+          <a:p>
+            <a:pPr>
+              <a:defRPr/>
+            </a:pPr>
+            <a:fld id="{F2F192E9-DB1B-971F-64BE-B4BE4CFD1E18}" type="slidenum">
+              <a:rPr/>
+              <a:t/>
+            </a:fld>
+            <a:endParaRPr/>
+          </a:p>
+        </p:txBody>
+      </p:sp>
+    </p:spTree>
+  </p:cSld>
+  <p:clrMapOvr>
+    <a:masterClrMapping/>
+  </p:clrMapOvr>
+</p:notes>
+</file>
+
+<file path=ppt/notesSlides/notesSlide13.xml><?xml version="1.0" encoding="utf-8"?>
+<p:notes xmlns:a="http://schemas.openxmlformats.org/drawingml/2006/main" xmlns:r="http://schemas.openxmlformats.org/officeDocument/2006/relationships" xmlns:p="http://schemas.openxmlformats.org/presentationml/2006/main" xmlns:m="http://schemas.openxmlformats.org/officeDocument/2006/math" xmlns:w="http://schemas.openxmlformats.org/wordprocessingml/2006/main">
+  <p:cSld name="">
+    <p:spTree>
+      <p:nvGrpSpPr>
+        <p:cNvPr id="1" name=""/>
+        <p:cNvGrpSpPr/>
+        <p:nvPr/>
+      </p:nvGrpSpPr>
+      <p:grpSpPr bwMode="auto">
+        <a:xfrm>
+          <a:off x="0" y="0"/>
+          <a:ext cx="0" cy="0"/>
+          <a:chOff x="0" y="0"/>
+          <a:chExt cx="0" cy="0"/>
+        </a:xfrm>
+      </p:grpSpPr>
+      <p:sp>
+        <p:nvSpPr>
+          <p:cNvPr id="1409703382" name="Slide Image Placeholder 1"/>
+          <p:cNvSpPr>
+            <a:spLocks noChangeAspect="1" noGrp="1" noRot="1"/>
+          </p:cNvSpPr>
+          <p:nvPr>
+            <p:ph type="sldImg"/>
+          </p:nvPr>
+        </p:nvSpPr>
+        <p:spPr bwMode="auto"/>
+      </p:sp>
+      <p:sp>
+        <p:nvSpPr>
+          <p:cNvPr id="1969076723" name="Notes Placeholder 2"/>
+          <p:cNvSpPr>
+            <a:spLocks noGrp="1"/>
+          </p:cNvSpPr>
+          <p:nvPr>
+            <p:ph type="body" idx="1"/>
+          </p:nvPr>
+        </p:nvSpPr>
+        <p:spPr bwMode="auto"/>
+        <p:txBody>
+          <a:bodyPr/>
+          <a:lstStyle/>
+          <a:p>
+            <a:pPr>
+              <a:defRPr/>
+            </a:pPr>
+            <a:endParaRPr/>
+          </a:p>
+        </p:txBody>
+      </p:sp>
+      <p:sp>
+        <p:nvSpPr>
+          <p:cNvPr id="237553007" name="Slide Number Placeholder 3"/>
           <p:cNvSpPr>
             <a:spLocks noGrp="1"/>
           </p:cNvSpPr>
@@ -776,7 +948,7 @@
       </p:grpSpPr>
       <p:sp>
         <p:nvSpPr>
-          <p:cNvPr id="1589637570" name="Slide Image Placeholder 1"/>
+          <p:cNvPr id="1204304391" name="Slide Image Placeholder 1"/>
           <p:cNvSpPr>
             <a:spLocks noChangeAspect="1" noGrp="1" noRot="1"/>
           </p:cNvSpPr>
@@ -788,7 +960,7 @@
       </p:sp>
       <p:sp>
         <p:nvSpPr>
-          <p:cNvPr id="1202240089" name="Notes Placeholder 2"/>
+          <p:cNvPr id="444020750" name="Notes Placeholder 2"/>
           <p:cNvSpPr>
             <a:spLocks noGrp="1"/>
           </p:cNvSpPr>
@@ -810,7 +982,7 @@
       </p:sp>
       <p:sp>
         <p:nvSpPr>
-          <p:cNvPr id="759030375" name="Slide Number Placeholder 3"/>
+          <p:cNvPr id="433814253" name="Slide Number Placeholder 3"/>
           <p:cNvSpPr>
             <a:spLocks noGrp="1"/>
           </p:cNvSpPr>
@@ -861,7 +1033,7 @@
       </p:grpSpPr>
       <p:sp>
         <p:nvSpPr>
-          <p:cNvPr id="1570999940" name="Slide Image Placeholder 1"/>
+          <p:cNvPr id="960644711" name="Slide Image Placeholder 1"/>
           <p:cNvSpPr>
             <a:spLocks noChangeAspect="1" noGrp="1" noRot="1"/>
           </p:cNvSpPr>
@@ -873,7 +1045,7 @@
       </p:sp>
       <p:sp>
         <p:nvSpPr>
-          <p:cNvPr id="635639547" name="Notes Placeholder 2"/>
+          <p:cNvPr id="1798250797" name="Notes Placeholder 2"/>
           <p:cNvSpPr>
             <a:spLocks noGrp="1"/>
           </p:cNvSpPr>
@@ -895,7 +1067,7 @@
       </p:sp>
       <p:sp>
         <p:nvSpPr>
-          <p:cNvPr id="1913007996" name="Slide Number Placeholder 3"/>
+          <p:cNvPr id="1196484881" name="Slide Number Placeholder 3"/>
           <p:cNvSpPr>
             <a:spLocks noGrp="1"/>
           </p:cNvSpPr>
@@ -946,7 +1118,7 @@
       </p:grpSpPr>
       <p:sp>
         <p:nvSpPr>
-          <p:cNvPr id="763503000" name="Slide Image Placeholder 1"/>
+          <p:cNvPr id="2" name="Slide Image Placeholder 1"/>
           <p:cNvSpPr>
             <a:spLocks noChangeAspect="1" noGrp="1" noRot="1"/>
           </p:cNvSpPr>
@@ -958,7 +1130,7 @@
       </p:sp>
       <p:sp>
         <p:nvSpPr>
-          <p:cNvPr id="1060207277" name="Notes Placeholder 2"/>
+          <p:cNvPr id="3" name="Notes Placeholder 2"/>
           <p:cNvSpPr>
             <a:spLocks noGrp="1"/>
           </p:cNvSpPr>
@@ -980,7 +1152,7 @@
       </p:sp>
       <p:sp>
         <p:nvSpPr>
-          <p:cNvPr id="497746638" name="Slide Number Placeholder 3"/>
+          <p:cNvPr id="4" name="Slide Number Placeholder 3"/>
           <p:cNvSpPr>
             <a:spLocks noGrp="1"/>
           </p:cNvSpPr>
@@ -996,7 +1168,7 @@
             <a:pPr>
               <a:defRPr/>
             </a:pPr>
-            <a:fld id="{11D390CD-E8BC-06E4-EE12-753C73BC3580}" type="slidenum">
+            <a:fld id="{6BB947EB-77C7-0028-0F36-D5E1C56C80EE}" type="slidenum">
               <a:rPr/>
               <a:t/>
             </a:fld>
@@ -1031,7 +1203,7 @@
       </p:grpSpPr>
       <p:sp>
         <p:nvSpPr>
-          <p:cNvPr id="171202602" name="Slide Image Placeholder 1"/>
+          <p:cNvPr id="2" name="Slide Image Placeholder 1"/>
           <p:cNvSpPr>
             <a:spLocks noChangeAspect="1" noGrp="1" noRot="1"/>
           </p:cNvSpPr>
@@ -1043,7 +1215,7 @@
       </p:sp>
       <p:sp>
         <p:nvSpPr>
-          <p:cNvPr id="1758606256" name="Notes Placeholder 2"/>
+          <p:cNvPr id="3" name="Notes Placeholder 2"/>
           <p:cNvSpPr>
             <a:spLocks noGrp="1"/>
           </p:cNvSpPr>
@@ -1065,7 +1237,7 @@
       </p:sp>
       <p:sp>
         <p:nvSpPr>
-          <p:cNvPr id="1405869241" name="Slide Number Placeholder 3"/>
+          <p:cNvPr id="4" name="Slide Number Placeholder 3"/>
           <p:cNvSpPr>
             <a:spLocks noGrp="1"/>
           </p:cNvSpPr>
@@ -1081,7 +1253,7 @@
             <a:pPr>
               <a:defRPr/>
             </a:pPr>
-            <a:fld id="{269DE528-720F-ABB2-8604-1D5AD5E8CFFB}" type="slidenum">
+            <a:fld id="{7AA2C629-3161-6AF8-14AA-A1507E6A0959}" type="slidenum">
               <a:rPr/>
               <a:t/>
             </a:fld>
@@ -1116,7 +1288,7 @@
       </p:grpSpPr>
       <p:sp>
         <p:nvSpPr>
-          <p:cNvPr id="1279493380" name="Slide Image Placeholder 1"/>
+          <p:cNvPr id="1260307719" name="Slide Image Placeholder 1"/>
           <p:cNvSpPr>
             <a:spLocks noChangeAspect="1" noGrp="1" noRot="1"/>
           </p:cNvSpPr>
@@ -1128,7 +1300,7 @@
       </p:sp>
       <p:sp>
         <p:nvSpPr>
-          <p:cNvPr id="1897033530" name="Notes Placeholder 2"/>
+          <p:cNvPr id="1803522483" name="Notes Placeholder 2"/>
           <p:cNvSpPr>
             <a:spLocks noGrp="1"/>
           </p:cNvSpPr>
@@ -1150,7 +1322,7 @@
       </p:sp>
       <p:sp>
         <p:nvSpPr>
-          <p:cNvPr id="1509918048" name="Slide Number Placeholder 3"/>
+          <p:cNvPr id="822128283" name="Slide Number Placeholder 3"/>
           <p:cNvSpPr>
             <a:spLocks noGrp="1"/>
           </p:cNvSpPr>
@@ -1166,7 +1338,7 @@
             <a:pPr>
               <a:defRPr/>
             </a:pPr>
-            <a:fld id="{7DBAC758-0917-12F9-E481-DE5F6797D514}" type="slidenum">
+            <a:fld id="{11D390CD-E8BC-06E4-EE12-753C73BC3580}" type="slidenum">
               <a:rPr/>
               <a:t/>
             </a:fld>
@@ -1201,7 +1373,7 @@
       </p:grpSpPr>
       <p:sp>
         <p:nvSpPr>
-          <p:cNvPr id="1411042647" name="Slide Image Placeholder 1"/>
+          <p:cNvPr id="742503968" name="Slide Image Placeholder 1"/>
           <p:cNvSpPr>
             <a:spLocks noChangeAspect="1" noGrp="1" noRot="1"/>
           </p:cNvSpPr>
@@ -1213,7 +1385,7 @@
       </p:sp>
       <p:sp>
         <p:nvSpPr>
-          <p:cNvPr id="100097744" name="Notes Placeholder 2"/>
+          <p:cNvPr id="2106097216" name="Notes Placeholder 2"/>
           <p:cNvSpPr>
             <a:spLocks noGrp="1"/>
           </p:cNvSpPr>
@@ -1235,7 +1407,7 @@
       </p:sp>
       <p:sp>
         <p:nvSpPr>
-          <p:cNvPr id="215679598" name="Slide Number Placeholder 3"/>
+          <p:cNvPr id="110533264" name="Slide Number Placeholder 3"/>
           <p:cNvSpPr>
             <a:spLocks noGrp="1"/>
           </p:cNvSpPr>
@@ -1251,7 +1423,7 @@
             <a:pPr>
               <a:defRPr/>
             </a:pPr>
-            <a:fld id="{48656C43-0F50-E41B-F699-ED13859007BF}" type="slidenum">
+            <a:fld id="{269DE528-720F-ABB2-8604-1D5AD5E8CFFB}" type="slidenum">
               <a:rPr/>
               <a:t/>
             </a:fld>
@@ -1286,7 +1458,7 @@
       </p:grpSpPr>
       <p:sp>
         <p:nvSpPr>
-          <p:cNvPr id="803950964" name="Slide Image Placeholder 1"/>
+          <p:cNvPr id="1685058754" name="Slide Image Placeholder 1"/>
           <p:cNvSpPr>
             <a:spLocks noChangeAspect="1" noGrp="1" noRot="1"/>
           </p:cNvSpPr>
@@ -1298,7 +1470,7 @@
       </p:sp>
       <p:sp>
         <p:nvSpPr>
-          <p:cNvPr id="2060956788" name="Notes Placeholder 2"/>
+          <p:cNvPr id="1964761009" name="Notes Placeholder 2"/>
           <p:cNvSpPr>
             <a:spLocks noGrp="1"/>
           </p:cNvSpPr>
@@ -1320,7 +1492,7 @@
       </p:sp>
       <p:sp>
         <p:nvSpPr>
-          <p:cNvPr id="478330154" name="Slide Number Placeholder 3"/>
+          <p:cNvPr id="1627517634" name="Slide Number Placeholder 3"/>
           <p:cNvSpPr>
             <a:spLocks noGrp="1"/>
           </p:cNvSpPr>
@@ -1336,7 +1508,7 @@
             <a:pPr>
               <a:defRPr/>
             </a:pPr>
-            <a:fld id="{27908D6B-946A-DCF6-5485-92C00E40132F}" type="slidenum">
+            <a:fld id="{7DBAC758-0917-12F9-E481-DE5F6797D514}" type="slidenum">
               <a:rPr/>
               <a:t/>
             </a:fld>
@@ -1371,7 +1543,7 @@
       </p:grpSpPr>
       <p:sp>
         <p:nvSpPr>
-          <p:cNvPr id="1487823644" name="Slide Image Placeholder 1"/>
+          <p:cNvPr id="561992543" name="Slide Image Placeholder 1"/>
           <p:cNvSpPr>
             <a:spLocks noChangeAspect="1" noGrp="1" noRot="1"/>
           </p:cNvSpPr>
@@ -1383,7 +1555,7 @@
       </p:sp>
       <p:sp>
         <p:nvSpPr>
-          <p:cNvPr id="1847891059" name="Notes Placeholder 2"/>
+          <p:cNvPr id="1427822347" name="Notes Placeholder 2"/>
           <p:cNvSpPr>
             <a:spLocks noGrp="1"/>
           </p:cNvSpPr>
@@ -1405,7 +1577,7 @@
       </p:sp>
       <p:sp>
         <p:nvSpPr>
-          <p:cNvPr id="403539221" name="Slide Number Placeholder 3"/>
+          <p:cNvPr id="1037380019" name="Slide Number Placeholder 3"/>
           <p:cNvSpPr>
             <a:spLocks noGrp="1"/>
           </p:cNvSpPr>
@@ -1421,7 +1593,7 @@
             <a:pPr>
               <a:defRPr/>
             </a:pPr>
-            <a:fld id="{5D3EFF02-D6B2-8B10-80AD-2A52C0320BF8}" type="slidenum">
+            <a:fld id="{48656C43-0F50-E41B-F699-ED13859007BF}" type="slidenum">
               <a:rPr/>
               <a:t/>
             </a:fld>
@@ -1456,7 +1628,7 @@
       </p:grpSpPr>
       <p:sp>
         <p:nvSpPr>
-          <p:cNvPr id="297044920" name="Title 1"/>
+          <p:cNvPr id="1107582256" name="Title 1"/>
           <p:cNvSpPr>
             <a:spLocks noGrp="1"/>
           </p:cNvSpPr>
@@ -1491,7 +1663,7 @@
       </p:sp>
       <p:sp>
         <p:nvSpPr>
-          <p:cNvPr id="799989080" name="Subtitle 2"/>
+          <p:cNvPr id="1418134400" name="Subtitle 2"/>
           <p:cNvSpPr>
             <a:spLocks noGrp="1"/>
           </p:cNvSpPr>
@@ -1559,7 +1731,7 @@
       </p:sp>
       <p:sp>
         <p:nvSpPr>
-          <p:cNvPr id="1360909723" name="Date Placeholder 3"/>
+          <p:cNvPr id="818991966" name="Date Placeholder 3"/>
           <p:cNvSpPr>
             <a:spLocks noGrp="1"/>
           </p:cNvSpPr>
@@ -1585,7 +1757,7 @@
       </p:sp>
       <p:sp>
         <p:nvSpPr>
-          <p:cNvPr id="1981248219" name="Footer Placeholder 4"/>
+          <p:cNvPr id="123435970" name="Footer Placeholder 4"/>
           <p:cNvSpPr>
             <a:spLocks noGrp="1"/>
           </p:cNvSpPr>
@@ -1607,7 +1779,7 @@
       </p:sp>
       <p:sp>
         <p:nvSpPr>
-          <p:cNvPr id="1463483253" name="Slide Number Placeholder 5"/>
+          <p:cNvPr id="706181261" name="Slide Number Placeholder 5"/>
           <p:cNvSpPr>
             <a:spLocks noGrp="1"/>
           </p:cNvSpPr>
@@ -1658,7 +1830,7 @@
       </p:grpSpPr>
       <p:sp>
         <p:nvSpPr>
-          <p:cNvPr id="1861876593" name="Title 1"/>
+          <p:cNvPr id="274134159" name="Title 1"/>
           <p:cNvSpPr>
             <a:spLocks noGrp="1"/>
           </p:cNvSpPr>
@@ -1684,7 +1856,7 @@
       </p:sp>
       <p:sp>
         <p:nvSpPr>
-          <p:cNvPr id="191968590" name="Vertical Text Placeholder 2"/>
+          <p:cNvPr id="173895010" name="Vertical Text Placeholder 2"/>
           <p:cNvSpPr>
             <a:spLocks noGrp="1"/>
           </p:cNvSpPr>
@@ -1750,7 +1922,7 @@
       </p:sp>
       <p:sp>
         <p:nvSpPr>
-          <p:cNvPr id="1880076752" name="Date Placeholder 3"/>
+          <p:cNvPr id="735872010" name="Date Placeholder 3"/>
           <p:cNvSpPr>
             <a:spLocks noGrp="1"/>
           </p:cNvSpPr>
@@ -1776,7 +1948,7 @@
       </p:sp>
       <p:sp>
         <p:nvSpPr>
-          <p:cNvPr id="2096606242" name="Footer Placeholder 4"/>
+          <p:cNvPr id="1799346450" name="Footer Placeholder 4"/>
           <p:cNvSpPr>
             <a:spLocks noGrp="1"/>
           </p:cNvSpPr>
@@ -1798,7 +1970,7 @@
       </p:sp>
       <p:sp>
         <p:nvSpPr>
-          <p:cNvPr id="1866879950" name="Slide Number Placeholder 5"/>
+          <p:cNvPr id="585077799" name="Slide Number Placeholder 5"/>
           <p:cNvSpPr>
             <a:spLocks noGrp="1"/>
           </p:cNvSpPr>
@@ -1849,7 +2021,7 @@
       </p:grpSpPr>
       <p:sp>
         <p:nvSpPr>
-          <p:cNvPr id="1824414106" name="Vertical Title 1"/>
+          <p:cNvPr id="1194769149" name="Vertical Title 1"/>
           <p:cNvSpPr>
             <a:spLocks noGrp="1"/>
           </p:cNvSpPr>
@@ -1880,7 +2052,7 @@
       </p:sp>
       <p:sp>
         <p:nvSpPr>
-          <p:cNvPr id="849547497" name="Vertical Text Placeholder 2"/>
+          <p:cNvPr id="2062887958" name="Vertical Text Placeholder 2"/>
           <p:cNvSpPr>
             <a:spLocks noGrp="1"/>
           </p:cNvSpPr>
@@ -1951,7 +2123,7 @@
       </p:sp>
       <p:sp>
         <p:nvSpPr>
-          <p:cNvPr id="1819346606" name="Date Placeholder 3"/>
+          <p:cNvPr id="810955691" name="Date Placeholder 3"/>
           <p:cNvSpPr>
             <a:spLocks noGrp="1"/>
           </p:cNvSpPr>
@@ -1977,7 +2149,7 @@
       </p:sp>
       <p:sp>
         <p:nvSpPr>
-          <p:cNvPr id="17859244" name="Footer Placeholder 4"/>
+          <p:cNvPr id="498551595" name="Footer Placeholder 4"/>
           <p:cNvSpPr>
             <a:spLocks noGrp="1"/>
           </p:cNvSpPr>
@@ -1999,7 +2171,7 @@
       </p:sp>
       <p:sp>
         <p:nvSpPr>
-          <p:cNvPr id="1844091141" name="Slide Number Placeholder 5"/>
+          <p:cNvPr id="740207755" name="Slide Number Placeholder 5"/>
           <p:cNvSpPr>
             <a:spLocks noGrp="1"/>
           </p:cNvSpPr>
@@ -2050,7 +2222,7 @@
       </p:grpSpPr>
       <p:sp>
         <p:nvSpPr>
-          <p:cNvPr id="1423861645" name="Title 1"/>
+          <p:cNvPr id="1353651038" name="Title 1"/>
           <p:cNvSpPr>
             <a:spLocks noGrp="1"/>
           </p:cNvSpPr>
@@ -2076,7 +2248,7 @@
       </p:sp>
       <p:sp>
         <p:nvSpPr>
-          <p:cNvPr id="1743907706" name="Content Placeholder 2"/>
+          <p:cNvPr id="1938710740" name="Content Placeholder 2"/>
           <p:cNvSpPr>
             <a:spLocks noGrp="1"/>
           </p:cNvSpPr>
@@ -2142,7 +2314,7 @@
       </p:sp>
       <p:sp>
         <p:nvSpPr>
-          <p:cNvPr id="402045234" name="Date Placeholder 3"/>
+          <p:cNvPr id="585499297" name="Date Placeholder 3"/>
           <p:cNvSpPr>
             <a:spLocks noGrp="1"/>
           </p:cNvSpPr>
@@ -2168,7 +2340,7 @@
       </p:sp>
       <p:sp>
         <p:nvSpPr>
-          <p:cNvPr id="367590795" name="Footer Placeholder 4"/>
+          <p:cNvPr id="515583755" name="Footer Placeholder 4"/>
           <p:cNvSpPr>
             <a:spLocks noGrp="1"/>
           </p:cNvSpPr>
@@ -2190,7 +2362,7 @@
       </p:sp>
       <p:sp>
         <p:nvSpPr>
-          <p:cNvPr id="1477732898" name="Slide Number Placeholder 5"/>
+          <p:cNvPr id="1997813113" name="Slide Number Placeholder 5"/>
           <p:cNvSpPr>
             <a:spLocks noGrp="1"/>
           </p:cNvSpPr>
@@ -2241,7 +2413,7 @@
       </p:grpSpPr>
       <p:sp>
         <p:nvSpPr>
-          <p:cNvPr id="1147235472" name="Title 1"/>
+          <p:cNvPr id="2099964945" name="Title 1"/>
           <p:cNvSpPr>
             <a:spLocks noGrp="1"/>
           </p:cNvSpPr>
@@ -2276,7 +2448,7 @@
       </p:sp>
       <p:sp>
         <p:nvSpPr>
-          <p:cNvPr id="681686940" name="Text Placeholder 2"/>
+          <p:cNvPr id="242585403" name="Text Placeholder 2"/>
           <p:cNvSpPr>
             <a:spLocks noGrp="1"/>
           </p:cNvSpPr>
@@ -2398,7 +2570,7 @@
       </p:sp>
       <p:sp>
         <p:nvSpPr>
-          <p:cNvPr id="484988320" name="Date Placeholder 3"/>
+          <p:cNvPr id="867809895" name="Date Placeholder 3"/>
           <p:cNvSpPr>
             <a:spLocks noGrp="1"/>
           </p:cNvSpPr>
@@ -2424,7 +2596,7 @@
       </p:sp>
       <p:sp>
         <p:nvSpPr>
-          <p:cNvPr id="1989190855" name="Footer Placeholder 4"/>
+          <p:cNvPr id="456208519" name="Footer Placeholder 4"/>
           <p:cNvSpPr>
             <a:spLocks noGrp="1"/>
           </p:cNvSpPr>
@@ -2446,7 +2618,7 @@
       </p:sp>
       <p:sp>
         <p:nvSpPr>
-          <p:cNvPr id="1020296960" name="Slide Number Placeholder 5"/>
+          <p:cNvPr id="1741095273" name="Slide Number Placeholder 5"/>
           <p:cNvSpPr>
             <a:spLocks noGrp="1"/>
           </p:cNvSpPr>
@@ -2497,7 +2669,7 @@
       </p:grpSpPr>
       <p:sp>
         <p:nvSpPr>
-          <p:cNvPr id="963835195" name="Title 1"/>
+          <p:cNvPr id="1093661050" name="Title 1"/>
           <p:cNvSpPr>
             <a:spLocks noGrp="1"/>
           </p:cNvSpPr>
@@ -2523,7 +2695,7 @@
       </p:sp>
       <p:sp>
         <p:nvSpPr>
-          <p:cNvPr id="1030221643" name="Content Placeholder 2"/>
+          <p:cNvPr id="1290023637" name="Content Placeholder 2"/>
           <p:cNvSpPr>
             <a:spLocks noGrp="1"/>
           </p:cNvSpPr>
@@ -2594,7 +2766,7 @@
       </p:sp>
       <p:sp>
         <p:nvSpPr>
-          <p:cNvPr id="2052030195" name="Content Placeholder 3"/>
+          <p:cNvPr id="1038329128" name="Content Placeholder 3"/>
           <p:cNvSpPr>
             <a:spLocks noGrp="1"/>
           </p:cNvSpPr>
@@ -2665,7 +2837,7 @@
       </p:sp>
       <p:sp>
         <p:nvSpPr>
-          <p:cNvPr id="1539231322" name="Date Placeholder 4"/>
+          <p:cNvPr id="354944184" name="Date Placeholder 4"/>
           <p:cNvSpPr>
             <a:spLocks noGrp="1"/>
           </p:cNvSpPr>
@@ -2691,7 +2863,7 @@
       </p:sp>
       <p:sp>
         <p:nvSpPr>
-          <p:cNvPr id="311909633" name="Footer Placeholder 5"/>
+          <p:cNvPr id="1265624543" name="Footer Placeholder 5"/>
           <p:cNvSpPr>
             <a:spLocks noGrp="1"/>
           </p:cNvSpPr>
@@ -2713,7 +2885,7 @@
       </p:sp>
       <p:sp>
         <p:nvSpPr>
-          <p:cNvPr id="823398897" name="Slide Number Placeholder 6"/>
+          <p:cNvPr id="1932998767" name="Slide Number Placeholder 6"/>
           <p:cNvSpPr>
             <a:spLocks noGrp="1"/>
           </p:cNvSpPr>
@@ -2764,7 +2936,7 @@
       </p:grpSpPr>
       <p:sp>
         <p:nvSpPr>
-          <p:cNvPr id="415358930" name="Title 1"/>
+          <p:cNvPr id="1304334942" name="Title 1"/>
           <p:cNvSpPr>
             <a:spLocks noGrp="1"/>
           </p:cNvSpPr>
@@ -2795,7 +2967,7 @@
       </p:sp>
       <p:sp>
         <p:nvSpPr>
-          <p:cNvPr id="1624661641" name="Text Placeholder 2"/>
+          <p:cNvPr id="1411566893" name="Text Placeholder 2"/>
           <p:cNvSpPr>
             <a:spLocks noGrp="1"/>
           </p:cNvSpPr>
@@ -2863,7 +3035,7 @@
       </p:sp>
       <p:sp>
         <p:nvSpPr>
-          <p:cNvPr id="1671631165" name="Content Placeholder 3"/>
+          <p:cNvPr id="1787768530" name="Content Placeholder 3"/>
           <p:cNvSpPr>
             <a:spLocks noGrp="1"/>
           </p:cNvSpPr>
@@ -2934,7 +3106,7 @@
       </p:sp>
       <p:sp>
         <p:nvSpPr>
-          <p:cNvPr id="1461286642" name="Text Placeholder 4"/>
+          <p:cNvPr id="1789725580" name="Text Placeholder 4"/>
           <p:cNvSpPr>
             <a:spLocks noGrp="1"/>
           </p:cNvSpPr>
@@ -3002,7 +3174,7 @@
       </p:sp>
       <p:sp>
         <p:nvSpPr>
-          <p:cNvPr id="157699136" name="Content Placeholder 5"/>
+          <p:cNvPr id="79149271" name="Content Placeholder 5"/>
           <p:cNvSpPr>
             <a:spLocks noGrp="1"/>
           </p:cNvSpPr>
@@ -3073,7 +3245,7 @@
       </p:sp>
       <p:sp>
         <p:nvSpPr>
-          <p:cNvPr id="1828139028" name="Date Placeholder 6"/>
+          <p:cNvPr id="1403199176" name="Date Placeholder 6"/>
           <p:cNvSpPr>
             <a:spLocks noGrp="1"/>
           </p:cNvSpPr>
@@ -3099,7 +3271,7 @@
       </p:sp>
       <p:sp>
         <p:nvSpPr>
-          <p:cNvPr id="1367830415" name="Footer Placeholder 7"/>
+          <p:cNvPr id="896048778" name="Footer Placeholder 7"/>
           <p:cNvSpPr>
             <a:spLocks noGrp="1"/>
           </p:cNvSpPr>
@@ -3121,7 +3293,7 @@
       </p:sp>
       <p:sp>
         <p:nvSpPr>
-          <p:cNvPr id="2134997001" name="Slide Number Placeholder 8"/>
+          <p:cNvPr id="1276411394" name="Slide Number Placeholder 8"/>
           <p:cNvSpPr>
             <a:spLocks noGrp="1"/>
           </p:cNvSpPr>
@@ -3172,7 +3344,7 @@
       </p:grpSpPr>
       <p:sp>
         <p:nvSpPr>
-          <p:cNvPr id="1379649426" name="Title 1"/>
+          <p:cNvPr id="885112143" name="Title 1"/>
           <p:cNvSpPr>
             <a:spLocks noGrp="1"/>
           </p:cNvSpPr>
@@ -3198,7 +3370,7 @@
       </p:sp>
       <p:sp>
         <p:nvSpPr>
-          <p:cNvPr id="1346012279" name="Date Placeholder 2"/>
+          <p:cNvPr id="709678636" name="Date Placeholder 2"/>
           <p:cNvSpPr>
             <a:spLocks noGrp="1"/>
           </p:cNvSpPr>
@@ -3224,7 +3396,7 @@
       </p:sp>
       <p:sp>
         <p:nvSpPr>
-          <p:cNvPr id="1188106847" name="Footer Placeholder 3"/>
+          <p:cNvPr id="1973383236" name="Footer Placeholder 3"/>
           <p:cNvSpPr>
             <a:spLocks noGrp="1"/>
           </p:cNvSpPr>
@@ -3246,7 +3418,7 @@
       </p:sp>
       <p:sp>
         <p:nvSpPr>
-          <p:cNvPr id="106892723" name="Slide Number Placeholder 4"/>
+          <p:cNvPr id="452857954" name="Slide Number Placeholder 4"/>
           <p:cNvSpPr>
             <a:spLocks noGrp="1"/>
           </p:cNvSpPr>
@@ -3297,7 +3469,7 @@
       </p:grpSpPr>
       <p:sp>
         <p:nvSpPr>
-          <p:cNvPr id="1708073968" name="Date Placeholder 1"/>
+          <p:cNvPr id="515962870" name="Date Placeholder 1"/>
           <p:cNvSpPr>
             <a:spLocks noGrp="1"/>
           </p:cNvSpPr>
@@ -3323,7 +3495,7 @@
       </p:sp>
       <p:sp>
         <p:nvSpPr>
-          <p:cNvPr id="845540650" name="Footer Placeholder 2"/>
+          <p:cNvPr id="24680958" name="Footer Placeholder 2"/>
           <p:cNvSpPr>
             <a:spLocks noGrp="1"/>
           </p:cNvSpPr>
@@ -3345,7 +3517,7 @@
       </p:sp>
       <p:sp>
         <p:nvSpPr>
-          <p:cNvPr id="1795900696" name="Slide Number Placeholder 3"/>
+          <p:cNvPr id="281666402" name="Slide Number Placeholder 3"/>
           <p:cNvSpPr>
             <a:spLocks noGrp="1"/>
           </p:cNvSpPr>
@@ -3396,7 +3568,7 @@
       </p:grpSpPr>
       <p:sp>
         <p:nvSpPr>
-          <p:cNvPr id="737122164" name="Title 1"/>
+          <p:cNvPr id="1124669385" name="Title 1"/>
           <p:cNvSpPr>
             <a:spLocks noGrp="1"/>
           </p:cNvSpPr>
@@ -3431,7 +3603,7 @@
       </p:sp>
       <p:sp>
         <p:nvSpPr>
-          <p:cNvPr id="2043223047" name="Content Placeholder 2"/>
+          <p:cNvPr id="632644971" name="Content Placeholder 2"/>
           <p:cNvSpPr>
             <a:spLocks noGrp="1"/>
           </p:cNvSpPr>
@@ -3530,7 +3702,7 @@
       </p:sp>
       <p:sp>
         <p:nvSpPr>
-          <p:cNvPr id="1628608669" name="Text Placeholder 3"/>
+          <p:cNvPr id="799178591" name="Text Placeholder 3"/>
           <p:cNvSpPr>
             <a:spLocks noGrp="1"/>
           </p:cNvSpPr>
@@ -3598,7 +3770,7 @@
       </p:sp>
       <p:sp>
         <p:nvSpPr>
-          <p:cNvPr id="2064994817" name="Date Placeholder 4"/>
+          <p:cNvPr id="830514619" name="Date Placeholder 4"/>
           <p:cNvSpPr>
             <a:spLocks noGrp="1"/>
           </p:cNvSpPr>
@@ -3624,7 +3796,7 @@
       </p:sp>
       <p:sp>
         <p:nvSpPr>
-          <p:cNvPr id="359831500" name="Footer Placeholder 5"/>
+          <p:cNvPr id="762522650" name="Footer Placeholder 5"/>
           <p:cNvSpPr>
             <a:spLocks noGrp="1"/>
           </p:cNvSpPr>
@@ -3646,7 +3818,7 @@
       </p:sp>
       <p:sp>
         <p:nvSpPr>
-          <p:cNvPr id="1297478394" name="Slide Number Placeholder 6"/>
+          <p:cNvPr id="750376290" name="Slide Number Placeholder 6"/>
           <p:cNvSpPr>
             <a:spLocks noGrp="1"/>
           </p:cNvSpPr>
@@ -3697,7 +3869,7 @@
       </p:grpSpPr>
       <p:sp>
         <p:nvSpPr>
-          <p:cNvPr id="543039094" name="Title 1"/>
+          <p:cNvPr id="1757080061" name="Title 1"/>
           <p:cNvSpPr>
             <a:spLocks noGrp="1"/>
           </p:cNvSpPr>
@@ -3732,7 +3904,7 @@
       </p:sp>
       <p:sp>
         <p:nvSpPr>
-          <p:cNvPr id="686605033" name="Picture Placeholder 2"/>
+          <p:cNvPr id="876172235" name="Picture Placeholder 2"/>
           <p:cNvSpPr>
             <a:spLocks noChangeAspect="1" noGrp="1"/>
           </p:cNvSpPr>
@@ -3800,7 +3972,7 @@
       </p:sp>
       <p:sp>
         <p:nvSpPr>
-          <p:cNvPr id="1914575300" name="Text Placeholder 3"/>
+          <p:cNvPr id="1693886608" name="Text Placeholder 3"/>
           <p:cNvSpPr>
             <a:spLocks noGrp="1"/>
           </p:cNvSpPr>
@@ -3868,7 +4040,7 @@
       </p:sp>
       <p:sp>
         <p:nvSpPr>
-          <p:cNvPr id="431041258" name="Date Placeholder 4"/>
+          <p:cNvPr id="1359958075" name="Date Placeholder 4"/>
           <p:cNvSpPr>
             <a:spLocks noGrp="1"/>
           </p:cNvSpPr>
@@ -3894,7 +4066,7 @@
       </p:sp>
       <p:sp>
         <p:nvSpPr>
-          <p:cNvPr id="1784445701" name="Footer Placeholder 5"/>
+          <p:cNvPr id="452752104" name="Footer Placeholder 5"/>
           <p:cNvSpPr>
             <a:spLocks noGrp="1"/>
           </p:cNvSpPr>
@@ -3916,7 +4088,7 @@
       </p:sp>
       <p:sp>
         <p:nvSpPr>
-          <p:cNvPr id="495928038" name="Slide Number Placeholder 6"/>
+          <p:cNvPr id="479372306" name="Slide Number Placeholder 6"/>
           <p:cNvSpPr>
             <a:spLocks noGrp="1"/>
           </p:cNvSpPr>
@@ -3972,7 +4144,7 @@
       </p:grpSpPr>
       <p:sp>
         <p:nvSpPr>
-          <p:cNvPr id="1538199505" name="Title Placeholder 1"/>
+          <p:cNvPr id="1437751640" name="Title Placeholder 1"/>
           <p:cNvSpPr>
             <a:spLocks noGrp="1"/>
           </p:cNvSpPr>
@@ -4008,7 +4180,7 @@
       </p:sp>
       <p:sp>
         <p:nvSpPr>
-          <p:cNvPr id="353583992" name="Text Placeholder 2"/>
+          <p:cNvPr id="511470737" name="Text Placeholder 2"/>
           <p:cNvSpPr>
             <a:spLocks noGrp="1"/>
           </p:cNvSpPr>
@@ -4084,7 +4256,7 @@
       </p:sp>
       <p:sp>
         <p:nvSpPr>
-          <p:cNvPr id="1636842741" name="Date Placeholder 3"/>
+          <p:cNvPr id="2104462557" name="Date Placeholder 3"/>
           <p:cNvSpPr>
             <a:spLocks noGrp="1"/>
           </p:cNvSpPr>
@@ -4128,7 +4300,7 @@
       </p:sp>
       <p:sp>
         <p:nvSpPr>
-          <p:cNvPr id="828377595" name="Footer Placeholder 4"/>
+          <p:cNvPr id="58618517" name="Footer Placeholder 4"/>
           <p:cNvSpPr>
             <a:spLocks noGrp="1"/>
           </p:cNvSpPr>
@@ -4168,7 +4340,7 @@
       </p:sp>
       <p:sp>
         <p:nvSpPr>
-          <p:cNvPr id="1412737566" name="Slide Number Placeholder 5"/>
+          <p:cNvPr id="2019819118" name="Slide Number Placeholder 5"/>
           <p:cNvSpPr>
             <a:spLocks noGrp="1"/>
           </p:cNvSpPr>
@@ -4528,7 +4700,7 @@
       </p:grpSpPr>
       <p:sp>
         <p:nvSpPr>
-          <p:cNvPr id="1459066192" name="Title 1"/>
+          <p:cNvPr id="1857409485" name="Title 1"/>
           <p:cNvSpPr>
             <a:spLocks noGrp="1"/>
           </p:cNvSpPr>
@@ -4565,7 +4737,7 @@
       </p:sp>
       <p:sp>
         <p:nvSpPr>
-          <p:cNvPr id="807424716" name="Subtitle 2"/>
+          <p:cNvPr id="653137054" name="Subtitle 2"/>
           <p:cNvSpPr>
             <a:spLocks noGrp="1"/>
           </p:cNvSpPr>
@@ -4663,7 +4835,7 @@
       </p:grpSpPr>
       <p:sp>
         <p:nvSpPr>
-          <p:cNvPr id="398326190" name="Title 1"/>
+          <p:cNvPr id="1340164186" name="Title 1"/>
           <p:cNvSpPr>
             <a:spLocks noGrp="1"/>
           </p:cNvSpPr>
@@ -4688,9 +4860,9 @@
                 <a:ea typeface="Arial"/>
                 <a:cs typeface="Arial"/>
               </a:rPr>
-              <a:t>Результаты и выводы</a:t>
-            </a:r>
-            <a:endParaRPr sz="2000">
+              <a:t>Недостатки</a:t>
+            </a:r>
+            <a:endParaRPr>
               <a:solidFill>
                 <a:schemeClr val="tx1"/>
               </a:solidFill>
@@ -4700,7 +4872,7 @@
       </p:sp>
       <p:sp>
         <p:nvSpPr>
-          <p:cNvPr id="1777457763" name="Content Placeholder 2"/>
+          <p:cNvPr id="274881616" name="Content Placeholder 2"/>
           <p:cNvSpPr>
             <a:spLocks noGrp="1"/>
           </p:cNvSpPr>
@@ -4727,9 +4899,9 @@
                 <a:ea typeface="Arial"/>
                 <a:cs typeface="Arial"/>
               </a:rPr>
-              <a:t>Достигнутые результаты:</a:t>
-            </a:r>
-            <a:endParaRPr sz="1200" u="none">
+              <a:t>Performance Overhead:</a:t>
+            </a:r>
+            <a:endParaRPr sz="1200">
               <a:solidFill>
                 <a:schemeClr val="tx1"/>
               </a:solidFill>
@@ -4748,9 +4920,9 @@
                 <a:ea typeface="Arial"/>
                 <a:cs typeface="Arial"/>
               </a:rPr>
-              <a:t>✅ Снижение порога входа в graphics programming</a:t>
-            </a:r>
-            <a:endParaRPr sz="1200" u="none">
+              <a:t>Compilation cost: 0.5-2ms для сложных графов</a:t>
+            </a:r>
+            <a:endParaRPr sz="1200">
               <a:solidFill>
                 <a:schemeClr val="tx1"/>
               </a:solidFill>
@@ -4769,9 +4941,9 @@
                 <a:ea typeface="Arial"/>
                 <a:cs typeface="Arial"/>
               </a:rPr>
-              <a:t>✅ Гибкая архитектура для неопределенных требований</a:t>
-            </a:r>
-            <a:endParaRPr sz="1200" u="none">
+              <a:t>Memory overhead: ~150 байт метаданных на pass</a:t>
+            </a:r>
+            <a:endParaRPr sz="1200">
               <a:solidFill>
                 <a:schemeClr val="tx1"/>
               </a:solidFill>
@@ -4790,37 +4962,9 @@
                 <a:ea typeface="Arial"/>
                 <a:cs typeface="Arial"/>
               </a:rPr>
-              <a:t>✅ Автоматическая оптимизация производительности</a:t>
-            </a:r>
-            <a:endParaRPr sz="1200" u="none">
-              <a:solidFill>
-                <a:schemeClr val="tx1"/>
-              </a:solidFill>
-            </a:endParaRPr>
-          </a:p>
-          <a:p>
-            <a:pPr>
-              <a:defRPr/>
-            </a:pPr>
-            <a:r>
-              <a:rPr sz="1200" b="0" i="0" u="none">
-                <a:solidFill>
-                  <a:schemeClr val="tx1"/>
-                </a:solidFill>
-                <a:latin typeface="Arial"/>
-                <a:ea typeface="Arial"/>
-                <a:cs typeface="Arial"/>
-              </a:rPr>
-              <a:t>✅ 85%+ test coverage, production-ready качество</a:t>
-            </a:r>
-            <a:br>
-              <a:rPr sz="1200" u="none">
-                <a:solidFill>
-                  <a:schemeClr val="tx1"/>
-                </a:solidFill>
-              </a:rPr>
-            </a:br>
-            <a:endParaRPr sz="1200" u="none">
+              <a:t>Indirection в вызовах функций</a:t>
+            </a:r>
+            <a:endParaRPr sz="1200">
               <a:solidFill>
                 <a:schemeClr val="tx1"/>
               </a:solidFill>
@@ -4832,147 +4976,7 @@
               <a:buNone/>
               <a:defRPr/>
             </a:pPr>
-            <a:r>
-              <a:rPr sz="1200" b="1" i="0" u="none">
-                <a:solidFill>
-                  <a:schemeClr val="tx1"/>
-                </a:solidFill>
-                <a:latin typeface="Arial"/>
-                <a:ea typeface="Arial"/>
-                <a:cs typeface="Arial"/>
-              </a:rPr>
-              <a:t>Практическая значимость:</a:t>
-            </a:r>
-            <a:endParaRPr sz="1200" u="none">
-              <a:solidFill>
-                <a:schemeClr val="tx1"/>
-              </a:solidFill>
-            </a:endParaRPr>
-          </a:p>
-          <a:p>
-            <a:pPr>
-              <a:defRPr/>
-            </a:pPr>
-            <a:r>
-              <a:rPr sz="1200" b="1" i="0" u="none">
-                <a:solidFill>
-                  <a:schemeClr val="tx1"/>
-                </a:solidFill>
-                <a:latin typeface="Arial"/>
-                <a:ea typeface="Arial"/>
-                <a:cs typeface="Arial"/>
-              </a:rPr>
-              <a:t>3-5x ускорение</a:t>
-            </a:r>
-            <a:r>
-              <a:rPr sz="1200" b="0" i="0" u="none">
-                <a:solidFill>
-                  <a:schemeClr val="tx1"/>
-                </a:solidFill>
-                <a:latin typeface="Arial"/>
-                <a:ea typeface="Arial"/>
-                <a:cs typeface="Arial"/>
-              </a:rPr>
-              <a:t> </a:t>
-            </a:r>
-            <a:r>
-              <a:rPr sz="1200" b="0" i="0" u="none">
-                <a:solidFill>
-                  <a:schemeClr val="tx1"/>
-                </a:solidFill>
-                <a:latin typeface="Arial"/>
-                <a:ea typeface="Arial"/>
-                <a:cs typeface="Arial"/>
-              </a:rPr>
-              <a:t>разработки новых эффектов</a:t>
-            </a:r>
-            <a:endParaRPr sz="1200" u="none">
-              <a:solidFill>
-                <a:schemeClr val="tx1"/>
-              </a:solidFill>
-            </a:endParaRPr>
-          </a:p>
-          <a:p>
-            <a:pPr>
-              <a:defRPr/>
-            </a:pPr>
-            <a:r>
-              <a:rPr sz="1200" b="1" i="0" u="none">
-                <a:solidFill>
-                  <a:schemeClr val="tx1"/>
-                </a:solidFill>
-                <a:latin typeface="Arial"/>
-                <a:ea typeface="Arial"/>
-                <a:cs typeface="Arial"/>
-              </a:rPr>
-              <a:t>80% снижение</a:t>
-            </a:r>
-            <a:r>
-              <a:rPr sz="1200" b="0" i="0" u="none">
-                <a:solidFill>
-                  <a:schemeClr val="tx1"/>
-                </a:solidFill>
-                <a:latin typeface="Arial"/>
-                <a:ea typeface="Arial"/>
-                <a:cs typeface="Arial"/>
-              </a:rPr>
-              <a:t> </a:t>
-            </a:r>
-            <a:r>
-              <a:rPr sz="1200" b="0" i="0" u="none">
-                <a:solidFill>
-                  <a:schemeClr val="tx1"/>
-                </a:solidFill>
-                <a:latin typeface="Arial"/>
-                <a:ea typeface="Arial"/>
-                <a:cs typeface="Arial"/>
-              </a:rPr>
-              <a:t>graphics-related багов</a:t>
-            </a:r>
-            <a:endParaRPr sz="1200" u="none">
-              <a:solidFill>
-                <a:schemeClr val="tx1"/>
-              </a:solidFill>
-            </a:endParaRPr>
-          </a:p>
-          <a:p>
-            <a:pPr>
-              <a:defRPr/>
-            </a:pPr>
-            <a:r>
-              <a:rPr sz="1200" b="1" i="0" u="none">
-                <a:solidFill>
-                  <a:schemeClr val="tx1"/>
-                </a:solidFill>
-                <a:latin typeface="Arial"/>
-                <a:ea typeface="Arial"/>
-                <a:cs typeface="Arial"/>
-              </a:rPr>
-              <a:t>60-75% экономия</a:t>
-            </a:r>
-            <a:r>
-              <a:rPr sz="1200" b="0" i="0" u="none">
-                <a:solidFill>
-                  <a:schemeClr val="tx1"/>
-                </a:solidFill>
-                <a:latin typeface="Arial"/>
-                <a:ea typeface="Arial"/>
-                <a:cs typeface="Arial"/>
-              </a:rPr>
-              <a:t> </a:t>
-            </a:r>
-            <a:r>
-              <a:rPr sz="1200" b="0" i="0" u="none">
-                <a:solidFill>
-                  <a:schemeClr val="tx1"/>
-                </a:solidFill>
-                <a:latin typeface="Arial"/>
-                <a:ea typeface="Arial"/>
-                <a:cs typeface="Arial"/>
-              </a:rPr>
-              <a:t>VRAM через автоматический aliasing</a:t>
-            </a:r>
-            <a:endParaRPr sz="1200" u="none">
+            <a:endParaRPr sz="1200">
               <a:solidFill>
                 <a:schemeClr val="tx1"/>
               </a:solidFill>
@@ -4984,6 +4988,80 @@
               <a:buNone/>
               <a:defRPr/>
             </a:pPr>
+            <a:r>
+              <a:rPr sz="1200" b="1" i="0" u="none">
+                <a:solidFill>
+                  <a:schemeClr val="tx1"/>
+                </a:solidFill>
+                <a:latin typeface="Arial"/>
+                <a:ea typeface="Arial"/>
+                <a:cs typeface="Arial"/>
+              </a:rPr>
+              <a:t>Сложность отладки:</a:t>
+            </a:r>
+            <a:endParaRPr sz="1200">
+              <a:solidFill>
+                <a:schemeClr val="tx1"/>
+              </a:solidFill>
+            </a:endParaRPr>
+          </a:p>
+          <a:p>
+            <a:pPr>
+              <a:defRPr/>
+            </a:pPr>
+            <a:r>
+              <a:rPr sz="1200" b="0" i="0" u="none">
+                <a:solidFill>
+                  <a:schemeClr val="tx1"/>
+                </a:solidFill>
+                <a:latin typeface="Arial"/>
+                <a:ea typeface="Arial"/>
+                <a:cs typeface="Arial"/>
+              </a:rPr>
+              <a:t>Непрямое выполнение затрудняет debugging</a:t>
+            </a:r>
+            <a:endParaRPr sz="1200">
+              <a:solidFill>
+                <a:schemeClr val="tx1"/>
+              </a:solidFill>
+            </a:endParaRPr>
+          </a:p>
+          <a:p>
+            <a:pPr>
+              <a:defRPr/>
+            </a:pPr>
+            <a:r>
+              <a:rPr sz="1200" b="0" i="0" u="none">
+                <a:solidFill>
+                  <a:schemeClr val="tx1"/>
+                </a:solidFill>
+                <a:latin typeface="Arial"/>
+                <a:ea typeface="Arial"/>
+                <a:cs typeface="Arial"/>
+              </a:rPr>
+              <a:t>Необходимость понимания концепции графа</a:t>
+            </a:r>
+            <a:endParaRPr sz="1200">
+              <a:solidFill>
+                <a:schemeClr val="tx1"/>
+              </a:solidFill>
+            </a:endParaRPr>
+          </a:p>
+          <a:p>
+            <a:pPr>
+              <a:defRPr/>
+            </a:pPr>
+            <a:r>
+              <a:rPr sz="1200" b="0" i="0" u="none">
+                <a:solidFill>
+                  <a:schemeClr val="tx1"/>
+                </a:solidFill>
+                <a:latin typeface="Arial"/>
+                <a:ea typeface="Arial"/>
+                <a:cs typeface="Arial"/>
+              </a:rPr>
+              <a:t>Сложнее отследить flow выполнения</a:t>
+            </a:r>
             <a:endParaRPr sz="1200">
               <a:solidFill>
                 <a:schemeClr val="tx1"/>
@@ -4996,6 +5074,18 @@
               <a:buNone/>
               <a:defRPr/>
             </a:pPr>
+            <a:endParaRPr sz="1200">
+              <a:solidFill>
+                <a:schemeClr val="tx1"/>
+              </a:solidFill>
+            </a:endParaRPr>
+          </a:p>
+          <a:p>
+            <a:pPr marL="0" indent="0">
+              <a:buFont typeface="Arial"/>
+              <a:buNone/>
+              <a:defRPr/>
+            </a:pPr>
             <a:r>
               <a:rPr sz="1200" b="1" i="0" u="none">
                 <a:solidFill>
@@ -5005,37 +5095,78 @@
                 <a:ea typeface="Arial"/>
                 <a:cs typeface="Arial"/>
               </a:rPr>
-              <a:t>Применимость:</a:t>
-            </a:r>
-            <a:r>
-              <a:rPr sz="1200" b="0" i="0" u="none">
-                <a:solidFill>
-                  <a:schemeClr val="tx1"/>
-                </a:solidFill>
-                <a:latin typeface="Arial"/>
-                <a:ea typeface="Arial"/>
-                <a:cs typeface="Arial"/>
-              </a:rPr>
-              <a:t> </a:t>
-            </a:r>
-            <a:r>
-              <a:rPr sz="1200" b="0" i="0" u="none">
-                <a:solidFill>
-                  <a:schemeClr val="tx1"/>
-                </a:solidFill>
-                <a:latin typeface="Arial"/>
-                <a:ea typeface="Arial"/>
-                <a:cs typeface="Arial"/>
-              </a:rPr>
-              <a:t>Решение рекомендуется для команд без глубокой graphics экспертизы, работающих с проектами визуализации средней сложности и изменяющимися требованиями.</a:t>
-            </a:r>
-            <a:endParaRPr sz="1200" b="0" i="0" u="none">
+              <a:t>Ограничения гибкости:</a:t>
+            </a:r>
+            <a:endParaRPr sz="1200" b="1" i="0" u="none">
               <a:solidFill>
                 <a:schemeClr val="tx1"/>
               </a:solidFill>
               <a:latin typeface="Arial"/>
               <a:ea typeface="Arial"/>
               <a:cs typeface="Arial"/>
+            </a:endParaRPr>
+          </a:p>
+          <a:p>
+            <a:pPr>
+              <a:defRPr/>
+            </a:pPr>
+            <a:r>
+              <a:rPr sz="1200" b="0" i="0" u="none">
+                <a:solidFill>
+                  <a:schemeClr val="tx1"/>
+                </a:solidFill>
+                <a:latin typeface="Arial"/>
+                <a:ea typeface="Arial"/>
+                <a:cs typeface="Arial"/>
+              </a:rPr>
+              <a:t>Проблемы с динамическими pipeline'ами</a:t>
+            </a:r>
+            <a:endParaRPr sz="1200">
+              <a:solidFill>
+                <a:schemeClr val="tx1"/>
+              </a:solidFill>
+            </a:endParaRPr>
+          </a:p>
+          <a:p>
+            <a:pPr>
+              <a:defRPr/>
+            </a:pPr>
+            <a:r>
+              <a:rPr sz="1200" b="0" i="0" u="none">
+                <a:solidFill>
+                  <a:schemeClr val="tx1"/>
+                </a:solidFill>
+                <a:latin typeface="Arial"/>
+                <a:ea typeface="Arial"/>
+                <a:cs typeface="Arial"/>
+              </a:rPr>
+              <a:t>Ограниченная поддержка условного выполнения</a:t>
+            </a:r>
+            <a:endParaRPr sz="1200">
+              <a:solidFill>
+                <a:schemeClr val="tx1"/>
+              </a:solidFill>
+            </a:endParaRPr>
+          </a:p>
+          <a:p>
+            <a:pPr>
+              <a:defRPr/>
+            </a:pPr>
+            <a:r>
+              <a:rPr sz="1200" b="0" i="0" u="none">
+                <a:solidFill>
+                  <a:schemeClr val="tx1"/>
+                </a:solidFill>
+                <a:latin typeface="Arial"/>
+                <a:ea typeface="Arial"/>
+                <a:cs typeface="Arial"/>
+              </a:rPr>
+              <a:t>Возможные проблемы с legacy кодом</a:t>
+            </a:r>
+            <a:endParaRPr sz="1200">
+              <a:solidFill>
+                <a:schemeClr val="tx1"/>
+              </a:solidFill>
             </a:endParaRPr>
           </a:p>
         </p:txBody>
@@ -5075,7 +5206,7 @@
       </p:grpSpPr>
       <p:sp>
         <p:nvSpPr>
-          <p:cNvPr id="2136562347" name="Title 1"/>
+          <p:cNvPr id="1678585556" name="Title 1"/>
           <p:cNvSpPr>
             <a:spLocks noGrp="1"/>
           </p:cNvSpPr>
@@ -5100,7 +5231,7 @@
                 <a:ea typeface="Arial"/>
                 <a:cs typeface="Arial"/>
               </a:rPr>
-              <a:t>Спасибо за внимание</a:t>
+              <a:t>Дополнительные возможности</a:t>
             </a:r>
             <a:endParaRPr sz="2000">
               <a:solidFill>
@@ -5112,7 +5243,7 @@
       </p:sp>
       <p:sp>
         <p:nvSpPr>
-          <p:cNvPr id="1757846094" name="Content Placeholder 2"/>
+          <p:cNvPr id="73197870" name="Content Placeholder 2"/>
           <p:cNvSpPr>
             <a:spLocks noGrp="1"/>
           </p:cNvSpPr>
@@ -5139,6 +5270,973 @@
                 <a:ea typeface="Arial"/>
                 <a:cs typeface="Arial"/>
               </a:rPr>
+              <a:t>Профилирование и статистика:</a:t>
+            </a:r>
+            <a:endParaRPr sz="1200">
+              <a:solidFill>
+                <a:schemeClr val="tx1"/>
+              </a:solidFill>
+            </a:endParaRPr>
+          </a:p>
+          <a:p>
+            <a:pPr marL="0" indent="0">
+              <a:buFont typeface="Arial"/>
+              <a:buNone/>
+              <a:defRPr/>
+            </a:pPr>
+            <a:r>
+              <a:rPr sz="1000" b="0" i="1" u="none">
+                <a:solidFill>
+                  <a:schemeClr val="accent6"/>
+                </a:solidFill>
+                <a:latin typeface="Fira Code Light"/>
+                <a:ea typeface="Fira Code Light"/>
+                <a:cs typeface="Fira Code Light"/>
+              </a:rPr>
+              <a:t>// Автоматический сбор данных</a:t>
+            </a:r>
+            <a:r>
+              <a:rPr sz="1000" b="0" i="0" u="none">
+                <a:solidFill>
+                  <a:schemeClr val="accent6"/>
+                </a:solidFill>
+                <a:latin typeface="Fira Code Light"/>
+                <a:ea typeface="Fira Code Light"/>
+                <a:cs typeface="Fira Code Light"/>
+              </a:rPr>
+              <a:t> </a:t>
+            </a:r>
+            <a:endParaRPr sz="1000" b="0" i="0" u="none">
+              <a:solidFill>
+                <a:schemeClr val="tx1"/>
+              </a:solidFill>
+              <a:latin typeface="Fira Code Light"/>
+              <a:cs typeface="Fira Code Light"/>
+            </a:endParaRPr>
+          </a:p>
+          <a:p>
+            <a:pPr marL="0" indent="0">
+              <a:buFont typeface="Arial"/>
+              <a:buNone/>
+              <a:defRPr/>
+            </a:pPr>
+            <a:r>
+              <a:rPr sz="1000" b="0" i="1" u="none">
+                <a:solidFill>
+                  <a:schemeClr val="tx1"/>
+                </a:solidFill>
+                <a:latin typeface="Fira Code Light"/>
+                <a:ea typeface="Fira Code Light"/>
+                <a:cs typeface="Fira Code Light"/>
+              </a:rPr>
+              <a:t>foreach(var pass in renderGraph.Passes) </a:t>
+            </a:r>
+            <a:r>
+              <a:rPr sz="1000" b="0" i="1" u="none">
+                <a:solidFill>
+                  <a:schemeClr val="tx1"/>
+                </a:solidFill>
+                <a:latin typeface="Fira Code Light"/>
+                <a:ea typeface="Fira Code Light"/>
+                <a:cs typeface="Fira Code Light"/>
+              </a:rPr>
+              <a:t>{     </a:t>
+            </a:r>
+            <a:endParaRPr sz="1000" b="0" i="1" u="none">
+              <a:solidFill>
+                <a:schemeClr val="tx1"/>
+              </a:solidFill>
+              <a:latin typeface="Fira Code Light"/>
+              <a:cs typeface="Fira Code Light"/>
+            </a:endParaRPr>
+          </a:p>
+          <a:p>
+            <a:pPr marL="0" indent="0">
+              <a:buFont typeface="Arial"/>
+              <a:buNone/>
+              <a:defRPr/>
+            </a:pPr>
+            <a:r>
+              <a:rPr sz="1000" b="0" i="1" u="none">
+                <a:solidFill>
+                  <a:schemeClr val="tx1"/>
+                </a:solidFill>
+                <a:latin typeface="Fira Code Light"/>
+                <a:ea typeface="Fira Code Light"/>
+                <a:cs typeface="Fira Code Light"/>
+              </a:rPr>
+              <a:t>  Console.</a:t>
+            </a:r>
+            <a:r>
+              <a:rPr sz="1000" b="0" i="1" u="none">
+                <a:solidFill>
+                  <a:schemeClr val="tx1"/>
+                </a:solidFill>
+                <a:latin typeface="Fira Code Light"/>
+                <a:ea typeface="Fira Code Light"/>
+                <a:cs typeface="Fira Code Light"/>
+              </a:rPr>
+              <a:t>WriteLine</a:t>
+            </a:r>
+            <a:r>
+              <a:rPr sz="1000" b="0" i="1" u="none">
+                <a:solidFill>
+                  <a:schemeClr val="tx1"/>
+                </a:solidFill>
+                <a:latin typeface="Fira Code Light"/>
+                <a:ea typeface="Fira Code Light"/>
+                <a:cs typeface="Fira Code Light"/>
+              </a:rPr>
+              <a:t>($</a:t>
+            </a:r>
+            <a:r>
+              <a:rPr sz="1000" b="0" i="1" u="none">
+                <a:solidFill>
+                  <a:schemeClr val="tx1"/>
+                </a:solidFill>
+                <a:latin typeface="Fira Code Light"/>
+                <a:ea typeface="Fira Code Light"/>
+                <a:cs typeface="Fira Code Light"/>
+              </a:rPr>
+              <a:t>"{pass.Name}: {pass.Stats.ExecutionTime:F2}ms"</a:t>
+            </a:r>
+            <a:r>
+              <a:rPr sz="1000" b="0" i="1" u="none">
+                <a:solidFill>
+                  <a:schemeClr val="tx1"/>
+                </a:solidFill>
+                <a:latin typeface="Fira Code Light"/>
+                <a:ea typeface="Fira Code Light"/>
+                <a:cs typeface="Fira Code Light"/>
+              </a:rPr>
+              <a:t>);     </a:t>
+            </a:r>
+            <a:endParaRPr sz="1000" b="0" i="1" u="none">
+              <a:solidFill>
+                <a:schemeClr val="tx1"/>
+              </a:solidFill>
+              <a:latin typeface="Fira Code Light"/>
+              <a:cs typeface="Fira Code Light"/>
+            </a:endParaRPr>
+          </a:p>
+          <a:p>
+            <a:pPr marL="0" indent="0">
+              <a:buFont typeface="Arial"/>
+              <a:buNone/>
+              <a:defRPr/>
+            </a:pPr>
+            <a:r>
+              <a:rPr sz="1000" b="0" i="1" u="none">
+                <a:solidFill>
+                  <a:schemeClr val="tx1"/>
+                </a:solidFill>
+                <a:latin typeface="Fira Code Light"/>
+                <a:ea typeface="Fira Code Light"/>
+                <a:cs typeface="Fira Code Light"/>
+              </a:rPr>
+              <a:t>  Console.</a:t>
+            </a:r>
+            <a:r>
+              <a:rPr sz="1000" b="0" i="1" u="none">
+                <a:solidFill>
+                  <a:schemeClr val="tx1"/>
+                </a:solidFill>
+                <a:latin typeface="Fira Code Light"/>
+                <a:ea typeface="Fira Code Light"/>
+                <a:cs typeface="Fira Code Light"/>
+              </a:rPr>
+              <a:t>WriteLine</a:t>
+            </a:r>
+            <a:r>
+              <a:rPr sz="1000" b="0" i="1" u="none">
+                <a:solidFill>
+                  <a:schemeClr val="tx1"/>
+                </a:solidFill>
+                <a:latin typeface="Fira Code Light"/>
+                <a:ea typeface="Fira Code Light"/>
+                <a:cs typeface="Fira Code Light"/>
+              </a:rPr>
+              <a:t>($</a:t>
+            </a:r>
+            <a:r>
+              <a:rPr sz="1000" b="0" i="1" u="none">
+                <a:solidFill>
+                  <a:schemeClr val="tx1"/>
+                </a:solidFill>
+                <a:latin typeface="Fira Code Light"/>
+                <a:ea typeface="Fira Code Light"/>
+                <a:cs typeface="Fira Code Light"/>
+              </a:rPr>
+              <a:t>"Memory: {pass.Stats.MemoryUsage}KB"</a:t>
+            </a:r>
+            <a:r>
+              <a:rPr sz="1000" b="0" i="1" u="none">
+                <a:solidFill>
+                  <a:schemeClr val="tx1"/>
+                </a:solidFill>
+                <a:latin typeface="Fira Code Light"/>
+                <a:ea typeface="Fira Code Light"/>
+                <a:cs typeface="Fira Code Light"/>
+              </a:rPr>
+              <a:t>); </a:t>
+            </a:r>
+            <a:endParaRPr sz="1000" b="0" i="1" u="none">
+              <a:solidFill>
+                <a:schemeClr val="tx1"/>
+              </a:solidFill>
+              <a:latin typeface="Fira Code Light"/>
+              <a:cs typeface="Fira Code Light"/>
+            </a:endParaRPr>
+          </a:p>
+          <a:p>
+            <a:pPr marL="0" indent="0">
+              <a:buFont typeface="Arial"/>
+              <a:buNone/>
+              <a:defRPr/>
+            </a:pPr>
+            <a:r>
+              <a:rPr sz="1000" b="0" i="1" u="none">
+                <a:solidFill>
+                  <a:schemeClr val="tx1"/>
+                </a:solidFill>
+                <a:latin typeface="Fira Code Light"/>
+                <a:ea typeface="Fira Code Light"/>
+                <a:cs typeface="Fira Code Light"/>
+              </a:rPr>
+              <a:t>}</a:t>
+            </a:r>
+            <a:endParaRPr sz="1200" b="0" i="0" u="none">
+              <a:solidFill>
+                <a:schemeClr val="tx1"/>
+              </a:solidFill>
+              <a:latin typeface="Consolas"/>
+              <a:ea typeface="Consolas"/>
+              <a:cs typeface="Consolas"/>
+            </a:endParaRPr>
+          </a:p>
+          <a:p>
+            <a:pPr marL="0" indent="0">
+              <a:buFont typeface="Arial"/>
+              <a:buNone/>
+              <a:defRPr/>
+            </a:pPr>
+            <a:r>
+              <a:rPr sz="1200" b="0" i="0" u="none">
+                <a:solidFill>
+                  <a:schemeClr val="tx1"/>
+                </a:solidFill>
+                <a:latin typeface="Consolas"/>
+                <a:ea typeface="Consolas"/>
+                <a:cs typeface="Consolas"/>
+              </a:rPr>
+              <a:t> </a:t>
+            </a:r>
+            <a:endParaRPr>
+              <a:solidFill>
+                <a:schemeClr val="tx1"/>
+              </a:solidFill>
+            </a:endParaRPr>
+          </a:p>
+          <a:p>
+            <a:pPr marL="0" indent="0">
+              <a:buFont typeface="Arial"/>
+              <a:buNone/>
+              <a:defRPr/>
+            </a:pPr>
+            <a:r>
+              <a:rPr sz="1200" b="1" i="0" u="none">
+                <a:solidFill>
+                  <a:schemeClr val="tx1"/>
+                </a:solidFill>
+                <a:latin typeface="Arial"/>
+                <a:ea typeface="Arial"/>
+                <a:cs typeface="Arial"/>
+              </a:rPr>
+              <a:t>Visual Debugging:</a:t>
+            </a:r>
+            <a:endParaRPr sz="1200">
+              <a:solidFill>
+                <a:schemeClr val="tx1"/>
+              </a:solidFill>
+            </a:endParaRPr>
+          </a:p>
+          <a:p>
+            <a:pPr>
+              <a:defRPr/>
+            </a:pPr>
+            <a:r>
+              <a:rPr sz="1200" b="0" i="0" u="none">
+                <a:solidFill>
+                  <a:schemeClr val="tx1"/>
+                </a:solidFill>
+                <a:latin typeface="Arial"/>
+                <a:ea typeface="Arial"/>
+                <a:cs typeface="Arial"/>
+              </a:rPr>
+              <a:t>Автоматическая генерация диаграмм графа</a:t>
+            </a:r>
+            <a:endParaRPr sz="1200">
+              <a:solidFill>
+                <a:schemeClr val="tx1"/>
+              </a:solidFill>
+            </a:endParaRPr>
+          </a:p>
+          <a:p>
+            <a:pPr>
+              <a:defRPr/>
+            </a:pPr>
+            <a:r>
+              <a:rPr sz="1200" b="0" i="0" u="none">
+                <a:solidFill>
+                  <a:schemeClr val="tx1"/>
+                </a:solidFill>
+                <a:latin typeface="Arial"/>
+                <a:ea typeface="Arial"/>
+                <a:cs typeface="Arial"/>
+              </a:rPr>
+              <a:t>Resource flow tracking</a:t>
+            </a:r>
+            <a:endParaRPr sz="1200">
+              <a:solidFill>
+                <a:schemeClr val="tx1"/>
+              </a:solidFill>
+            </a:endParaRPr>
+          </a:p>
+          <a:p>
+            <a:pPr>
+              <a:defRPr/>
+            </a:pPr>
+            <a:r>
+              <a:rPr sz="1200" b="0" i="0" u="none">
+                <a:solidFill>
+                  <a:schemeClr val="tx1"/>
+                </a:solidFill>
+                <a:latin typeface="Arial"/>
+                <a:ea typeface="Arial"/>
+                <a:cs typeface="Arial"/>
+              </a:rPr>
+              <a:t>Bottleneck identification</a:t>
+            </a:r>
+            <a:endParaRPr sz="1200">
+              <a:solidFill>
+                <a:schemeClr val="tx1"/>
+              </a:solidFill>
+            </a:endParaRPr>
+          </a:p>
+          <a:p>
+            <a:pPr marL="0" indent="0">
+              <a:buFont typeface="Arial"/>
+              <a:buNone/>
+              <a:defRPr/>
+            </a:pPr>
+            <a:endParaRPr sz="1200">
+              <a:solidFill>
+                <a:schemeClr val="tx1"/>
+              </a:solidFill>
+            </a:endParaRPr>
+          </a:p>
+          <a:p>
+            <a:pPr marL="0" indent="0">
+              <a:buFont typeface="Arial"/>
+              <a:buNone/>
+              <a:defRPr/>
+            </a:pPr>
+            <a:r>
+              <a:rPr sz="1200" b="1" i="0" u="none">
+                <a:solidFill>
+                  <a:schemeClr val="tx1"/>
+                </a:solidFill>
+                <a:latin typeface="Arial"/>
+                <a:ea typeface="Arial"/>
+                <a:cs typeface="Arial"/>
+              </a:rPr>
+              <a:t>Development Tools:</a:t>
+            </a:r>
+            <a:endParaRPr sz="1200" b="1" i="0" u="none">
+              <a:solidFill>
+                <a:schemeClr val="tx1"/>
+              </a:solidFill>
+              <a:latin typeface="Arial"/>
+              <a:ea typeface="Arial"/>
+              <a:cs typeface="Arial"/>
+            </a:endParaRPr>
+          </a:p>
+          <a:p>
+            <a:pPr>
+              <a:defRPr/>
+            </a:pPr>
+            <a:r>
+              <a:rPr sz="1200" b="0" i="0" u="none">
+                <a:solidFill>
+                  <a:schemeClr val="tx1"/>
+                </a:solidFill>
+                <a:latin typeface="Arial"/>
+                <a:ea typeface="Arial"/>
+                <a:cs typeface="Arial"/>
+              </a:rPr>
+              <a:t>Hot-reload шейдеров и pass'ов</a:t>
+            </a:r>
+            <a:endParaRPr sz="1200">
+              <a:solidFill>
+                <a:schemeClr val="tx1"/>
+              </a:solidFill>
+            </a:endParaRPr>
+          </a:p>
+          <a:p>
+            <a:pPr>
+              <a:defRPr/>
+            </a:pPr>
+            <a:r>
+              <a:rPr sz="1200" b="0" i="0" u="none">
+                <a:solidFill>
+                  <a:schemeClr val="tx1"/>
+                </a:solidFill>
+                <a:latin typeface="Arial"/>
+                <a:ea typeface="Arial"/>
+                <a:cs typeface="Arial"/>
+              </a:rPr>
+              <a:t>Automated testing framework</a:t>
+            </a:r>
+            <a:endParaRPr sz="1200">
+              <a:solidFill>
+                <a:schemeClr val="tx1"/>
+              </a:solidFill>
+            </a:endParaRPr>
+          </a:p>
+          <a:p>
+            <a:pPr>
+              <a:defRPr/>
+            </a:pPr>
+            <a:r>
+              <a:rPr sz="1200" b="0" i="0" u="none">
+                <a:solidFill>
+                  <a:schemeClr val="tx1"/>
+                </a:solidFill>
+                <a:latin typeface="Arial"/>
+                <a:ea typeface="Arial"/>
+                <a:cs typeface="Arial"/>
+              </a:rPr>
+              <a:t>Integration с профайлерами (RenderDoc, PIX)</a:t>
+            </a:r>
+            <a:endParaRPr sz="1200">
+              <a:solidFill>
+                <a:schemeClr val="tx1"/>
+              </a:solidFill>
+            </a:endParaRPr>
+          </a:p>
+        </p:txBody>
+      </p:sp>
+    </p:spTree>
+  </p:cSld>
+  <p:clrMapOvr>
+    <a:masterClrMapping/>
+  </p:clrMapOvr>
+  <mc:AlternateContent xmlns:mc="http://schemas.openxmlformats.org/markup-compatibility/2006">
+    <mc:Choice xmlns:p159="http://schemas.microsoft.com/office/powerpoint/2015/09/main" xmlns:p14="http://schemas.microsoft.com/office/powerpoint/2010/main" Requires="p159">
+      <p:transition p14:dur="2000" advClick="1"/>
+    </mc:Choice>
+    <mc:Fallback>
+      <p:transition advClick="1"/>
+    </mc:Fallback>
+  </mc:AlternateContent>
+</p:sld>
+</file>
+
+<file path=ppt/slides/slide12.xml><?xml version="1.0" encoding="utf-8"?>
+<p:sld xmlns:a="http://schemas.openxmlformats.org/drawingml/2006/main" xmlns:r="http://schemas.openxmlformats.org/officeDocument/2006/relationships" xmlns:p="http://schemas.openxmlformats.org/presentationml/2006/main" xmlns:m="http://schemas.openxmlformats.org/officeDocument/2006/math" xmlns:w="http://schemas.openxmlformats.org/wordprocessingml/2006/main" xmlns:mc="http://schemas.openxmlformats.org/markup-compatibility/2006" showMasterPhAnim="0" showMasterSp="1" show="1">
+  <p:cSld name="">
+    <p:spTree>
+      <p:nvGrpSpPr>
+        <p:cNvPr id="1" name=""/>
+        <p:cNvGrpSpPr/>
+        <p:nvPr/>
+      </p:nvGrpSpPr>
+      <p:grpSpPr bwMode="auto">
+        <a:xfrm>
+          <a:off x="0" y="0"/>
+          <a:ext cx="0" cy="0"/>
+          <a:chOff x="0" y="0"/>
+          <a:chExt cx="0" cy="0"/>
+        </a:xfrm>
+      </p:grpSpPr>
+      <p:sp>
+        <p:nvSpPr>
+          <p:cNvPr id="2131197342" name="Title 1"/>
+          <p:cNvSpPr>
+            <a:spLocks noGrp="1"/>
+          </p:cNvSpPr>
+          <p:nvPr>
+            <p:ph type="title"/>
+          </p:nvPr>
+        </p:nvSpPr>
+        <p:spPr bwMode="auto"/>
+        <p:txBody>
+          <a:bodyPr/>
+          <a:lstStyle/>
+          <a:p>
+            <a:pPr>
+              <a:defRPr/>
+            </a:pPr>
+            <a:r>
+              <a:rPr sz="2000" b="1" i="0" u="none">
+                <a:solidFill>
+                  <a:schemeClr val="tx1"/>
+                </a:solidFill>
+                <a:latin typeface="Arial"/>
+                <a:ea typeface="Arial"/>
+                <a:cs typeface="Arial"/>
+              </a:rPr>
+              <a:t>Результаты и выводы</a:t>
+            </a:r>
+            <a:endParaRPr sz="2000">
+              <a:solidFill>
+                <a:schemeClr val="tx1"/>
+              </a:solidFill>
+            </a:endParaRPr>
+          </a:p>
+        </p:txBody>
+      </p:sp>
+      <p:sp>
+        <p:nvSpPr>
+          <p:cNvPr id="407203245" name="Content Placeholder 2"/>
+          <p:cNvSpPr>
+            <a:spLocks noGrp="1"/>
+          </p:cNvSpPr>
+          <p:nvPr>
+            <p:ph idx="1"/>
+          </p:nvPr>
+        </p:nvSpPr>
+        <p:spPr bwMode="auto"/>
+        <p:txBody>
+          <a:bodyPr/>
+          <a:lstStyle/>
+          <a:p>
+            <a:pPr marL="0" indent="0">
+              <a:buFont typeface="Arial"/>
+              <a:buNone/>
+              <a:defRPr/>
+            </a:pPr>
+            <a:r>
+              <a:rPr sz="1200" b="1" i="0" u="none">
+                <a:solidFill>
+                  <a:schemeClr val="tx1"/>
+                </a:solidFill>
+                <a:latin typeface="Arial"/>
+                <a:ea typeface="Arial"/>
+                <a:cs typeface="Arial"/>
+              </a:rPr>
+              <a:t>Достигнутые результаты:</a:t>
+            </a:r>
+            <a:endParaRPr sz="1200" u="none">
+              <a:solidFill>
+                <a:schemeClr val="tx1"/>
+              </a:solidFill>
+            </a:endParaRPr>
+          </a:p>
+          <a:p>
+            <a:pPr>
+              <a:defRPr/>
+            </a:pPr>
+            <a:r>
+              <a:rPr sz="1200" b="0" i="0" u="none">
+                <a:solidFill>
+                  <a:schemeClr val="tx1"/>
+                </a:solidFill>
+                <a:latin typeface="Arial"/>
+                <a:ea typeface="Arial"/>
+                <a:cs typeface="Arial"/>
+              </a:rPr>
+              <a:t>✅ Снижение порога входа в graphics programming</a:t>
+            </a:r>
+            <a:endParaRPr sz="1200" u="none">
+              <a:solidFill>
+                <a:schemeClr val="tx1"/>
+              </a:solidFill>
+            </a:endParaRPr>
+          </a:p>
+          <a:p>
+            <a:pPr>
+              <a:defRPr/>
+            </a:pPr>
+            <a:r>
+              <a:rPr sz="1200" b="0" i="0" u="none">
+                <a:solidFill>
+                  <a:schemeClr val="tx1"/>
+                </a:solidFill>
+                <a:latin typeface="Arial"/>
+                <a:ea typeface="Arial"/>
+                <a:cs typeface="Arial"/>
+              </a:rPr>
+              <a:t>✅ Гибкая архитектура для неопределенных требований</a:t>
+            </a:r>
+            <a:endParaRPr sz="1200" u="none">
+              <a:solidFill>
+                <a:schemeClr val="tx1"/>
+              </a:solidFill>
+            </a:endParaRPr>
+          </a:p>
+          <a:p>
+            <a:pPr>
+              <a:defRPr/>
+            </a:pPr>
+            <a:r>
+              <a:rPr sz="1200" b="0" i="0" u="none">
+                <a:solidFill>
+                  <a:schemeClr val="tx1"/>
+                </a:solidFill>
+                <a:latin typeface="Arial"/>
+                <a:ea typeface="Arial"/>
+                <a:cs typeface="Arial"/>
+              </a:rPr>
+              <a:t>✅ Автоматическая оптимизация производительности</a:t>
+            </a:r>
+            <a:endParaRPr sz="1200" u="none">
+              <a:solidFill>
+                <a:schemeClr val="tx1"/>
+              </a:solidFill>
+            </a:endParaRPr>
+          </a:p>
+          <a:p>
+            <a:pPr>
+              <a:defRPr/>
+            </a:pPr>
+            <a:r>
+              <a:rPr sz="1200" b="0" i="0" u="none">
+                <a:solidFill>
+                  <a:schemeClr val="tx1"/>
+                </a:solidFill>
+                <a:latin typeface="Arial"/>
+                <a:ea typeface="Arial"/>
+                <a:cs typeface="Arial"/>
+              </a:rPr>
+              <a:t>✅ 85%+ test coverage, production-ready качество</a:t>
+            </a:r>
+            <a:br>
+              <a:rPr sz="1200" u="none">
+                <a:solidFill>
+                  <a:schemeClr val="tx1"/>
+                </a:solidFill>
+              </a:rPr>
+            </a:br>
+            <a:endParaRPr sz="1200" u="none">
+              <a:solidFill>
+                <a:schemeClr val="tx1"/>
+              </a:solidFill>
+            </a:endParaRPr>
+          </a:p>
+          <a:p>
+            <a:pPr marL="0" indent="0">
+              <a:buFont typeface="Arial"/>
+              <a:buNone/>
+              <a:defRPr/>
+            </a:pPr>
+            <a:r>
+              <a:rPr sz="1200" b="1" i="0" u="none">
+                <a:solidFill>
+                  <a:schemeClr val="tx1"/>
+                </a:solidFill>
+                <a:latin typeface="Arial"/>
+                <a:ea typeface="Arial"/>
+                <a:cs typeface="Arial"/>
+              </a:rPr>
+              <a:t>Практическая значимость:</a:t>
+            </a:r>
+            <a:endParaRPr sz="1200" u="none">
+              <a:solidFill>
+                <a:schemeClr val="tx1"/>
+              </a:solidFill>
+            </a:endParaRPr>
+          </a:p>
+          <a:p>
+            <a:pPr>
+              <a:defRPr/>
+            </a:pPr>
+            <a:r>
+              <a:rPr sz="1200" b="1" i="0" u="none">
+                <a:solidFill>
+                  <a:schemeClr val="tx1"/>
+                </a:solidFill>
+                <a:latin typeface="Arial"/>
+                <a:ea typeface="Arial"/>
+                <a:cs typeface="Arial"/>
+              </a:rPr>
+              <a:t>3-5x ускорение</a:t>
+            </a:r>
+            <a:r>
+              <a:rPr sz="1200" b="0" i="0" u="none">
+                <a:solidFill>
+                  <a:schemeClr val="tx1"/>
+                </a:solidFill>
+                <a:latin typeface="Arial"/>
+                <a:ea typeface="Arial"/>
+                <a:cs typeface="Arial"/>
+              </a:rPr>
+              <a:t> </a:t>
+            </a:r>
+            <a:r>
+              <a:rPr sz="1200" b="0" i="0" u="none">
+                <a:solidFill>
+                  <a:schemeClr val="tx1"/>
+                </a:solidFill>
+                <a:latin typeface="Arial"/>
+                <a:ea typeface="Arial"/>
+                <a:cs typeface="Arial"/>
+              </a:rPr>
+              <a:t>разработки новых эффектов</a:t>
+            </a:r>
+            <a:endParaRPr sz="1200" u="none">
+              <a:solidFill>
+                <a:schemeClr val="tx1"/>
+              </a:solidFill>
+            </a:endParaRPr>
+          </a:p>
+          <a:p>
+            <a:pPr>
+              <a:defRPr/>
+            </a:pPr>
+            <a:r>
+              <a:rPr sz="1200" b="1" i="0" u="none">
+                <a:solidFill>
+                  <a:schemeClr val="tx1"/>
+                </a:solidFill>
+                <a:latin typeface="Arial"/>
+                <a:ea typeface="Arial"/>
+                <a:cs typeface="Arial"/>
+              </a:rPr>
+              <a:t>80% снижение</a:t>
+            </a:r>
+            <a:r>
+              <a:rPr sz="1200" b="0" i="0" u="none">
+                <a:solidFill>
+                  <a:schemeClr val="tx1"/>
+                </a:solidFill>
+                <a:latin typeface="Arial"/>
+                <a:ea typeface="Arial"/>
+                <a:cs typeface="Arial"/>
+              </a:rPr>
+              <a:t> </a:t>
+            </a:r>
+            <a:r>
+              <a:rPr sz="1200" b="0" i="0" u="none">
+                <a:solidFill>
+                  <a:schemeClr val="tx1"/>
+                </a:solidFill>
+                <a:latin typeface="Arial"/>
+                <a:ea typeface="Arial"/>
+                <a:cs typeface="Arial"/>
+              </a:rPr>
+              <a:t>graphics-related багов</a:t>
+            </a:r>
+            <a:endParaRPr sz="1200" u="none">
+              <a:solidFill>
+                <a:schemeClr val="tx1"/>
+              </a:solidFill>
+            </a:endParaRPr>
+          </a:p>
+          <a:p>
+            <a:pPr>
+              <a:defRPr/>
+            </a:pPr>
+            <a:r>
+              <a:rPr sz="1200" b="1" i="0" u="none">
+                <a:solidFill>
+                  <a:schemeClr val="tx1"/>
+                </a:solidFill>
+                <a:latin typeface="Arial"/>
+                <a:ea typeface="Arial"/>
+                <a:cs typeface="Arial"/>
+              </a:rPr>
+              <a:t>60-75% экономия</a:t>
+            </a:r>
+            <a:r>
+              <a:rPr sz="1200" b="0" i="0" u="none">
+                <a:solidFill>
+                  <a:schemeClr val="tx1"/>
+                </a:solidFill>
+                <a:latin typeface="Arial"/>
+                <a:ea typeface="Arial"/>
+                <a:cs typeface="Arial"/>
+              </a:rPr>
+              <a:t> </a:t>
+            </a:r>
+            <a:r>
+              <a:rPr sz="1200" b="0" i="0" u="none">
+                <a:solidFill>
+                  <a:schemeClr val="tx1"/>
+                </a:solidFill>
+                <a:latin typeface="Arial"/>
+                <a:ea typeface="Arial"/>
+                <a:cs typeface="Arial"/>
+              </a:rPr>
+              <a:t>VRAM через автоматический aliasing</a:t>
+            </a:r>
+            <a:endParaRPr sz="1200" u="none">
+              <a:solidFill>
+                <a:schemeClr val="tx1"/>
+              </a:solidFill>
+            </a:endParaRPr>
+          </a:p>
+          <a:p>
+            <a:pPr marL="0" indent="0">
+              <a:buFont typeface="Arial"/>
+              <a:buNone/>
+              <a:defRPr/>
+            </a:pPr>
+            <a:endParaRPr sz="1200">
+              <a:solidFill>
+                <a:schemeClr val="tx1"/>
+              </a:solidFill>
+            </a:endParaRPr>
+          </a:p>
+          <a:p>
+            <a:pPr marL="0" indent="0">
+              <a:buFont typeface="Arial"/>
+              <a:buNone/>
+              <a:defRPr/>
+            </a:pPr>
+            <a:r>
+              <a:rPr sz="1200" b="1" i="0" u="none">
+                <a:solidFill>
+                  <a:schemeClr val="tx1"/>
+                </a:solidFill>
+                <a:latin typeface="Arial"/>
+                <a:ea typeface="Arial"/>
+                <a:cs typeface="Arial"/>
+              </a:rPr>
+              <a:t>Применимость:</a:t>
+            </a:r>
+            <a:r>
+              <a:rPr sz="1200" b="0" i="0" u="none">
+                <a:solidFill>
+                  <a:schemeClr val="tx1"/>
+                </a:solidFill>
+                <a:latin typeface="Arial"/>
+                <a:ea typeface="Arial"/>
+                <a:cs typeface="Arial"/>
+              </a:rPr>
+              <a:t> </a:t>
+            </a:r>
+            <a:r>
+              <a:rPr sz="1200" b="0" i="0" u="none">
+                <a:solidFill>
+                  <a:schemeClr val="tx1"/>
+                </a:solidFill>
+                <a:latin typeface="Arial"/>
+                <a:ea typeface="Arial"/>
+                <a:cs typeface="Arial"/>
+              </a:rPr>
+              <a:t>Решение рекомендуется для команд без глубокой graphics экспертизы, работающих с проектами визуализации средней сложности и изменяющимися требованиями.</a:t>
+            </a:r>
+            <a:endParaRPr sz="1200" b="0" i="0" u="none">
+              <a:solidFill>
+                <a:schemeClr val="tx1"/>
+              </a:solidFill>
+              <a:latin typeface="Arial"/>
+              <a:ea typeface="Arial"/>
+              <a:cs typeface="Arial"/>
+            </a:endParaRPr>
+          </a:p>
+        </p:txBody>
+      </p:sp>
+    </p:spTree>
+  </p:cSld>
+  <p:clrMapOvr>
+    <a:masterClrMapping/>
+  </p:clrMapOvr>
+  <mc:AlternateContent xmlns:mc="http://schemas.openxmlformats.org/markup-compatibility/2006">
+    <mc:Choice xmlns:p159="http://schemas.microsoft.com/office/powerpoint/2015/09/main" xmlns:p14="http://schemas.microsoft.com/office/powerpoint/2010/main" Requires="p159">
+      <p:transition p14:dur="2000" advClick="1"/>
+    </mc:Choice>
+    <mc:Fallback>
+      <p:transition advClick="1"/>
+    </mc:Fallback>
+  </mc:AlternateContent>
+</p:sld>
+</file>
+
+<file path=ppt/slides/slide13.xml><?xml version="1.0" encoding="utf-8"?>
+<p:sld xmlns:a="http://schemas.openxmlformats.org/drawingml/2006/main" xmlns:r="http://schemas.openxmlformats.org/officeDocument/2006/relationships" xmlns:p="http://schemas.openxmlformats.org/presentationml/2006/main" xmlns:m="http://schemas.openxmlformats.org/officeDocument/2006/math" xmlns:w="http://schemas.openxmlformats.org/wordprocessingml/2006/main" xmlns:mc="http://schemas.openxmlformats.org/markup-compatibility/2006" showMasterPhAnim="0" showMasterSp="1" show="1">
+  <p:cSld name="">
+    <p:spTree>
+      <p:nvGrpSpPr>
+        <p:cNvPr id="1" name=""/>
+        <p:cNvGrpSpPr/>
+        <p:nvPr/>
+      </p:nvGrpSpPr>
+      <p:grpSpPr bwMode="auto">
+        <a:xfrm>
+          <a:off x="0" y="0"/>
+          <a:ext cx="0" cy="0"/>
+          <a:chOff x="0" y="0"/>
+          <a:chExt cx="0" cy="0"/>
+        </a:xfrm>
+      </p:grpSpPr>
+      <p:sp>
+        <p:nvSpPr>
+          <p:cNvPr id="1291932747" name="Title 1"/>
+          <p:cNvSpPr>
+            <a:spLocks noGrp="1"/>
+          </p:cNvSpPr>
+          <p:nvPr>
+            <p:ph type="title"/>
+          </p:nvPr>
+        </p:nvSpPr>
+        <p:spPr bwMode="auto"/>
+        <p:txBody>
+          <a:bodyPr/>
+          <a:lstStyle/>
+          <a:p>
+            <a:pPr>
+              <a:defRPr/>
+            </a:pPr>
+            <a:r>
+              <a:rPr sz="2000" b="1" i="0" u="none">
+                <a:solidFill>
+                  <a:schemeClr val="tx1"/>
+                </a:solidFill>
+                <a:latin typeface="Arial"/>
+                <a:ea typeface="Arial"/>
+                <a:cs typeface="Arial"/>
+              </a:rPr>
+              <a:t>Спасибо за внимание</a:t>
+            </a:r>
+            <a:endParaRPr sz="2000">
+              <a:solidFill>
+                <a:schemeClr val="tx1"/>
+              </a:solidFill>
+            </a:endParaRPr>
+          </a:p>
+        </p:txBody>
+      </p:sp>
+      <p:sp>
+        <p:nvSpPr>
+          <p:cNvPr id="171630424" name="Content Placeholder 2"/>
+          <p:cNvSpPr>
+            <a:spLocks noGrp="1"/>
+          </p:cNvSpPr>
+          <p:nvPr>
+            <p:ph idx="1"/>
+          </p:nvPr>
+        </p:nvSpPr>
+        <p:spPr bwMode="auto"/>
+        <p:txBody>
+          <a:bodyPr/>
+          <a:lstStyle/>
+          <a:p>
+            <a:pPr marL="0" indent="0">
+              <a:buFont typeface="Arial"/>
+              <a:buNone/>
+              <a:defRPr/>
+            </a:pPr>
+            <a:r>
+              <a:rPr sz="1200" b="1" i="0" u="none">
+                <a:solidFill>
+                  <a:schemeClr val="tx1"/>
+                </a:solidFill>
+                <a:latin typeface="Arial"/>
+                <a:ea typeface="Arial"/>
+                <a:cs typeface="Arial"/>
+              </a:rPr>
               <a:t>Контакты для вопросов</a:t>
             </a:r>
             <a:r>
@@ -5190,18 +6288,6 @@
               <a:latin typeface="Arial"/>
               <a:ea typeface="Arial"/>
               <a:cs typeface="Arial"/>
-            </a:endParaRPr>
-          </a:p>
-          <a:p>
-            <a:pPr marL="0" indent="0">
-              <a:buFont typeface="Arial"/>
-              <a:buNone/>
-              <a:defRPr/>
-            </a:pPr>
-            <a:endParaRPr>
-              <a:solidFill>
-                <a:schemeClr val="tx1"/>
-              </a:solidFill>
             </a:endParaRPr>
           </a:p>
           <a:p>
@@ -5304,7 +6390,7 @@
       </p:grpSpPr>
       <p:sp>
         <p:nvSpPr>
-          <p:cNvPr id="901904243" name="Title 1"/>
+          <p:cNvPr id="992743134" name="Title 1"/>
           <p:cNvSpPr>
             <a:spLocks noGrp="1"/>
           </p:cNvSpPr>
@@ -5341,7 +6427,7 @@
       </p:sp>
       <p:sp>
         <p:nvSpPr>
-          <p:cNvPr id="1506955972" name="Content Placeholder 2"/>
+          <p:cNvPr id="98776963" name="Content Placeholder 2"/>
           <p:cNvSpPr>
             <a:spLocks noGrp="1"/>
           </p:cNvSpPr>
@@ -5640,7 +6726,33 @@
                 <a:ea typeface="Arial"/>
                 <a:cs typeface="Arial"/>
               </a:rPr>
-              <a:t>Компания разрабатывает средство визуализации рекламно-информационных материалов. Требования к rendering pipeline'у размыты:</a:t>
+              <a:t>Компания разрабатывает средство визуализации рекламно-информационных материалов. </a:t>
+            </a:r>
+            <a:endParaRPr sz="1200" b="0" i="0" u="none">
+              <a:solidFill>
+                <a:schemeClr val="tx1"/>
+              </a:solidFill>
+              <a:latin typeface="Arial"/>
+              <a:ea typeface="Arial"/>
+              <a:cs typeface="Arial"/>
+            </a:endParaRPr>
+          </a:p>
+          <a:p>
+            <a:pPr marL="0" indent="0">
+              <a:buFont typeface="Arial"/>
+              <a:buNone/>
+              <a:defRPr/>
+            </a:pPr>
+            <a:r>
+              <a:rPr sz="1200" b="0" i="0" u="none">
+                <a:solidFill>
+                  <a:schemeClr val="tx1"/>
+                </a:solidFill>
+                <a:latin typeface="Arial"/>
+                <a:ea typeface="Arial"/>
+                <a:cs typeface="Arial"/>
+              </a:rPr>
+              <a:t>Требования к rendering pipeline'у размыты:</a:t>
             </a:r>
             <a:endParaRPr sz="1200" b="0" i="0" u="none">
               <a:solidFill>
@@ -5811,7 +6923,7 @@
       </p:grpSpPr>
       <p:sp>
         <p:nvSpPr>
-          <p:cNvPr id="1368993241" name="Title 1"/>
+          <p:cNvPr id="1463921109" name="Title 1"/>
           <p:cNvSpPr>
             <a:spLocks noGrp="1"/>
           </p:cNvSpPr>
@@ -5844,7 +6956,7 @@
       </p:sp>
       <p:sp>
         <p:nvSpPr>
-          <p:cNvPr id="237086017" name="Content Placeholder 2"/>
+          <p:cNvPr id="291292206" name="Content Placeholder 2"/>
           <p:cNvSpPr>
             <a:spLocks noGrp="1"/>
           </p:cNvSpPr>
@@ -5854,7 +6966,9 @@
         </p:nvSpPr>
         <p:spPr bwMode="auto"/>
         <p:txBody>
-          <a:bodyPr/>
+          <a:bodyPr vertOverflow="overflow" horzOverflow="overflow" vert="horz" wrap="square" lIns="91440" tIns="45720" rIns="91440" bIns="45720" numCol="1" spcCol="0" rtlCol="0" fromWordArt="0" anchor="t" anchorCtr="0" forceAA="0" upright="0" compatLnSpc="0">
+            <a:normAutofit/>
+          </a:bodyPr>
           <a:lstStyle/>
           <a:p>
             <a:pPr marL="0" indent="0">
@@ -6043,7 +7157,7 @@
               <a:defRPr/>
             </a:pPr>
             <a:r>
-              <a:rPr sz="1200" b="0" i="1" u="none">
+              <a:rPr sz="1200" b="0" i="0" u="none">
                 <a:solidFill>
                   <a:schemeClr val="tx1"/>
                 </a:solidFill>
@@ -6053,6 +7167,48 @@
               </a:rPr>
               <a:t>1990-2005: </a:t>
             </a:r>
+            <a:r>
+              <a:rPr sz="1200" b="0" i="0" u="none">
+                <a:solidFill>
+                  <a:schemeClr val="tx1"/>
+                </a:solidFill>
+                <a:latin typeface="Consolas"/>
+                <a:ea typeface="Consolas"/>
+                <a:cs typeface="Consolas"/>
+              </a:rPr>
+              <a:t>Fixed Pipeline</a:t>
+            </a:r>
+            <a:br>
+              <a:rPr sz="1200" b="0" i="0" u="none">
+                <a:solidFill>
+                  <a:schemeClr val="tx1"/>
+                </a:solidFill>
+                <a:latin typeface="Consolas"/>
+                <a:ea typeface="Consolas"/>
+                <a:cs typeface="Consolas"/>
+              </a:rPr>
+            </a:br>
+            <a:r>
+              <a:rPr sz="1200" b="0" i="1" u="sng">
+                <a:solidFill>
+                  <a:schemeClr val="tx1"/>
+                </a:solidFill>
+                <a:latin typeface="Consolas"/>
+                <a:ea typeface="Consolas"/>
+                <a:cs typeface="Consolas"/>
+              </a:rPr>
+              <a:t>Vertices → Transform → Lighting → Rasterization</a:t>
+            </a:r>
+            <a:br>
+              <a:rPr sz="1200" b="0" i="1" u="sng">
+                <a:solidFill>
+                  <a:schemeClr val="tx1"/>
+                </a:solidFill>
+                <a:latin typeface="Consolas"/>
+                <a:ea typeface="Consolas"/>
+                <a:cs typeface="Consolas"/>
+              </a:rPr>
+            </a:br>
             <a:endParaRPr sz="1200" b="0" i="1" u="none">
               <a:solidFill>
                 <a:schemeClr val="tx1"/>
@@ -6069,7 +7225,7 @@
               <a:defRPr/>
             </a:pPr>
             <a:r>
-              <a:rPr sz="1200" b="0" i="1" u="none">
+              <a:rPr sz="1200" b="0" i="0" u="none">
                 <a:solidFill>
                   <a:schemeClr val="tx1"/>
                 </a:solidFill>
@@ -6077,10 +7233,10 @@
                 <a:ea typeface="Consolas"/>
                 <a:cs typeface="Consolas"/>
               </a:rPr>
-              <a:t>Fixed Pipeline</a:t>
-            </a:r>
-            <a:br>
-              <a:rPr sz="1200" b="0" i="1" u="none">
+              <a:t>2005-2015: </a:t>
+            </a:r>
+            <a:r>
+              <a:rPr sz="1200" b="0" i="0" u="none">
                 <a:solidFill>
                   <a:schemeClr val="tx1"/>
                 </a:solidFill>
@@ -6088,8 +7244,9 @@
                 <a:ea typeface="Consolas"/>
                 <a:cs typeface="Consolas"/>
               </a:rPr>
-            </a:br>
-            <a:r>
+              <a:t>Programmable Shaders  </a:t>
+            </a:r>
+            <a:br>
               <a:rPr sz="1200" b="0" i="1" u="none">
                 <a:solidFill>
                   <a:schemeClr val="tx1"/>
@@ -6098,10 +7255,9 @@
                 <a:ea typeface="Consolas"/>
                 <a:cs typeface="Consolas"/>
               </a:rPr>
-              <a:t>Vertices → Transform → Lighting → Rasterization</a:t>
-            </a:r>
-            <a:br>
-              <a:rPr sz="1200" b="0" i="1" u="none">
+            </a:br>
+            <a:r>
+              <a:rPr sz="1200" b="0" i="1" u="sng">
                 <a:solidFill>
                   <a:schemeClr val="tx1"/>
                 </a:solidFill>
@@ -6109,7 +7265,8 @@
                 <a:ea typeface="Consolas"/>
                 <a:cs typeface="Consolas"/>
               </a:rPr>
-            </a:br>
+              <a:t>Geometry → Vertex Shader → Pixel Shader → Output</a:t>
+            </a:r>
             <a:br>
               <a:rPr sz="1200" b="0" i="1" u="none">
                 <a:solidFill>
@@ -6120,8 +7277,23 @@
                 <a:cs typeface="Consolas"/>
               </a:rPr>
             </a:br>
-            <a:br>
-              <a:rPr sz="1200" b="0" i="1" u="none">
+            <a:endParaRPr sz="1200" b="0" i="1" u="none">
+              <a:solidFill>
+                <a:schemeClr val="tx1"/>
+              </a:solidFill>
+              <a:latin typeface="Consolas"/>
+              <a:ea typeface="Consolas"/>
+              <a:cs typeface="Consolas"/>
+            </a:endParaRPr>
+          </a:p>
+          <a:p>
+            <a:pPr marL="0" indent="0">
+              <a:buFont typeface="Arial"/>
+              <a:buNone/>
+              <a:defRPr/>
+            </a:pPr>
+            <a:r>
+              <a:rPr sz="1200" b="0" i="0" u="none">
                 <a:solidFill>
                   <a:schemeClr val="tx1"/>
                 </a:solidFill>
@@ -6129,6 +7301,49 @@
                 <a:ea typeface="Consolas"/>
                 <a:cs typeface="Consolas"/>
               </a:rPr>
+              <a:t>2015-2020: </a:t>
+            </a:r>
+            <a:r>
+              <a:rPr sz="1200" b="0" i="0" u="none">
+                <a:solidFill>
+                  <a:schemeClr val="tx1"/>
+                </a:solidFill>
+                <a:latin typeface="Consolas"/>
+                <a:ea typeface="Consolas"/>
+                <a:cs typeface="Consolas"/>
+              </a:rPr>
+              <a:t>Multiple Passes</a:t>
+            </a:r>
+            <a:br>
+              <a:rPr sz="1200" b="0" i="0" u="none">
+                <a:solidFill>
+                  <a:schemeClr val="tx1"/>
+                </a:solidFill>
+                <a:latin typeface="Consolas"/>
+                <a:ea typeface="Consolas"/>
+                <a:cs typeface="Consolas"/>
+              </a:rPr>
+            </a:br>
+            <a:r>
+              <a:rPr sz="1200" b="0" i="1" u="sng">
+                <a:solidFill>
+                  <a:schemeClr val="tx1"/>
+                </a:solidFill>
+                <a:latin typeface="Consolas"/>
+                <a:ea typeface="Consolas"/>
+                <a:cs typeface="Consolas"/>
+              </a:rPr>
+              <a:t>Geometry → G-Buffer → Lighting → Effects → Post-Process</a:t>
+            </a:r>
+            <a:br>
+              <a:rPr sz="1200" b="0" i="1" u="none">
+                <a:solidFill>
+                  <a:schemeClr val="tx1"/>
+                </a:solidFill>
+                <a:latin typeface="Consolas"/>
+                <a:ea typeface="Consolas"/>
+                <a:cs typeface="Consolas"/>
+              </a:rPr>
             </a:br>
             <a:endParaRPr sz="1200" b="0" i="1" u="none">
               <a:solidFill>
@@ -6146,7 +7361,7 @@
               <a:defRPr/>
             </a:pPr>
             <a:r>
-              <a:rPr sz="1200" b="0" i="1" u="none">
+              <a:rPr sz="1200" b="0" i="0" u="none">
                 <a:solidFill>
                   <a:schemeClr val="tx1"/>
                 </a:solidFill>
@@ -6154,24 +7369,9 @@
                 <a:ea typeface="Consolas"/>
                 <a:cs typeface="Consolas"/>
               </a:rPr>
-              <a:t>2005-2015: </a:t>
-            </a:r>
-            <a:endParaRPr sz="1200" b="0" i="1" u="none">
-              <a:solidFill>
-                <a:schemeClr val="tx1"/>
-              </a:solidFill>
-              <a:latin typeface="Consolas"/>
-              <a:ea typeface="Consolas"/>
-              <a:cs typeface="Consolas"/>
-            </a:endParaRPr>
-          </a:p>
-          <a:p>
-            <a:pPr marL="0" indent="0">
-              <a:buFont typeface="Arial"/>
-              <a:buNone/>
-              <a:defRPr/>
-            </a:pPr>
-            <a:r>
+              <a:t>2020+: Render Graphs</a:t>
+            </a:r>
+            <a:br>
               <a:rPr sz="1200" b="0" i="1" u="none">
                 <a:solidFill>
                   <a:schemeClr val="tx1"/>
@@ -6180,202 +7380,9 @@
                 <a:ea typeface="Consolas"/>
                 <a:cs typeface="Consolas"/>
               </a:rPr>
-              <a:t>Programmable Shaders  </a:t>
-            </a:r>
-            <a:br>
-              <a:rPr sz="1200" b="0" i="1" u="none">
-                <a:solidFill>
-                  <a:schemeClr val="tx1"/>
-                </a:solidFill>
-                <a:latin typeface="Consolas"/>
-                <a:ea typeface="Consolas"/>
-                <a:cs typeface="Consolas"/>
-              </a:rPr>
             </a:br>
             <a:r>
-              <a:rPr sz="1200" b="0" i="1" u="none">
-                <a:solidFill>
-                  <a:schemeClr val="tx1"/>
-                </a:solidFill>
-                <a:latin typeface="Consolas"/>
-                <a:ea typeface="Consolas"/>
-                <a:cs typeface="Consolas"/>
-              </a:rPr>
-              <a:t>Geometry → Vertex Shader → Pixel Shader → Output</a:t>
-            </a:r>
-            <a:br>
-              <a:rPr sz="1200" b="0" i="1" u="none">
-                <a:solidFill>
-                  <a:schemeClr val="tx1"/>
-                </a:solidFill>
-                <a:latin typeface="Consolas"/>
-                <a:ea typeface="Consolas"/>
-                <a:cs typeface="Consolas"/>
-              </a:rPr>
-            </a:br>
-            <a:br>
-              <a:rPr sz="1200" b="0" i="1" u="none">
-                <a:solidFill>
-                  <a:schemeClr val="tx1"/>
-                </a:solidFill>
-                <a:latin typeface="Consolas"/>
-                <a:ea typeface="Consolas"/>
-                <a:cs typeface="Consolas"/>
-              </a:rPr>
-            </a:br>
-            <a:br>
-              <a:rPr sz="1200" b="0" i="1" u="none">
-                <a:solidFill>
-                  <a:schemeClr val="tx1"/>
-                </a:solidFill>
-                <a:latin typeface="Consolas"/>
-                <a:ea typeface="Consolas"/>
-                <a:cs typeface="Consolas"/>
-              </a:rPr>
-            </a:br>
-            <a:endParaRPr sz="1200" b="0" i="1" u="none">
-              <a:solidFill>
-                <a:schemeClr val="tx1"/>
-              </a:solidFill>
-              <a:latin typeface="Consolas"/>
-              <a:ea typeface="Consolas"/>
-              <a:cs typeface="Consolas"/>
-            </a:endParaRPr>
-          </a:p>
-          <a:p>
-            <a:pPr marL="0" indent="0">
-              <a:buFont typeface="Arial"/>
-              <a:buNone/>
-              <a:defRPr/>
-            </a:pPr>
-            <a:r>
-              <a:rPr sz="1200" b="0" i="1" u="none">
-                <a:solidFill>
-                  <a:schemeClr val="tx1"/>
-                </a:solidFill>
-                <a:latin typeface="Consolas"/>
-                <a:ea typeface="Consolas"/>
-                <a:cs typeface="Consolas"/>
-              </a:rPr>
-              <a:t>2015-2020: </a:t>
-            </a:r>
-            <a:endParaRPr sz="1200" b="0" i="1" u="none">
-              <a:solidFill>
-                <a:schemeClr val="tx1"/>
-              </a:solidFill>
-              <a:latin typeface="Consolas"/>
-              <a:ea typeface="Consolas"/>
-              <a:cs typeface="Consolas"/>
-            </a:endParaRPr>
-          </a:p>
-          <a:p>
-            <a:pPr marL="0" indent="0">
-              <a:buFont typeface="Arial"/>
-              <a:buNone/>
-              <a:defRPr/>
-            </a:pPr>
-            <a:r>
-              <a:rPr sz="1200" b="0" i="1" u="none">
-                <a:solidFill>
-                  <a:schemeClr val="tx1"/>
-                </a:solidFill>
-                <a:latin typeface="Consolas"/>
-                <a:ea typeface="Consolas"/>
-                <a:cs typeface="Consolas"/>
-              </a:rPr>
-              <a:t>Multiple Passes</a:t>
-            </a:r>
-            <a:br>
-              <a:rPr sz="1200" b="0" i="1" u="none">
-                <a:solidFill>
-                  <a:schemeClr val="tx1"/>
-                </a:solidFill>
-                <a:latin typeface="Consolas"/>
-                <a:ea typeface="Consolas"/>
-                <a:cs typeface="Consolas"/>
-              </a:rPr>
-            </a:br>
-            <a:r>
-              <a:rPr sz="1200" b="0" i="1" u="none">
-                <a:solidFill>
-                  <a:schemeClr val="tx1"/>
-                </a:solidFill>
-                <a:latin typeface="Consolas"/>
-                <a:ea typeface="Consolas"/>
-                <a:cs typeface="Consolas"/>
-              </a:rPr>
-              <a:t>Geometry → G-Buffer → Lighting → Effects → Post-Process</a:t>
-            </a:r>
-            <a:br>
-              <a:rPr sz="1200" b="0" i="1" u="none">
-                <a:solidFill>
-                  <a:schemeClr val="tx1"/>
-                </a:solidFill>
-                <a:latin typeface="Consolas"/>
-                <a:ea typeface="Consolas"/>
-                <a:cs typeface="Consolas"/>
-              </a:rPr>
-            </a:br>
-            <a:br>
-              <a:rPr sz="1200" b="0" i="1" u="none">
-                <a:solidFill>
-                  <a:schemeClr val="tx1"/>
-                </a:solidFill>
-                <a:latin typeface="Consolas"/>
-                <a:ea typeface="Consolas"/>
-                <a:cs typeface="Consolas"/>
-              </a:rPr>
-            </a:br>
-            <a:endParaRPr sz="1200" b="0" i="1" u="none">
-              <a:solidFill>
-                <a:schemeClr val="tx1"/>
-              </a:solidFill>
-              <a:latin typeface="Consolas"/>
-              <a:ea typeface="Consolas"/>
-              <a:cs typeface="Consolas"/>
-            </a:endParaRPr>
-          </a:p>
-          <a:p>
-            <a:pPr marL="0" indent="0">
-              <a:buFont typeface="Arial"/>
-              <a:buNone/>
-              <a:defRPr/>
-            </a:pPr>
-            <a:endParaRPr sz="1200">
-              <a:solidFill>
-                <a:schemeClr val="tx1"/>
-              </a:solidFill>
-            </a:endParaRPr>
-          </a:p>
-          <a:p>
-            <a:pPr marL="0" indent="0">
-              <a:buFont typeface="Arial"/>
-              <a:buNone/>
-              <a:defRPr/>
-            </a:pPr>
-            <a:r>
-              <a:rPr sz="1200" b="0" i="1" u="none">
-                <a:solidFill>
-                  <a:schemeClr val="tx1"/>
-                </a:solidFill>
-                <a:latin typeface="Consolas"/>
-                <a:ea typeface="Consolas"/>
-                <a:cs typeface="Consolas"/>
-              </a:rPr>
-              <a:t>2020+: Render Graphs</a:t>
-            </a:r>
-            <a:br>
-              <a:rPr sz="1200" b="0" i="1" u="none">
-                <a:solidFill>
-                  <a:schemeClr val="tx1"/>
-                </a:solidFill>
-                <a:latin typeface="Consolas"/>
-                <a:ea typeface="Consolas"/>
-                <a:cs typeface="Consolas"/>
-              </a:rPr>
-            </a:br>
-            <a:r>
-              <a:rPr sz="1200" b="0" i="1" u="none">
+              <a:rPr sz="1200" b="0" i="1" u="sng">
                 <a:solidFill>
                   <a:schemeClr val="tx1"/>
                 </a:solidFill>
@@ -6431,7 +7438,7 @@
       </p:grpSpPr>
       <p:sp>
         <p:nvSpPr>
-          <p:cNvPr id="1404141941" name="Title 1"/>
+          <p:cNvPr id="1431361979" name="Title 1"/>
           <p:cNvSpPr>
             <a:spLocks noGrp="1"/>
           </p:cNvSpPr>
@@ -6448,27 +7455,16 @@
               <a:defRPr/>
             </a:pPr>
             <a:r>
-              <a:rPr sz="2000" b="1" i="0" u="none">
-                <a:solidFill>
-                  <a:schemeClr val="tx1"/>
-                </a:solidFill>
-                <a:latin typeface="Arial"/>
-                <a:ea typeface="Arial"/>
-                <a:cs typeface="Arial"/>
-              </a:rPr>
-              <a:t>За и против использования</a:t>
-            </a:r>
-            <a:endParaRPr>
-              <a:solidFill>
-                <a:schemeClr val="tx1"/>
-              </a:solidFill>
-            </a:endParaRPr>
+              <a:rPr lang="ru-RU"/>
+              <a:t>Архитектура</a:t>
+            </a:r>
+            <a:endParaRPr/>
           </a:p>
         </p:txBody>
       </p:sp>
       <p:sp>
         <p:nvSpPr>
-          <p:cNvPr id="2053260769" name="Content Placeholder 2"/>
+          <p:cNvPr id="613113624" name="Content Placeholder 2"/>
           <p:cNvSpPr>
             <a:spLocks noGrp="1"/>
           </p:cNvSpPr>
@@ -6478,309 +7474,118 @@
         </p:nvSpPr>
         <p:spPr bwMode="auto"/>
         <p:txBody>
-          <a:bodyPr/>
+          <a:bodyPr vertOverflow="overflow" horzOverflow="overflow" vert="horz" wrap="square" lIns="91440" tIns="45720" rIns="91440" bIns="45720" numCol="1" spcCol="0" rtlCol="0" fromWordArt="0" anchor="t" anchorCtr="0" forceAA="0" upright="0" compatLnSpc="0">
+            <a:normAutofit fontScale="95000" lnSpcReduction="1000"/>
+          </a:bodyPr>
           <a:lstStyle/>
           <a:p>
-            <a:pPr marL="0" indent="0">
+            <a:pPr marL="0" indent="0" algn="ctr">
               <a:buFont typeface="Arial"/>
               <a:buNone/>
               <a:defRPr/>
             </a:pPr>
             <a:r>
-              <a:rPr sz="1200" b="1" i="0" u="none">
-                <a:solidFill>
-                  <a:schemeClr val="tx1"/>
-                </a:solidFill>
-                <a:latin typeface="Arial"/>
-                <a:ea typeface="Arial"/>
-                <a:cs typeface="Arial"/>
-              </a:rPr>
-              <a:t>✅ Когда использовать:</a:t>
-            </a:r>
-            <a:endParaRPr sz="1200">
-              <a:solidFill>
-                <a:schemeClr val="tx1"/>
-              </a:solidFill>
-            </a:endParaRPr>
-          </a:p>
-          <a:p>
-            <a:pPr>
-              <a:defRPr/>
-            </a:pPr>
-            <a:r>
-              <a:rPr sz="1200" b="1" i="0" u="none">
-                <a:solidFill>
-                  <a:schemeClr val="tx1"/>
-                </a:solidFill>
-                <a:latin typeface="Arial"/>
-                <a:ea typeface="Arial"/>
-                <a:cs typeface="Arial"/>
-              </a:rPr>
-              <a:t>Команды без graphics экспертизы</a:t>
-            </a:r>
-            <a:r>
-              <a:rPr sz="1200" b="0" i="0" u="none">
-                <a:solidFill>
-                  <a:schemeClr val="tx1"/>
-                </a:solidFill>
-                <a:latin typeface="Arial"/>
-                <a:ea typeface="Arial"/>
-                <a:cs typeface="Arial"/>
-              </a:rPr>
-              <a:t> </a:t>
-            </a:r>
-            <a:r>
-              <a:rPr sz="1200" b="0" i="0" u="none">
-                <a:solidFill>
-                  <a:schemeClr val="tx1"/>
-                </a:solidFill>
-                <a:latin typeface="Arial"/>
-                <a:ea typeface="Arial"/>
-                <a:cs typeface="Arial"/>
-              </a:rPr>
-              <a:t>- автоматическая синхронизация, защита от ошибок</a:t>
-            </a:r>
-            <a:endParaRPr sz="1200">
-              <a:solidFill>
-                <a:schemeClr val="tx1"/>
-              </a:solidFill>
-            </a:endParaRPr>
-          </a:p>
-          <a:p>
-            <a:pPr>
-              <a:defRPr/>
-            </a:pPr>
-            <a:r>
-              <a:rPr sz="1200" b="1" i="0" u="none">
-                <a:solidFill>
-                  <a:schemeClr val="tx1"/>
-                </a:solidFill>
-                <a:latin typeface="Arial"/>
-                <a:ea typeface="Arial"/>
-                <a:cs typeface="Arial"/>
-              </a:rPr>
-              <a:t>Неопределенные требования</a:t>
-            </a:r>
-            <a:r>
-              <a:rPr sz="1200" b="0" i="0" u="none">
-                <a:solidFill>
-                  <a:schemeClr val="tx1"/>
-                </a:solidFill>
-                <a:latin typeface="Arial"/>
-                <a:ea typeface="Arial"/>
-                <a:cs typeface="Arial"/>
-              </a:rPr>
-              <a:t> </a:t>
-            </a:r>
-            <a:r>
-              <a:rPr sz="1200" b="0" i="0" u="none">
-                <a:solidFill>
-                  <a:schemeClr val="tx1"/>
-                </a:solidFill>
-                <a:latin typeface="Arial"/>
-                <a:ea typeface="Arial"/>
-                <a:cs typeface="Arial"/>
-              </a:rPr>
-              <a:t>- легко добавлять/удалять эффекты</a:t>
-            </a:r>
-            <a:endParaRPr sz="1200">
-              <a:solidFill>
-                <a:schemeClr val="tx1"/>
-              </a:solidFill>
-            </a:endParaRPr>
-          </a:p>
-          <a:p>
-            <a:pPr>
-              <a:defRPr/>
-            </a:pPr>
-            <a:r>
-              <a:rPr sz="1200" b="1" i="0" u="none">
-                <a:solidFill>
-                  <a:schemeClr val="tx1"/>
-                </a:solidFill>
-                <a:latin typeface="Arial"/>
-                <a:ea typeface="Arial"/>
-                <a:cs typeface="Arial"/>
-              </a:rPr>
-              <a:t>Сложные pipeline'ы</a:t>
-            </a:r>
-            <a:r>
-              <a:rPr sz="1200" b="0" i="0" u="none">
-                <a:solidFill>
-                  <a:schemeClr val="tx1"/>
-                </a:solidFill>
-                <a:latin typeface="Arial"/>
-                <a:ea typeface="Arial"/>
-                <a:cs typeface="Arial"/>
-              </a:rPr>
-              <a:t> </a:t>
-            </a:r>
-            <a:r>
-              <a:rPr sz="1200" b="0" i="0" u="none">
-                <a:solidFill>
-                  <a:schemeClr val="tx1"/>
-                </a:solidFill>
-                <a:latin typeface="Arial"/>
-                <a:ea typeface="Arial"/>
-                <a:cs typeface="Arial"/>
-              </a:rPr>
-              <a:t>- автоматическое управление зависимостями</a:t>
-            </a:r>
-            <a:endParaRPr sz="1200">
-              <a:solidFill>
-                <a:schemeClr val="tx1"/>
-              </a:solidFill>
-            </a:endParaRPr>
-          </a:p>
-          <a:p>
-            <a:pPr marL="0" indent="0">
+              <a:rPr sz="1050" b="0" i="0" u="none">
+                <a:solidFill>
+                  <a:schemeClr val="tx1"/>
+                </a:solidFill>
+                <a:latin typeface="Consolas"/>
+                <a:ea typeface="Consolas"/>
+                <a:cs typeface="Consolas"/>
+              </a:rPr>
+              <a:t>┌─────────────────────────────────────────────┐</a:t>
+            </a:r>
+            <a:endParaRPr>
+              <a:solidFill>
+                <a:schemeClr val="tx1"/>
+              </a:solidFill>
+            </a:endParaRPr>
+          </a:p>
+          <a:p>
+            <a:pPr marL="0" indent="0" algn="ctr">
               <a:buFont typeface="Arial"/>
               <a:buNone/>
               <a:defRPr/>
             </a:pPr>
-            <a:endParaRPr sz="1200">
-              <a:solidFill>
-                <a:schemeClr val="tx1"/>
-              </a:solidFill>
-            </a:endParaRPr>
-          </a:p>
-          <a:p>
-            <a:pPr marL="0" indent="0">
+            <a:r>
+              <a:rPr sz="1050" b="0" i="0" u="none">
+                <a:solidFill>
+                  <a:schemeClr val="tx1"/>
+                </a:solidFill>
+                <a:latin typeface="Consolas"/>
+                <a:ea typeface="Consolas"/>
+                <a:cs typeface="Consolas"/>
+              </a:rPr>
+              <a:t>│              RenderGraph Core               │</a:t>
+            </a:r>
+            <a:endParaRPr>
+              <a:solidFill>
+                <a:schemeClr val="tx1"/>
+              </a:solidFill>
+            </a:endParaRPr>
+          </a:p>
+          <a:p>
+            <a:pPr marL="0" indent="0" algn="ctr">
               <a:buFont typeface="Arial"/>
               <a:buNone/>
               <a:defRPr/>
             </a:pPr>
             <a:r>
-              <a:rPr sz="1200" b="1" i="0" u="none">
-                <a:solidFill>
-                  <a:schemeClr val="tx1"/>
-                </a:solidFill>
-                <a:latin typeface="Arial"/>
-                <a:ea typeface="Arial"/>
-                <a:cs typeface="Arial"/>
-              </a:rPr>
-              <a:t>❌ Можно обойтись без:</a:t>
-            </a:r>
-            <a:endParaRPr sz="1200">
-              <a:solidFill>
-                <a:schemeClr val="tx1"/>
-              </a:solidFill>
-            </a:endParaRPr>
-          </a:p>
-          <a:p>
-            <a:pPr>
-              <a:defRPr/>
-            </a:pPr>
-            <a:r>
-              <a:rPr sz="1200" b="1" i="0" u="none">
-                <a:solidFill>
-                  <a:schemeClr val="tx1"/>
-                </a:solidFill>
-                <a:latin typeface="Arial"/>
-                <a:ea typeface="Arial"/>
-                <a:cs typeface="Arial"/>
-              </a:rPr>
-              <a:t>Простые проекты</a:t>
-            </a:r>
-            <a:r>
-              <a:rPr sz="1200" b="0" i="0" u="none">
-                <a:solidFill>
-                  <a:schemeClr val="tx1"/>
-                </a:solidFill>
-                <a:latin typeface="Arial"/>
-                <a:ea typeface="Arial"/>
-                <a:cs typeface="Arial"/>
-              </a:rPr>
-              <a:t> </a:t>
-            </a:r>
-            <a:r>
-              <a:rPr sz="1200" b="0" i="0" u="none">
-                <a:solidFill>
-                  <a:schemeClr val="tx1"/>
-                </a:solidFill>
-                <a:latin typeface="Arial"/>
-                <a:ea typeface="Arial"/>
-                <a:cs typeface="Arial"/>
-              </a:rPr>
-              <a:t>- один rendering pass, статичный контент</a:t>
-            </a:r>
-            <a:endParaRPr sz="1200">
-              <a:solidFill>
-                <a:schemeClr val="tx1"/>
-              </a:solidFill>
-            </a:endParaRPr>
-          </a:p>
-          <a:p>
-            <a:pPr>
-              <a:defRPr/>
-            </a:pPr>
-            <a:r>
-              <a:rPr sz="1200" b="1" i="0" u="none">
-                <a:solidFill>
-                  <a:schemeClr val="tx1"/>
-                </a:solidFill>
-                <a:latin typeface="Arial"/>
-                <a:ea typeface="Arial"/>
-                <a:cs typeface="Arial"/>
-              </a:rPr>
-              <a:t>Экспертные команды</a:t>
-            </a:r>
-            <a:r>
-              <a:rPr sz="1200" b="0" i="0" u="none">
-                <a:solidFill>
-                  <a:schemeClr val="tx1"/>
-                </a:solidFill>
-                <a:latin typeface="Arial"/>
-                <a:ea typeface="Arial"/>
-                <a:cs typeface="Arial"/>
-              </a:rPr>
-              <a:t> </a:t>
-            </a:r>
-            <a:r>
-              <a:rPr sz="1200" b="0" i="0" u="none">
-                <a:solidFill>
-                  <a:schemeClr val="tx1"/>
-                </a:solidFill>
-                <a:latin typeface="Arial"/>
-                <a:ea typeface="Arial"/>
-                <a:cs typeface="Arial"/>
-              </a:rPr>
-              <a:t>- глубокие знания graphics API</a:t>
-            </a:r>
-            <a:endParaRPr sz="1200">
-              <a:solidFill>
-                <a:schemeClr val="tx1"/>
-              </a:solidFill>
-            </a:endParaRPr>
-          </a:p>
-          <a:p>
-            <a:pPr marL="0" indent="0">
+              <a:rPr sz="1050" b="0" i="0" u="none">
+                <a:solidFill>
+                  <a:schemeClr val="tx1"/>
+                </a:solidFill>
+                <a:latin typeface="Consolas"/>
+                <a:ea typeface="Consolas"/>
+                <a:cs typeface="Consolas"/>
+              </a:rPr>
+              <a:t>│  ┌───────────┐ ┌────────────┐ ┌───────────┐ │</a:t>
+            </a:r>
+            <a:endParaRPr>
+              <a:solidFill>
+                <a:schemeClr val="tx1"/>
+              </a:solidFill>
+            </a:endParaRPr>
+          </a:p>
+          <a:p>
+            <a:pPr marL="0" indent="0" algn="ctr">
               <a:buFont typeface="Arial"/>
               <a:buNone/>
               <a:defRPr/>
             </a:pPr>
-            <a:endParaRPr sz="1200">
-              <a:solidFill>
-                <a:schemeClr val="tx1"/>
-              </a:solidFill>
-            </a:endParaRPr>
-          </a:p>
-          <a:p>
-            <a:pPr marL="0" indent="0">
+            <a:r>
+              <a:rPr sz="1050" b="0" i="0" u="none">
+                <a:solidFill>
+                  <a:schemeClr val="tx1"/>
+                </a:solidFill>
+                <a:latin typeface="Consolas"/>
+                <a:ea typeface="Consolas"/>
+                <a:cs typeface="Consolas"/>
+              </a:rPr>
+              <a:t>│  │   Graph   │ │ Resource   │ │Dependency │ │</a:t>
+            </a:r>
+            <a:endParaRPr>
+              <a:solidFill>
+                <a:schemeClr val="tx1"/>
+              </a:solidFill>
+            </a:endParaRPr>
+          </a:p>
+          <a:p>
+            <a:pPr marL="0" indent="0" algn="ctr">
               <a:buFont typeface="Arial"/>
               <a:buNone/>
               <a:defRPr/>
             </a:pPr>
             <a:r>
-              <a:rPr sz="1200" b="1" i="0" u="none">
-                <a:solidFill>
-                  <a:schemeClr val="tx1"/>
-                </a:solidFill>
-                <a:latin typeface="Arial"/>
-                <a:ea typeface="Arial"/>
-                <a:cs typeface="Arial"/>
-              </a:rPr>
-              <a:t>Проблема ручной реализации:</a:t>
+              <a:rPr sz="1050" b="0" i="0" u="none">
+                <a:solidFill>
+                  <a:schemeClr val="tx1"/>
+                </a:solidFill>
+                <a:latin typeface="Consolas"/>
+                <a:ea typeface="Consolas"/>
+                <a:cs typeface="Consolas"/>
+              </a:rPr>
+              <a:t>│  │  Manager  │ │  Manager   │ │ Resolver  │ │</a:t>
             </a:r>
             <a:endParaRPr>
               <a:solidFill>
@@ -6789,187 +7594,322 @@
             </a:endParaRPr>
           </a:p>
           <a:p>
-            <a:pPr marL="0" indent="0">
+            <a:pPr marL="0" indent="0" algn="ctr">
               <a:buFont typeface="Arial"/>
               <a:buNone/>
               <a:defRPr/>
             </a:pPr>
             <a:r>
-              <a:rPr sz="1000" b="0" i="1" u="none">
-                <a:solidFill>
-                  <a:schemeClr val="accent6"/>
-                </a:solidFill>
-                <a:latin typeface="Fira Code Light"/>
-                <a:ea typeface="Fira Code Light"/>
-                <a:cs typeface="Fira Code Light"/>
-              </a:rPr>
-              <a:t>// Типичные ошибки неопытных разработчиков:</a:t>
-            </a:r>
-            <a:br>
-              <a:rPr sz="1000" b="0" i="1" u="none">
-                <a:solidFill>
-                  <a:schemeClr val="tx1"/>
-                </a:solidFill>
-                <a:latin typeface="Fira Code Light"/>
-                <a:ea typeface="Fira Code Light"/>
-                <a:cs typeface="Fira Code Light"/>
-              </a:rPr>
-            </a:br>
-            <a:r>
-              <a:rPr sz="1000" b="0" i="1" u="none">
-                <a:solidFill>
-                  <a:schemeClr val="tx1"/>
-                </a:solidFill>
-                <a:latin typeface="Fira Code Light"/>
-                <a:ea typeface="Fira Code Light"/>
-                <a:cs typeface="Fira Code Light"/>
-              </a:rPr>
-              <a:t>SetRenderTarget</a:t>
-            </a:r>
-            <a:r>
-              <a:rPr sz="1000" b="0" i="1" u="none">
-                <a:solidFill>
-                  <a:schemeClr val="tx1"/>
-                </a:solidFill>
-                <a:latin typeface="Fira Code Light"/>
-                <a:ea typeface="Fira Code Light"/>
-                <a:cs typeface="Fira Code Light"/>
-              </a:rPr>
-              <a:t>(colorBuffer); </a:t>
-            </a:r>
-            <a:br>
-              <a:rPr sz="1000" b="0" i="1" u="none">
-                <a:solidFill>
-                  <a:schemeClr val="tx1"/>
-                </a:solidFill>
-                <a:latin typeface="Fira Code Light"/>
-                <a:ea typeface="Fira Code Light"/>
-                <a:cs typeface="Fira Code Light"/>
-              </a:rPr>
-            </a:br>
-            <a:r>
-              <a:rPr sz="1000" b="0" i="1" u="none">
-                <a:solidFill>
-                  <a:schemeClr val="tx1"/>
-                </a:solidFill>
-                <a:latin typeface="Fira Code Light"/>
-                <a:ea typeface="Fira Code Light"/>
-                <a:cs typeface="Fira Code Light"/>
-              </a:rPr>
-              <a:t>ApplyBlur</a:t>
-            </a:r>
-            <a:r>
-              <a:rPr sz="1000" b="0" i="1" u="none">
-                <a:solidFill>
-                  <a:schemeClr val="tx1"/>
-                </a:solidFill>
-                <a:latin typeface="Fira Code Light"/>
-                <a:ea typeface="Fira Code Light"/>
-                <a:cs typeface="Fira Code Light"/>
-              </a:rPr>
-              <a:t>(colorBuffer); </a:t>
-            </a:r>
-            <a:r>
-              <a:rPr sz="1000" b="0" i="1" u="none">
-                <a:solidFill>
-                  <a:schemeClr val="accent6"/>
-                </a:solidFill>
-                <a:latin typeface="Fira Code Light"/>
-                <a:ea typeface="Fira Code Light"/>
-                <a:cs typeface="Fira Code Light"/>
-              </a:rPr>
-              <a:t>// ERROR: забыли transition!</a:t>
-            </a:r>
-            <a:br>
-              <a:rPr sz="1000" b="0" i="1" u="none">
-                <a:solidFill>
-                  <a:schemeClr val="tx1"/>
-                </a:solidFill>
-                <a:latin typeface="Fira Code Light"/>
-                <a:ea typeface="Fira Code Light"/>
-                <a:cs typeface="Fira Code Light"/>
-              </a:rPr>
-            </a:br>
-            <a:br>
-              <a:rPr sz="1000" b="0" i="1" u="none">
-                <a:solidFill>
-                  <a:schemeClr val="tx1"/>
-                </a:solidFill>
-                <a:latin typeface="Fira Code Light"/>
-                <a:ea typeface="Fira Code Light"/>
-                <a:cs typeface="Fira Code Light"/>
-              </a:rPr>
-            </a:br>
-            <a:r>
-              <a:rPr sz="1000" b="0" i="1" u="none">
-                <a:solidFill>
-                  <a:schemeClr val="accent6"/>
-                </a:solidFill>
-                <a:latin typeface="Fira Code Light"/>
-                <a:ea typeface="Fira Code Light"/>
-                <a:cs typeface="Fira Code Light"/>
-              </a:rPr>
-              <a:t>// С render graph - автоматически корректно</a:t>
-            </a:r>
-            <a:r>
-              <a:rPr sz="1000" b="0" i="1" u="none">
-                <a:solidFill>
-                  <a:schemeClr val="accent6"/>
-                </a:solidFill>
-                <a:latin typeface="Fira Code Light"/>
-                <a:ea typeface="Fira Code Light"/>
-                <a:cs typeface="Fira Code Light"/>
-              </a:rPr>
-              <a:t> </a:t>
-            </a:r>
-            <a:br>
-              <a:rPr sz="1000" b="0" i="1" u="none">
-                <a:solidFill>
-                  <a:schemeClr val="accent6"/>
-                </a:solidFill>
-                <a:latin typeface="Fira Code Light"/>
-                <a:ea typeface="Fira Code Light"/>
-                <a:cs typeface="Fira Code Light"/>
-              </a:rPr>
-            </a:br>
-            <a:r>
-              <a:rPr sz="1000" b="0" i="1" u="none">
-                <a:solidFill>
-                  <a:schemeClr val="tx1"/>
-                </a:solidFill>
-                <a:latin typeface="Fira Code Light"/>
-                <a:ea typeface="Fira Code Light"/>
-                <a:cs typeface="Fira Code Light"/>
-              </a:rPr>
-              <a:t>var blur = </a:t>
-            </a:r>
-            <a:r>
-              <a:rPr sz="1000" b="0" i="1" u="none">
-                <a:solidFill>
-                  <a:schemeClr val="tx1"/>
-                </a:solidFill>
-                <a:latin typeface="Fira Code Light"/>
-                <a:ea typeface="Fira Code Light"/>
-                <a:cs typeface="Fira Code Light"/>
-              </a:rPr>
-              <a:t>new</a:t>
-            </a:r>
-            <a:r>
-              <a:rPr sz="1000" b="0" i="1" u="none">
-                <a:solidFill>
-                  <a:schemeClr val="tx1"/>
-                </a:solidFill>
-                <a:latin typeface="Fira Code Light"/>
-                <a:ea typeface="Fira Code Light"/>
-                <a:cs typeface="Fira Code Light"/>
-              </a:rPr>
-              <a:t> BlurPass { Input = geometry.ColorOutput };</a:t>
+              <a:rPr sz="1050" b="0" i="0" u="none">
+                <a:solidFill>
+                  <a:schemeClr val="tx1"/>
+                </a:solidFill>
+                <a:latin typeface="Consolas"/>
+                <a:ea typeface="Consolas"/>
+                <a:cs typeface="Consolas"/>
+              </a:rPr>
+              <a:t>│  └───────────┘ └────────────┘ └───────────┘ │</a:t>
             </a:r>
             <a:endParaRPr>
               <a:solidFill>
                 <a:schemeClr val="tx1"/>
               </a:solidFill>
             </a:endParaRPr>
+          </a:p>
+          <a:p>
+            <a:pPr marL="0" indent="0" algn="ctr">
+              <a:buFont typeface="Arial"/>
+              <a:buNone/>
+              <a:defRPr/>
+            </a:pPr>
+            <a:r>
+              <a:rPr sz="1050" b="0" i="0" u="none">
+                <a:solidFill>
+                  <a:schemeClr val="tx1"/>
+                </a:solidFill>
+                <a:latin typeface="Consolas"/>
+                <a:ea typeface="Consolas"/>
+                <a:cs typeface="Consolas"/>
+              </a:rPr>
+              <a:t>├─────────────────────────────────────────────┤</a:t>
+            </a:r>
+            <a:endParaRPr>
+              <a:solidFill>
+                <a:schemeClr val="tx1"/>
+              </a:solidFill>
+            </a:endParaRPr>
+          </a:p>
+          <a:p>
+            <a:pPr marL="0" indent="0" algn="ctr">
+              <a:buFont typeface="Arial"/>
+              <a:buNone/>
+              <a:defRPr/>
+            </a:pPr>
+            <a:r>
+              <a:rPr sz="1050" b="0" i="0" u="none">
+                <a:solidFill>
+                  <a:schemeClr val="tx1"/>
+                </a:solidFill>
+                <a:latin typeface="Consolas"/>
+                <a:ea typeface="Consolas"/>
+                <a:cs typeface="Consolas"/>
+              </a:rPr>
+              <a:t>│               Render Passes                 │</a:t>
+            </a:r>
+            <a:endParaRPr>
+              <a:solidFill>
+                <a:schemeClr val="tx1"/>
+              </a:solidFill>
+            </a:endParaRPr>
+          </a:p>
+          <a:p>
+            <a:pPr marL="0" indent="0" algn="ctr">
+              <a:buFont typeface="Arial"/>
+              <a:buNone/>
+              <a:defRPr/>
+            </a:pPr>
+            <a:r>
+              <a:rPr sz="1050" b="0" i="0" u="none">
+                <a:solidFill>
+                  <a:schemeClr val="tx1"/>
+                </a:solidFill>
+                <a:latin typeface="Consolas"/>
+                <a:ea typeface="Consolas"/>
+                <a:cs typeface="Consolas"/>
+              </a:rPr>
+              <a:t>│  ┌───────────┐ ┌────────────┐ ┌───────────┐ │</a:t>
+            </a:r>
+            <a:endParaRPr>
+              <a:solidFill>
+                <a:schemeClr val="tx1"/>
+              </a:solidFill>
+            </a:endParaRPr>
+          </a:p>
+          <a:p>
+            <a:pPr marL="0" indent="0" algn="ctr">
+              <a:buFont typeface="Arial"/>
+              <a:buNone/>
+              <a:defRPr/>
+            </a:pPr>
+            <a:r>
+              <a:rPr sz="1050" b="0" i="0" u="none">
+                <a:solidFill>
+                  <a:schemeClr val="tx1"/>
+                </a:solidFill>
+                <a:latin typeface="Consolas"/>
+                <a:ea typeface="Consolas"/>
+                <a:cs typeface="Consolas"/>
+              </a:rPr>
+              <a:t>│  │ Geometry  │ │Post-Process│ │  Compute  │ │</a:t>
+            </a:r>
+            <a:endParaRPr>
+              <a:solidFill>
+                <a:schemeClr val="tx1"/>
+              </a:solidFill>
+            </a:endParaRPr>
+          </a:p>
+          <a:p>
+            <a:pPr marL="0" indent="0" algn="ctr">
+              <a:buFont typeface="Arial"/>
+              <a:buNone/>
+              <a:defRPr/>
+            </a:pPr>
+            <a:r>
+              <a:rPr sz="1050" b="0" i="0" u="none">
+                <a:solidFill>
+                  <a:schemeClr val="tx1"/>
+                </a:solidFill>
+                <a:latin typeface="Consolas"/>
+                <a:ea typeface="Consolas"/>
+                <a:cs typeface="Consolas"/>
+              </a:rPr>
+              <a:t>│  │   Pass    │ │   Passes   │ │  Effects  │ │</a:t>
+            </a:r>
+            <a:endParaRPr>
+              <a:solidFill>
+                <a:schemeClr val="tx1"/>
+              </a:solidFill>
+            </a:endParaRPr>
+          </a:p>
+          <a:p>
+            <a:pPr marL="0" indent="0" algn="ctr">
+              <a:buFont typeface="Arial"/>
+              <a:buNone/>
+              <a:defRPr/>
+            </a:pPr>
+            <a:r>
+              <a:rPr sz="1050" b="0" i="0" u="none">
+                <a:solidFill>
+                  <a:schemeClr val="tx1"/>
+                </a:solidFill>
+                <a:latin typeface="Consolas"/>
+                <a:ea typeface="Consolas"/>
+                <a:cs typeface="Consolas"/>
+              </a:rPr>
+              <a:t>│  └───────────┘ └────────────┘ └───────────┘ │</a:t>
+            </a:r>
+            <a:endParaRPr>
+              <a:solidFill>
+                <a:schemeClr val="tx1"/>
+              </a:solidFill>
+            </a:endParaRPr>
+          </a:p>
+          <a:p>
+            <a:pPr marL="0" indent="0" algn="ctr">
+              <a:buFont typeface="Arial"/>
+              <a:buNone/>
+              <a:defRPr/>
+            </a:pPr>
+            <a:r>
+              <a:rPr sz="1050" b="0" i="0" u="none">
+                <a:solidFill>
+                  <a:schemeClr val="tx1"/>
+                </a:solidFill>
+                <a:latin typeface="Consolas"/>
+                <a:ea typeface="Consolas"/>
+                <a:cs typeface="Consolas"/>
+              </a:rPr>
+              <a:t>├─────────────────────────────────────────────┤</a:t>
+            </a:r>
+            <a:endParaRPr>
+              <a:solidFill>
+                <a:schemeClr val="tx1"/>
+              </a:solidFill>
+            </a:endParaRPr>
+          </a:p>
+          <a:p>
+            <a:pPr marL="0" indent="0" algn="ctr">
+              <a:buFont typeface="Arial"/>
+              <a:buNone/>
+              <a:defRPr/>
+            </a:pPr>
+            <a:r>
+              <a:rPr sz="1050" b="0" i="0" u="none">
+                <a:solidFill>
+                  <a:schemeClr val="tx1"/>
+                </a:solidFill>
+                <a:latin typeface="Consolas"/>
+                <a:ea typeface="Consolas"/>
+                <a:cs typeface="Consolas"/>
+              </a:rPr>
+              <a:t>│            Graphics API Layer               │</a:t>
+            </a:r>
+            <a:endParaRPr>
+              <a:solidFill>
+                <a:schemeClr val="tx1"/>
+              </a:solidFill>
+            </a:endParaRPr>
+          </a:p>
+          <a:p>
+            <a:pPr marL="0" indent="0" algn="ctr">
+              <a:buFont typeface="Arial"/>
+              <a:buNone/>
+              <a:defRPr/>
+            </a:pPr>
+            <a:r>
+              <a:rPr sz="1050" b="0" i="0" u="none">
+                <a:solidFill>
+                  <a:schemeClr val="tx1"/>
+                </a:solidFill>
+                <a:latin typeface="Consolas"/>
+                <a:ea typeface="Consolas"/>
+                <a:cs typeface="Consolas"/>
+              </a:rPr>
+              <a:t>│  ┌───────────┐ ┌────────────┐ ┌───────────┐ │</a:t>
+            </a:r>
+            <a:endParaRPr>
+              <a:solidFill>
+                <a:schemeClr val="tx1"/>
+              </a:solidFill>
+            </a:endParaRPr>
+          </a:p>
+          <a:p>
+            <a:pPr marL="0" indent="0" algn="ctr">
+              <a:buFont typeface="Arial"/>
+              <a:buNone/>
+              <a:defRPr/>
+            </a:pPr>
+            <a:r>
+              <a:rPr sz="1050" b="0" i="0" u="none">
+                <a:solidFill>
+                  <a:schemeClr val="tx1"/>
+                </a:solidFill>
+                <a:latin typeface="Consolas"/>
+                <a:ea typeface="Consolas"/>
+                <a:cs typeface="Consolas"/>
+              </a:rPr>
+              <a:t>│  │  Command  │ │  Resource  │ │  Pipeline │ │</a:t>
+            </a:r>
+            <a:endParaRPr>
+              <a:solidFill>
+                <a:schemeClr val="tx1"/>
+              </a:solidFill>
+            </a:endParaRPr>
+          </a:p>
+          <a:p>
+            <a:pPr marL="0" indent="0" algn="ctr">
+              <a:buFont typeface="Arial"/>
+              <a:buNone/>
+              <a:defRPr/>
+            </a:pPr>
+            <a:r>
+              <a:rPr sz="1050" b="0" i="0" u="none">
+                <a:solidFill>
+                  <a:schemeClr val="tx1"/>
+                </a:solidFill>
+                <a:latin typeface="Consolas"/>
+                <a:ea typeface="Consolas"/>
+                <a:cs typeface="Consolas"/>
+              </a:rPr>
+              <a:t>│  │  Buffer   │ │Abstraction │ │   State   │ │</a:t>
+            </a:r>
+            <a:endParaRPr>
+              <a:solidFill>
+                <a:schemeClr val="tx1"/>
+              </a:solidFill>
+            </a:endParaRPr>
+          </a:p>
+          <a:p>
+            <a:pPr marL="0" indent="0" algn="ctr">
+              <a:buFont typeface="Arial"/>
+              <a:buNone/>
+              <a:defRPr/>
+            </a:pPr>
+            <a:r>
+              <a:rPr sz="1050" b="0" i="0" u="none">
+                <a:solidFill>
+                  <a:schemeClr val="tx1"/>
+                </a:solidFill>
+                <a:latin typeface="Consolas"/>
+                <a:ea typeface="Consolas"/>
+                <a:cs typeface="Consolas"/>
+              </a:rPr>
+              <a:t>│  └───────────┘ └────────────┘ └───────────┘ │</a:t>
+            </a:r>
+            <a:endParaRPr>
+              <a:solidFill>
+                <a:schemeClr val="tx1"/>
+              </a:solidFill>
+            </a:endParaRPr>
+          </a:p>
+          <a:p>
+            <a:pPr marL="0" indent="0" algn="ctr">
+              <a:buFont typeface="Arial"/>
+              <a:buNone/>
+              <a:defRPr/>
+            </a:pPr>
+            <a:r>
+              <a:rPr sz="1050" b="0" i="0" u="none">
+                <a:solidFill>
+                  <a:schemeClr val="tx1"/>
+                </a:solidFill>
+                <a:latin typeface="Consolas"/>
+                <a:ea typeface="Consolas"/>
+                <a:cs typeface="Consolas"/>
+              </a:rPr>
+              <a:t>└─────────────────────────────────────────────┘</a:t>
+            </a:r>
+            <a:endParaRPr/>
           </a:p>
         </p:txBody>
       </p:sp>
@@ -7008,7 +7948,7 @@
       </p:grpSpPr>
       <p:sp>
         <p:nvSpPr>
-          <p:cNvPr id="260628678" name="Title 1"/>
+          <p:cNvPr id="1625826719" name="Title 1"/>
           <p:cNvSpPr>
             <a:spLocks noGrp="1"/>
           </p:cNvSpPr>
@@ -7025,27 +7965,16 @@
               <a:defRPr/>
             </a:pPr>
             <a:r>
-              <a:rPr sz="2000" b="1" i="0" u="none">
-                <a:solidFill>
-                  <a:schemeClr val="tx1"/>
-                </a:solidFill>
-                <a:latin typeface="Arial"/>
-                <a:ea typeface="Arial"/>
-                <a:cs typeface="Arial"/>
-              </a:rPr>
-              <a:t>Пример сложной задачи</a:t>
-            </a:r>
-            <a:endParaRPr sz="2000">
-              <a:solidFill>
-                <a:schemeClr val="tx1"/>
-              </a:solidFill>
-            </a:endParaRPr>
+              <a:rPr lang="ru-RU"/>
+              <a:t>Пример использования</a:t>
+            </a:r>
+            <a:endParaRPr/>
           </a:p>
         </p:txBody>
       </p:sp>
       <p:sp>
         <p:nvSpPr>
-          <p:cNvPr id="1859334554" name="Content Placeholder 2"/>
+          <p:cNvPr id="1401647365" name="Content Placeholder 2"/>
           <p:cNvSpPr>
             <a:spLocks noGrp="1"/>
           </p:cNvSpPr>
@@ -7055,7 +7984,9 @@
         </p:nvSpPr>
         <p:spPr bwMode="auto"/>
         <p:txBody>
-          <a:bodyPr/>
+          <a:bodyPr vertOverflow="overflow" horzOverflow="overflow" vert="horz" wrap="square" lIns="91440" tIns="45720" rIns="91440" bIns="45720" numCol="1" spcCol="0" rtlCol="0" fromWordArt="0" anchor="t" anchorCtr="0" forceAA="0" upright="0" compatLnSpc="0">
+            <a:normAutofit/>
+          </a:bodyPr>
           <a:lstStyle/>
           <a:p>
             <a:pPr marL="0" indent="0">
@@ -7064,20 +7995,121 @@
               <a:defRPr/>
             </a:pPr>
             <a:r>
-              <a:rPr sz="1200" b="1" i="0" u="none">
-                <a:solidFill>
-                  <a:schemeClr val="tx1"/>
-                </a:solidFill>
-                <a:latin typeface="Arial"/>
-                <a:ea typeface="Arial"/>
-                <a:cs typeface="Arial"/>
-              </a:rPr>
-              <a:t>Pipeline рекламной визуализации:</a:t>
-            </a:r>
-            <a:endParaRPr sz="1200">
-              <a:solidFill>
-                <a:schemeClr val="tx1"/>
-              </a:solidFill>
+              <a:rPr sz="1050" b="0" i="1" u="none">
+                <a:solidFill>
+                  <a:schemeClr val="tx1"/>
+                </a:solidFill>
+                <a:latin typeface="Fira Code Light"/>
+                <a:ea typeface="Fira Code Light"/>
+                <a:cs typeface="Fira Code Light"/>
+              </a:rPr>
+              <a:t>using</a:t>
+            </a:r>
+            <a:r>
+              <a:rPr sz="1050" b="0" i="1" u="none">
+                <a:solidFill>
+                  <a:schemeClr val="tx1"/>
+                </a:solidFill>
+                <a:latin typeface="Fira Code Light"/>
+                <a:ea typeface="Fira Code Light"/>
+                <a:cs typeface="Fira Code Light"/>
+              </a:rPr>
+              <a:t> </a:t>
+            </a:r>
+            <a:r>
+              <a:rPr sz="1050" b="0" i="1" u="none">
+                <a:solidFill>
+                  <a:schemeClr val="tx1"/>
+                </a:solidFill>
+                <a:latin typeface="Fira Code Light"/>
+                <a:ea typeface="Fira Code Light"/>
+                <a:cs typeface="Fira Code Light"/>
+              </a:rPr>
+              <a:t>var</a:t>
+            </a:r>
+            <a:r>
+              <a:rPr sz="1050" b="0" i="1" u="none">
+                <a:solidFill>
+                  <a:schemeClr val="tx1"/>
+                </a:solidFill>
+                <a:latin typeface="Fira Code Light"/>
+                <a:ea typeface="Fira Code Light"/>
+                <a:cs typeface="Fira Code Light"/>
+              </a:rPr>
+              <a:t> </a:t>
+            </a:r>
+            <a:r>
+              <a:rPr sz="1050" b="0" i="1" u="none">
+                <a:solidFill>
+                  <a:schemeClr val="tx1"/>
+                </a:solidFill>
+                <a:latin typeface="Fira Code Light"/>
+                <a:ea typeface="Fira Code Light"/>
+                <a:cs typeface="Fira Code Light"/>
+              </a:rPr>
+              <a:t>device</a:t>
+            </a:r>
+            <a:r>
+              <a:rPr sz="1050" b="0" i="1" u="none">
+                <a:solidFill>
+                  <a:schemeClr val="tx1"/>
+                </a:solidFill>
+                <a:latin typeface="Fira Code Light"/>
+                <a:ea typeface="Fira Code Light"/>
+                <a:cs typeface="Fira Code Light"/>
+              </a:rPr>
+              <a:t> = </a:t>
+            </a:r>
+            <a:r>
+              <a:rPr sz="1050" b="0" i="1" u="none">
+                <a:solidFill>
+                  <a:schemeClr val="tx1"/>
+                </a:solidFill>
+                <a:latin typeface="Fira Code Light"/>
+                <a:ea typeface="Fira Code Light"/>
+                <a:cs typeface="Fira Code Light"/>
+              </a:rPr>
+              <a:t>new</a:t>
+            </a:r>
+            <a:r>
+              <a:rPr sz="1050" b="0" i="1" u="none">
+                <a:solidFill>
+                  <a:schemeClr val="tx1"/>
+                </a:solidFill>
+                <a:latin typeface="Fira Code Light"/>
+                <a:ea typeface="Fira Code Light"/>
+                <a:cs typeface="Fira Code Light"/>
+              </a:rPr>
+              <a:t> </a:t>
+            </a:r>
+            <a:r>
+              <a:rPr sz="1050" b="0" i="1" u="none">
+                <a:solidFill>
+                  <a:schemeClr val="tx1"/>
+                </a:solidFill>
+                <a:latin typeface="Fira Code Light"/>
+                <a:ea typeface="Fira Code Light"/>
+                <a:cs typeface="Fira Code Light"/>
+              </a:rPr>
+              <a:t>DX12GraphicsDevice</a:t>
+            </a:r>
+            <a:r>
+              <a:rPr sz="1050" b="0" i="1" u="none">
+                <a:solidFill>
+                  <a:schemeClr val="tx1"/>
+                </a:solidFill>
+                <a:latin typeface="Fira Code Light"/>
+                <a:ea typeface="Fira Code Light"/>
+                <a:cs typeface="Fira Code Light"/>
+              </a:rPr>
+              <a:t>();</a:t>
+            </a:r>
+            <a:endParaRPr i="1">
+              <a:solidFill>
+                <a:schemeClr val="tx1"/>
+              </a:solidFill>
+              <a:latin typeface="Fira Code Light"/>
+              <a:cs typeface="Fira Code Light"/>
             </a:endParaRPr>
           </a:p>
           <a:p>
@@ -7087,51 +8119,143 @@
               <a:defRPr/>
             </a:pPr>
             <a:r>
-              <a:rPr sz="1200" b="0" i="0" u="none">
-                <a:solidFill>
-                  <a:schemeClr val="tx1"/>
-                </a:solidFill>
-                <a:latin typeface="Consolas"/>
-                <a:ea typeface="Consolas"/>
-                <a:cs typeface="Consolas"/>
-              </a:rPr>
-              <a:t>Geometry → Base Rendering → Blur Effect → Masking → </a:t>
-            </a:r>
-            <a:br>
-              <a:rPr sz="1200" b="0" i="0" u="none">
-                <a:solidFill>
-                  <a:schemeClr val="tx1"/>
-                </a:solidFill>
-                <a:latin typeface="Consolas"/>
-                <a:ea typeface="Consolas"/>
-                <a:cs typeface="Consolas"/>
-              </a:rPr>
-            </a:br>
-            <a:r>
-              <a:rPr sz="1200" b="0" i="0" u="none">
-                <a:solidFill>
-                  <a:schemeClr val="tx1"/>
-                </a:solidFill>
-                <a:latin typeface="Consolas"/>
-                <a:ea typeface="Consolas"/>
-                <a:cs typeface="Consolas"/>
-              </a:rPr>
-              <a:t>Fade Transition → Color Correction → Final Output</a:t>
-            </a:r>
-            <a:br>
-              <a:rPr sz="1200" b="0" i="0" u="none">
-                <a:solidFill>
-                  <a:schemeClr val="tx1"/>
-                </a:solidFill>
-                <a:latin typeface="Consolas"/>
-                <a:ea typeface="Consolas"/>
-                <a:cs typeface="Consolas"/>
-              </a:rPr>
-            </a:br>
-            <a:endParaRPr sz="1200">
-              <a:solidFill>
-                <a:schemeClr val="tx1"/>
-              </a:solidFill>
+              <a:rPr sz="1050" b="0" i="1" u="none">
+                <a:solidFill>
+                  <a:schemeClr val="tx1"/>
+                </a:solidFill>
+                <a:latin typeface="Fira Code Light"/>
+                <a:ea typeface="Fira Code Light"/>
+                <a:cs typeface="Fira Code Light"/>
+              </a:rPr>
+              <a:t>using</a:t>
+            </a:r>
+            <a:r>
+              <a:rPr sz="1050" b="0" i="1" u="none">
+                <a:solidFill>
+                  <a:schemeClr val="tx1"/>
+                </a:solidFill>
+                <a:latin typeface="Fira Code Light"/>
+                <a:ea typeface="Fira Code Light"/>
+                <a:cs typeface="Fira Code Light"/>
+              </a:rPr>
+              <a:t> </a:t>
+            </a:r>
+            <a:r>
+              <a:rPr sz="1050" b="0" i="1" u="none">
+                <a:solidFill>
+                  <a:schemeClr val="tx1"/>
+                </a:solidFill>
+                <a:latin typeface="Fira Code Light"/>
+                <a:ea typeface="Fira Code Light"/>
+                <a:cs typeface="Fira Code Light"/>
+              </a:rPr>
+              <a:t>var</a:t>
+            </a:r>
+            <a:r>
+              <a:rPr sz="1050" b="0" i="1" u="none">
+                <a:solidFill>
+                  <a:schemeClr val="tx1"/>
+                </a:solidFill>
+                <a:latin typeface="Fira Code Light"/>
+                <a:ea typeface="Fira Code Light"/>
+                <a:cs typeface="Fira Code Light"/>
+              </a:rPr>
+              <a:t> </a:t>
+            </a:r>
+            <a:r>
+              <a:rPr sz="1050" b="0" i="1" u="none">
+                <a:solidFill>
+                  <a:schemeClr val="tx1"/>
+                </a:solidFill>
+                <a:latin typeface="Fira Code Light"/>
+                <a:ea typeface="Fira Code Light"/>
+                <a:cs typeface="Fira Code Light"/>
+              </a:rPr>
+              <a:t>renderGraph</a:t>
+            </a:r>
+            <a:r>
+              <a:rPr sz="1050" b="0" i="1" u="none">
+                <a:solidFill>
+                  <a:schemeClr val="tx1"/>
+                </a:solidFill>
+                <a:latin typeface="Fira Code Light"/>
+                <a:ea typeface="Fira Code Light"/>
+                <a:cs typeface="Fira Code Light"/>
+              </a:rPr>
+              <a:t> = </a:t>
+            </a:r>
+            <a:r>
+              <a:rPr sz="1050" b="0" i="1" u="none">
+                <a:solidFill>
+                  <a:schemeClr val="tx1"/>
+                </a:solidFill>
+                <a:latin typeface="Fira Code Light"/>
+                <a:ea typeface="Fira Code Light"/>
+                <a:cs typeface="Fira Code Light"/>
+              </a:rPr>
+              <a:t>new</a:t>
+            </a:r>
+            <a:r>
+              <a:rPr sz="1050" b="0" i="1" u="none">
+                <a:solidFill>
+                  <a:schemeClr val="tx1"/>
+                </a:solidFill>
+                <a:latin typeface="Fira Code Light"/>
+                <a:ea typeface="Fira Code Light"/>
+                <a:cs typeface="Fira Code Light"/>
+              </a:rPr>
+              <a:t> </a:t>
+            </a:r>
+            <a:r>
+              <a:rPr sz="1050" b="0" i="1" u="none">
+                <a:solidFill>
+                  <a:schemeClr val="tx1"/>
+                </a:solidFill>
+                <a:latin typeface="Fira Code Light"/>
+                <a:ea typeface="Fira Code Light"/>
+                <a:cs typeface="Fira Code Light"/>
+              </a:rPr>
+              <a:t>RenderGraph</a:t>
+            </a:r>
+            <a:r>
+              <a:rPr sz="1050" b="0" i="1" u="none">
+                <a:solidFill>
+                  <a:schemeClr val="tx1"/>
+                </a:solidFill>
+                <a:latin typeface="Fira Code Light"/>
+                <a:ea typeface="Fira Code Light"/>
+                <a:cs typeface="Fira Code Light"/>
+              </a:rPr>
+              <a:t>(</a:t>
+            </a:r>
+            <a:r>
+              <a:rPr sz="1050" b="0" i="1" u="none">
+                <a:solidFill>
+                  <a:schemeClr val="tx1"/>
+                </a:solidFill>
+                <a:latin typeface="Fira Code Light"/>
+                <a:ea typeface="Fira Code Light"/>
+                <a:cs typeface="Fira Code Light"/>
+              </a:rPr>
+              <a:t>device</a:t>
+            </a:r>
+            <a:r>
+              <a:rPr sz="1050" b="0" i="1" u="none">
+                <a:solidFill>
+                  <a:schemeClr val="tx1"/>
+                </a:solidFill>
+                <a:latin typeface="Fira Code Light"/>
+                <a:ea typeface="Fira Code Light"/>
+                <a:cs typeface="Fira Code Light"/>
+              </a:rPr>
+              <a:t>);</a:t>
+            </a:r>
+            <a:endParaRPr i="1">
+              <a:solidFill>
+                <a:schemeClr val="tx1"/>
+              </a:solidFill>
+              <a:latin typeface="Fira Code Light"/>
+              <a:cs typeface="Fira Code Light"/>
             </a:endParaRPr>
           </a:p>
           <a:p>
@@ -7140,10 +8264,210 @@
               <a:buNone/>
               <a:defRPr/>
             </a:pPr>
-            <a:endParaRPr sz="1200">
-              <a:solidFill>
-                <a:schemeClr val="tx1"/>
-              </a:solidFill>
+            <a:r>
+              <a:rPr sz="1050" b="0" i="1" u="none">
+                <a:solidFill>
+                  <a:schemeClr val="tx1"/>
+                </a:solidFill>
+                <a:latin typeface="Fira Code Light"/>
+                <a:ea typeface="Fira Code Light"/>
+                <a:cs typeface="Fira Code Light"/>
+              </a:rPr>
+              <a:t>var</a:t>
+            </a:r>
+            <a:r>
+              <a:rPr sz="1050" b="0" i="1" u="none">
+                <a:solidFill>
+                  <a:schemeClr val="tx1"/>
+                </a:solidFill>
+                <a:latin typeface="Fira Code Light"/>
+                <a:ea typeface="Fira Code Light"/>
+                <a:cs typeface="Fira Code Light"/>
+              </a:rPr>
+              <a:t> </a:t>
+            </a:r>
+            <a:r>
+              <a:rPr sz="1050" b="0" i="1" u="none">
+                <a:solidFill>
+                  <a:schemeClr val="tx1"/>
+                </a:solidFill>
+                <a:latin typeface="Fira Code Light"/>
+                <a:ea typeface="Fira Code Light"/>
+                <a:cs typeface="Fira Code Light"/>
+              </a:rPr>
+              <a:t>geometryPass</a:t>
+            </a:r>
+            <a:r>
+              <a:rPr sz="1050" b="0" i="1" u="none">
+                <a:solidFill>
+                  <a:schemeClr val="tx1"/>
+                </a:solidFill>
+                <a:latin typeface="Fira Code Light"/>
+                <a:ea typeface="Fira Code Light"/>
+                <a:cs typeface="Fira Code Light"/>
+              </a:rPr>
+              <a:t> = </a:t>
+            </a:r>
+            <a:r>
+              <a:rPr sz="1050" b="0" i="1" u="none">
+                <a:solidFill>
+                  <a:schemeClr val="tx1"/>
+                </a:solidFill>
+                <a:latin typeface="Fira Code Light"/>
+                <a:ea typeface="Fira Code Light"/>
+                <a:cs typeface="Fira Code Light"/>
+              </a:rPr>
+              <a:t>new</a:t>
+            </a:r>
+            <a:r>
+              <a:rPr sz="1050" b="0" i="1" u="none">
+                <a:solidFill>
+                  <a:schemeClr val="tx1"/>
+                </a:solidFill>
+                <a:latin typeface="Fira Code Light"/>
+                <a:ea typeface="Fira Code Light"/>
+                <a:cs typeface="Fira Code Light"/>
+              </a:rPr>
+              <a:t> </a:t>
+            </a:r>
+            <a:r>
+              <a:rPr sz="1050" b="0" i="1" u="none">
+                <a:solidFill>
+                  <a:schemeClr val="tx1"/>
+                </a:solidFill>
+                <a:latin typeface="Fira Code Light"/>
+                <a:ea typeface="Fira Code Light"/>
+                <a:cs typeface="Fira Code Light"/>
+              </a:rPr>
+              <a:t>GeometryPass</a:t>
+            </a:r>
+            <a:r>
+              <a:rPr sz="1050" b="0" i="1" u="none">
+                <a:solidFill>
+                  <a:schemeClr val="tx1"/>
+                </a:solidFill>
+                <a:latin typeface="Fira Code Light"/>
+                <a:ea typeface="Fira Code Light"/>
+                <a:cs typeface="Fira Code Light"/>
+              </a:rPr>
+              <a:t> </a:t>
+            </a:r>
+            <a:r>
+              <a:rPr sz="1050" b="0" i="1" u="none">
+                <a:solidFill>
+                  <a:schemeClr val="tx1"/>
+                </a:solidFill>
+                <a:latin typeface="Fira Code Light"/>
+                <a:ea typeface="Fira Code Light"/>
+                <a:cs typeface="Fira Code Light"/>
+              </a:rPr>
+              <a:t>{ </a:t>
+            </a:r>
+            <a:r>
+              <a:rPr sz="1050" b="0" i="1" u="none">
+                <a:solidFill>
+                  <a:schemeClr val="tx1"/>
+                </a:solidFill>
+                <a:latin typeface="Fira Code Light"/>
+                <a:ea typeface="Fira Code Light"/>
+                <a:cs typeface="Fira Code Light"/>
+              </a:rPr>
+              <a:t>ViewportWidth</a:t>
+            </a:r>
+            <a:r>
+              <a:rPr sz="1050" b="0" i="1" u="none">
+                <a:solidFill>
+                  <a:schemeClr val="tx1"/>
+                </a:solidFill>
+                <a:latin typeface="Fira Code Light"/>
+                <a:ea typeface="Fira Code Light"/>
+                <a:cs typeface="Fira Code Light"/>
+              </a:rPr>
+              <a:t> = </a:t>
+            </a:r>
+            <a:r>
+              <a:rPr sz="1050" b="0" i="1" u="none">
+                <a:solidFill>
+                  <a:schemeClr val="tx1"/>
+                </a:solidFill>
+                <a:latin typeface="Fira Code Light"/>
+                <a:ea typeface="Fira Code Light"/>
+                <a:cs typeface="Fira Code Light"/>
+              </a:rPr>
+              <a:t>1920</a:t>
+            </a:r>
+            <a:r>
+              <a:rPr sz="1050" b="0" i="1" u="none">
+                <a:solidFill>
+                  <a:schemeClr val="tx1"/>
+                </a:solidFill>
+                <a:latin typeface="Fira Code Light"/>
+                <a:ea typeface="Fira Code Light"/>
+                <a:cs typeface="Fira Code Light"/>
+              </a:rPr>
+              <a:t>, </a:t>
+            </a:r>
+            <a:r>
+              <a:rPr sz="1050" b="0" i="1" u="none">
+                <a:solidFill>
+                  <a:schemeClr val="tx1"/>
+                </a:solidFill>
+                <a:latin typeface="Fira Code Light"/>
+                <a:ea typeface="Fira Code Light"/>
+                <a:cs typeface="Fira Code Light"/>
+              </a:rPr>
+              <a:t>ViewportHeight</a:t>
+            </a:r>
+            <a:r>
+              <a:rPr sz="1050" b="0" i="1" u="none">
+                <a:solidFill>
+                  <a:schemeClr val="tx1"/>
+                </a:solidFill>
+                <a:latin typeface="Fira Code Light"/>
+                <a:ea typeface="Fira Code Light"/>
+                <a:cs typeface="Fira Code Light"/>
+              </a:rPr>
+              <a:t> = </a:t>
+            </a:r>
+            <a:r>
+              <a:rPr sz="1050" b="0" i="1" u="none">
+                <a:solidFill>
+                  <a:schemeClr val="tx1"/>
+                </a:solidFill>
+                <a:latin typeface="Fira Code Light"/>
+                <a:ea typeface="Fira Code Light"/>
+                <a:cs typeface="Fira Code Light"/>
+              </a:rPr>
+              <a:t>1080</a:t>
+            </a:r>
+            <a:r>
+              <a:rPr lang="ru-RU" sz="1050" b="0" i="1" u="none">
+                <a:solidFill>
+                  <a:schemeClr val="tx1"/>
+                </a:solidFill>
+                <a:latin typeface="Fira Code Light"/>
+                <a:ea typeface="Fira Code Light"/>
+                <a:cs typeface="Fira Code Light"/>
+              </a:rPr>
+              <a:t> </a:t>
+            </a:r>
+            <a:r>
+              <a:rPr sz="1050" b="0" i="1" u="none">
+                <a:solidFill>
+                  <a:schemeClr val="tx1"/>
+                </a:solidFill>
+                <a:latin typeface="Fira Code Light"/>
+                <a:ea typeface="Fira Code Light"/>
+                <a:cs typeface="Fira Code Light"/>
+              </a:rPr>
+              <a:t>};</a:t>
+            </a:r>
+            <a:endParaRPr i="1">
+              <a:solidFill>
+                <a:schemeClr val="tx1"/>
+              </a:solidFill>
+              <a:latin typeface="Fira Code Light"/>
+              <a:cs typeface="Fira Code Light"/>
             </a:endParaRPr>
           </a:p>
           <a:p>
@@ -7153,196 +8477,231 @@
               <a:defRPr/>
             </a:pPr>
             <a:r>
-              <a:rPr sz="1200" b="1" i="0" u="none">
-                <a:solidFill>
-                  <a:schemeClr val="tx1"/>
-                </a:solidFill>
-                <a:latin typeface="Arial"/>
-                <a:ea typeface="Arial"/>
-                <a:cs typeface="Arial"/>
-              </a:rPr>
-              <a:t>Проблемы ручного подхода:</a:t>
-            </a:r>
-            <a:endParaRPr sz="1200" b="1" i="0" u="none">
-              <a:solidFill>
-                <a:schemeClr val="tx1"/>
-              </a:solidFill>
-              <a:latin typeface="Arial"/>
-              <a:ea typeface="Arial"/>
-              <a:cs typeface="Arial"/>
-            </a:endParaRPr>
-          </a:p>
-          <a:p>
-            <a:pPr>
-              <a:defRPr/>
-            </a:pPr>
-            <a:r>
-              <a:rPr sz="1200" b="1" i="0" u="none">
-                <a:solidFill>
-                  <a:schemeClr val="tx1"/>
-                </a:solidFill>
-                <a:latin typeface="Arial"/>
-                <a:ea typeface="Arial"/>
-                <a:cs typeface="Arial"/>
-              </a:rPr>
-              <a:t>40MB VRAM</a:t>
-            </a:r>
-            <a:r>
-              <a:rPr sz="1200" b="0" i="0" u="none">
-                <a:solidFill>
-                  <a:schemeClr val="tx1"/>
-                </a:solidFill>
-                <a:latin typeface="Arial"/>
-                <a:ea typeface="Arial"/>
-                <a:cs typeface="Arial"/>
+              <a:rPr sz="1050" b="0" i="1" u="none">
+                <a:solidFill>
+                  <a:schemeClr val="tx1"/>
+                </a:solidFill>
+                <a:latin typeface="Fira Code Light"/>
+                <a:ea typeface="Fira Code Light"/>
+                <a:cs typeface="Fira Code Light"/>
+              </a:rPr>
+              <a:t>var</a:t>
+            </a:r>
+            <a:r>
+              <a:rPr sz="1050" b="0" i="1" u="none">
+                <a:solidFill>
+                  <a:schemeClr val="tx1"/>
+                </a:solidFill>
+                <a:latin typeface="Fira Code Light"/>
+                <a:ea typeface="Fira Code Light"/>
+                <a:cs typeface="Fira Code Light"/>
               </a:rPr>
               <a:t> </a:t>
             </a:r>
             <a:r>
-              <a:rPr sz="1200" b="0" i="0" u="none">
-                <a:solidFill>
-                  <a:schemeClr val="tx1"/>
-                </a:solidFill>
-                <a:latin typeface="Arial"/>
-                <a:ea typeface="Arial"/>
-                <a:cs typeface="Arial"/>
-              </a:rPr>
-              <a:t>без aliasing vs</a:t>
-            </a:r>
-            <a:r>
-              <a:rPr sz="1200" b="0" i="0" u="none">
-                <a:solidFill>
-                  <a:schemeClr val="tx1"/>
-                </a:solidFill>
-                <a:latin typeface="Arial"/>
-                <a:ea typeface="Arial"/>
-                <a:cs typeface="Arial"/>
+              <a:rPr sz="1050" b="0" i="1" u="none">
+                <a:solidFill>
+                  <a:schemeClr val="tx1"/>
+                </a:solidFill>
+                <a:latin typeface="Fira Code Light"/>
+                <a:ea typeface="Fira Code Light"/>
+                <a:cs typeface="Fira Code Light"/>
+              </a:rPr>
+              <a:t>blurPass</a:t>
+            </a:r>
+            <a:r>
+              <a:rPr sz="1050" b="0" i="1" u="none">
+                <a:solidFill>
+                  <a:schemeClr val="tx1"/>
+                </a:solidFill>
+                <a:latin typeface="Fira Code Light"/>
+                <a:ea typeface="Fira Code Light"/>
+                <a:cs typeface="Fira Code Light"/>
+              </a:rPr>
+              <a:t> = </a:t>
+            </a:r>
+            <a:r>
+              <a:rPr sz="1050" b="0" i="1" u="none">
+                <a:solidFill>
+                  <a:schemeClr val="tx1"/>
+                </a:solidFill>
+                <a:latin typeface="Fira Code Light"/>
+                <a:ea typeface="Fira Code Light"/>
+                <a:cs typeface="Fira Code Light"/>
+              </a:rPr>
+              <a:t>new</a:t>
+            </a:r>
+            <a:r>
+              <a:rPr sz="1050" b="0" i="1" u="none">
+                <a:solidFill>
+                  <a:schemeClr val="tx1"/>
+                </a:solidFill>
+                <a:latin typeface="Fira Code Light"/>
+                <a:ea typeface="Fira Code Light"/>
+                <a:cs typeface="Fira Code Light"/>
               </a:rPr>
               <a:t> </a:t>
             </a:r>
             <a:r>
-              <a:rPr sz="1200" b="1" i="0" u="none">
-                <a:solidFill>
-                  <a:schemeClr val="tx1"/>
-                </a:solidFill>
-                <a:latin typeface="Arial"/>
-                <a:ea typeface="Arial"/>
-                <a:cs typeface="Arial"/>
-              </a:rPr>
-              <a:t>16MB</a:t>
-            </a:r>
-            <a:r>
-              <a:rPr sz="1200" b="0" i="0" u="none">
-                <a:solidFill>
-                  <a:schemeClr val="tx1"/>
-                </a:solidFill>
-                <a:latin typeface="Arial"/>
-                <a:ea typeface="Arial"/>
-                <a:cs typeface="Arial"/>
+              <a:rPr sz="1050" b="0" i="1" u="none">
+                <a:solidFill>
+                  <a:schemeClr val="tx1"/>
+                </a:solidFill>
+                <a:latin typeface="Fira Code Light"/>
+                <a:ea typeface="Fira Code Light"/>
+                <a:cs typeface="Fira Code Light"/>
+              </a:rPr>
+              <a:t>BlurPass</a:t>
+            </a:r>
+            <a:r>
+              <a:rPr sz="1050" b="0" i="1" u="none">
+                <a:solidFill>
+                  <a:schemeClr val="tx1"/>
+                </a:solidFill>
+                <a:latin typeface="Fira Code Light"/>
+                <a:ea typeface="Fira Code Light"/>
+                <a:cs typeface="Fira Code Light"/>
               </a:rPr>
               <a:t> </a:t>
             </a:r>
             <a:r>
-              <a:rPr sz="1200" b="0" i="0" u="none">
-                <a:solidFill>
-                  <a:schemeClr val="tx1"/>
-                </a:solidFill>
-                <a:latin typeface="Arial"/>
-                <a:ea typeface="Arial"/>
-                <a:cs typeface="Arial"/>
-              </a:rPr>
-              <a:t>с автоматической оптимизацией</a:t>
-            </a:r>
-            <a:endParaRPr sz="1200">
-              <a:solidFill>
-                <a:schemeClr val="tx1"/>
-              </a:solidFill>
-            </a:endParaRPr>
-          </a:p>
-          <a:p>
-            <a:pPr>
-              <a:defRPr/>
-            </a:pPr>
-            <a:r>
-              <a:rPr sz="1200" b="1" i="0" u="none">
-                <a:solidFill>
-                  <a:schemeClr val="tx1"/>
-                </a:solidFill>
-                <a:latin typeface="Arial"/>
-                <a:ea typeface="Arial"/>
-                <a:cs typeface="Arial"/>
-              </a:rPr>
-              <a:t>Недели переписывания</a:t>
-            </a:r>
-            <a:r>
-              <a:rPr sz="1200" b="0" i="0" u="none">
-                <a:solidFill>
-                  <a:schemeClr val="tx1"/>
-                </a:solidFill>
-                <a:latin typeface="Arial"/>
-                <a:ea typeface="Arial"/>
-                <a:cs typeface="Arial"/>
+              <a:rPr sz="1050" b="0" i="1" u="none">
+                <a:solidFill>
+                  <a:schemeClr val="tx1"/>
+                </a:solidFill>
+                <a:latin typeface="Fira Code Light"/>
+                <a:ea typeface="Fira Code Light"/>
+                <a:cs typeface="Fira Code Light"/>
+              </a:rPr>
+              <a:t>{ </a:t>
+            </a:r>
+            <a:r>
+              <a:rPr sz="1050" b="0" i="1" u="none">
+                <a:solidFill>
+                  <a:schemeClr val="tx1"/>
+                </a:solidFill>
+                <a:latin typeface="Fira Code Light"/>
+                <a:ea typeface="Fira Code Light"/>
+                <a:cs typeface="Fira Code Light"/>
+              </a:rPr>
+              <a:t>InputTexture</a:t>
+            </a:r>
+            <a:r>
+              <a:rPr sz="1050" b="0" i="1" u="none">
+                <a:solidFill>
+                  <a:schemeClr val="tx1"/>
+                </a:solidFill>
+                <a:latin typeface="Fira Code Light"/>
+                <a:ea typeface="Fira Code Light"/>
+                <a:cs typeface="Fira Code Light"/>
+              </a:rPr>
+              <a:t> = </a:t>
+            </a:r>
+            <a:r>
+              <a:rPr sz="1050" b="0" i="1" u="none">
+                <a:solidFill>
+                  <a:schemeClr val="tx1"/>
+                </a:solidFill>
+                <a:latin typeface="Fira Code Light"/>
+                <a:ea typeface="Fira Code Light"/>
+                <a:cs typeface="Fira Code Light"/>
+              </a:rPr>
+              <a:t>geometryPass</a:t>
+            </a:r>
+            <a:r>
+              <a:rPr sz="1050" b="0" i="1" u="none">
+                <a:solidFill>
+                  <a:schemeClr val="tx1"/>
+                </a:solidFill>
+                <a:latin typeface="Fira Code Light"/>
+                <a:ea typeface="Fira Code Light"/>
+                <a:cs typeface="Fira Code Light"/>
+              </a:rPr>
+              <a:t>.</a:t>
+            </a:r>
+            <a:r>
+              <a:rPr sz="1050" b="0" i="1" u="none">
+                <a:solidFill>
+                  <a:schemeClr val="tx1"/>
+                </a:solidFill>
+                <a:latin typeface="Fira Code Light"/>
+                <a:ea typeface="Fira Code Light"/>
+                <a:cs typeface="Fira Code Light"/>
+              </a:rPr>
+              <a:t>ColorTarget</a:t>
+            </a:r>
+            <a:r>
+              <a:rPr sz="1050" b="0" i="1" u="none">
+                <a:solidFill>
+                  <a:schemeClr val="tx1"/>
+                </a:solidFill>
+                <a:latin typeface="Fira Code Light"/>
+                <a:ea typeface="Fira Code Light"/>
+                <a:cs typeface="Fira Code Light"/>
+              </a:rPr>
+              <a:t>, </a:t>
+            </a:r>
+            <a:r>
+              <a:rPr sz="1050" b="0" i="1" u="none">
+                <a:solidFill>
+                  <a:schemeClr val="tx1"/>
+                </a:solidFill>
+                <a:latin typeface="Fira Code Light"/>
+                <a:ea typeface="Fira Code Light"/>
+                <a:cs typeface="Fira Code Light"/>
+              </a:rPr>
+              <a:t>BlurRadius</a:t>
+            </a:r>
+            <a:r>
+              <a:rPr sz="1050" b="0" i="1" u="none">
+                <a:solidFill>
+                  <a:schemeClr val="tx1"/>
+                </a:solidFill>
+                <a:latin typeface="Fira Code Light"/>
+                <a:ea typeface="Fira Code Light"/>
+                <a:cs typeface="Fira Code Light"/>
+              </a:rPr>
+              <a:t> = </a:t>
+            </a:r>
+            <a:r>
+              <a:rPr sz="1050" b="0" i="1" u="none">
+                <a:solidFill>
+                  <a:schemeClr val="tx1"/>
+                </a:solidFill>
+                <a:latin typeface="Fira Code Light"/>
+                <a:ea typeface="Fira Code Light"/>
+                <a:cs typeface="Fira Code Light"/>
+              </a:rPr>
+              <a:t>5.0f</a:t>
+            </a:r>
+            <a:r>
+              <a:rPr lang="ru-RU" sz="1050" b="0" i="1" u="none">
+                <a:solidFill>
+                  <a:schemeClr val="tx1"/>
+                </a:solidFill>
+                <a:latin typeface="Fira Code Light"/>
+                <a:ea typeface="Fira Code Light"/>
+                <a:cs typeface="Fira Code Light"/>
               </a:rPr>
               <a:t> </a:t>
             </a:r>
             <a:r>
-              <a:rPr sz="1200" b="0" i="0" u="none">
-                <a:solidFill>
-                  <a:schemeClr val="tx1"/>
-                </a:solidFill>
-                <a:latin typeface="Arial"/>
-                <a:ea typeface="Arial"/>
-                <a:cs typeface="Arial"/>
-              </a:rPr>
-              <a:t>кода для каждого нового эффекта</a:t>
-            </a:r>
-            <a:endParaRPr sz="1200">
-              <a:solidFill>
-                <a:schemeClr val="tx1"/>
-              </a:solidFill>
-            </a:endParaRPr>
-          </a:p>
-          <a:p>
-            <a:pPr>
-              <a:defRPr/>
-            </a:pPr>
-            <a:r>
-              <a:rPr sz="1200" b="1" i="0" u="none">
-                <a:solidFill>
-                  <a:schemeClr val="tx1"/>
-                </a:solidFill>
-                <a:latin typeface="Arial"/>
-                <a:ea typeface="Arial"/>
-                <a:cs typeface="Arial"/>
-              </a:rPr>
-              <a:t>Высокий риск ошибок</a:t>
-            </a:r>
-            <a:r>
-              <a:rPr sz="1200" b="0" i="0" u="none">
-                <a:solidFill>
-                  <a:schemeClr val="tx1"/>
-                </a:solidFill>
-                <a:latin typeface="Arial"/>
-                <a:ea typeface="Arial"/>
-                <a:cs typeface="Arial"/>
-              </a:rPr>
-              <a:t> </a:t>
-            </a:r>
-            <a:r>
-              <a:rPr sz="1200" b="0" i="0" u="none">
-                <a:solidFill>
-                  <a:schemeClr val="tx1"/>
-                </a:solidFill>
-                <a:latin typeface="Arial"/>
-                <a:ea typeface="Arial"/>
-                <a:cs typeface="Arial"/>
-              </a:rPr>
-              <a:t>синхронизации между pass'ами</a:t>
-            </a:r>
-            <a:endParaRPr sz="1200">
-              <a:solidFill>
-                <a:schemeClr val="tx1"/>
-              </a:solidFill>
+              <a:rPr sz="1050" b="0" i="1" u="none">
+                <a:solidFill>
+                  <a:schemeClr val="tx1"/>
+                </a:solidFill>
+                <a:latin typeface="Fira Code Light"/>
+                <a:ea typeface="Fira Code Light"/>
+                <a:cs typeface="Fira Code Light"/>
+              </a:rPr>
+              <a:t>};</a:t>
+            </a:r>
+            <a:endParaRPr i="1">
+              <a:solidFill>
+                <a:schemeClr val="tx1"/>
+              </a:solidFill>
+              <a:latin typeface="Fira Code Light"/>
+              <a:cs typeface="Fira Code Light"/>
             </a:endParaRPr>
           </a:p>
           <a:p>
@@ -7351,10 +8710,276 @@
               <a:buNone/>
               <a:defRPr/>
             </a:pPr>
-            <a:endParaRPr sz="1200">
-              <a:solidFill>
-                <a:schemeClr val="tx1"/>
-              </a:solidFill>
+            <a:r>
+              <a:rPr sz="1050" b="0" i="1" u="none">
+                <a:solidFill>
+                  <a:schemeClr val="tx1"/>
+                </a:solidFill>
+                <a:latin typeface="Fira Code Light"/>
+                <a:ea typeface="Fira Code Light"/>
+                <a:cs typeface="Fira Code Light"/>
+              </a:rPr>
+              <a:t>var</a:t>
+            </a:r>
+            <a:r>
+              <a:rPr sz="1050" b="0" i="1" u="none">
+                <a:solidFill>
+                  <a:schemeClr val="tx1"/>
+                </a:solidFill>
+                <a:latin typeface="Fira Code Light"/>
+                <a:ea typeface="Fira Code Light"/>
+                <a:cs typeface="Fira Code Light"/>
+              </a:rPr>
+              <a:t> </a:t>
+            </a:r>
+            <a:r>
+              <a:rPr sz="1050" b="0" i="1" u="none">
+                <a:solidFill>
+                  <a:schemeClr val="tx1"/>
+                </a:solidFill>
+                <a:latin typeface="Fira Code Light"/>
+                <a:ea typeface="Fira Code Light"/>
+                <a:cs typeface="Fira Code Light"/>
+              </a:rPr>
+              <a:t>colorCorrectionPass</a:t>
+            </a:r>
+            <a:r>
+              <a:rPr sz="1050" b="0" i="1" u="none">
+                <a:solidFill>
+                  <a:schemeClr val="tx1"/>
+                </a:solidFill>
+                <a:latin typeface="Fira Code Light"/>
+                <a:ea typeface="Fira Code Light"/>
+                <a:cs typeface="Fira Code Light"/>
+              </a:rPr>
+              <a:t> = </a:t>
+            </a:r>
+            <a:r>
+              <a:rPr sz="1050" b="0" i="1" u="none">
+                <a:solidFill>
+                  <a:schemeClr val="tx1"/>
+                </a:solidFill>
+                <a:latin typeface="Fira Code Light"/>
+                <a:ea typeface="Fira Code Light"/>
+                <a:cs typeface="Fira Code Light"/>
+              </a:rPr>
+              <a:t>new</a:t>
+            </a:r>
+            <a:r>
+              <a:rPr sz="1050" b="0" i="1" u="none">
+                <a:solidFill>
+                  <a:schemeClr val="tx1"/>
+                </a:solidFill>
+                <a:latin typeface="Fira Code Light"/>
+                <a:ea typeface="Fira Code Light"/>
+                <a:cs typeface="Fira Code Light"/>
+              </a:rPr>
+              <a:t> </a:t>
+            </a:r>
+            <a:r>
+              <a:rPr sz="1050" b="0" i="1" u="none">
+                <a:solidFill>
+                  <a:schemeClr val="tx1"/>
+                </a:solidFill>
+                <a:latin typeface="Fira Code Light"/>
+                <a:ea typeface="Fira Code Light"/>
+                <a:cs typeface="Fira Code Light"/>
+              </a:rPr>
+              <a:t>ColorCorrectionPass</a:t>
+            </a:r>
+            <a:r>
+              <a:rPr sz="1050" b="0" i="1" u="none">
+                <a:solidFill>
+                  <a:schemeClr val="tx1"/>
+                </a:solidFill>
+                <a:latin typeface="Fira Code Light"/>
+                <a:ea typeface="Fira Code Light"/>
+                <a:cs typeface="Fira Code Light"/>
+              </a:rPr>
+              <a:t> </a:t>
+            </a:r>
+            <a:r>
+              <a:rPr sz="1050" b="0" i="1" u="none">
+                <a:solidFill>
+                  <a:schemeClr val="tx1"/>
+                </a:solidFill>
+                <a:latin typeface="Fira Code Light"/>
+                <a:ea typeface="Fira Code Light"/>
+                <a:cs typeface="Fira Code Light"/>
+              </a:rPr>
+              <a:t>{ </a:t>
+            </a:r>
+            <a:r>
+              <a:rPr sz="1050" b="0" i="1" u="none">
+                <a:solidFill>
+                  <a:schemeClr val="tx1"/>
+                </a:solidFill>
+                <a:latin typeface="Fira Code Light"/>
+                <a:ea typeface="Fira Code Light"/>
+                <a:cs typeface="Fira Code Light"/>
+              </a:rPr>
+              <a:t>InputTexture</a:t>
+            </a:r>
+            <a:r>
+              <a:rPr sz="1050" b="0" i="1" u="none">
+                <a:solidFill>
+                  <a:schemeClr val="tx1"/>
+                </a:solidFill>
+                <a:latin typeface="Fira Code Light"/>
+                <a:ea typeface="Fira Code Light"/>
+                <a:cs typeface="Fira Code Light"/>
+              </a:rPr>
+              <a:t> = </a:t>
+            </a:r>
+            <a:r>
+              <a:rPr sz="1050" b="0" i="1" u="none">
+                <a:solidFill>
+                  <a:schemeClr val="tx1"/>
+                </a:solidFill>
+                <a:latin typeface="Fira Code Light"/>
+                <a:ea typeface="Fira Code Light"/>
+                <a:cs typeface="Fira Code Light"/>
+              </a:rPr>
+              <a:t>blurPass</a:t>
+            </a:r>
+            <a:r>
+              <a:rPr sz="1050" b="0" i="1" u="none">
+                <a:solidFill>
+                  <a:schemeClr val="tx1"/>
+                </a:solidFill>
+                <a:latin typeface="Fira Code Light"/>
+                <a:ea typeface="Fira Code Light"/>
+                <a:cs typeface="Fira Code Light"/>
+              </a:rPr>
+              <a:t>.</a:t>
+            </a:r>
+            <a:r>
+              <a:rPr sz="1050" b="0" i="1" u="none">
+                <a:solidFill>
+                  <a:schemeClr val="tx1"/>
+                </a:solidFill>
+                <a:latin typeface="Fira Code Light"/>
+                <a:ea typeface="Fira Code Light"/>
+                <a:cs typeface="Fira Code Light"/>
+              </a:rPr>
+              <a:t>OutputTexture</a:t>
+            </a:r>
+            <a:r>
+              <a:rPr sz="1050" b="0" i="1" u="none">
+                <a:solidFill>
+                  <a:schemeClr val="tx1"/>
+                </a:solidFill>
+                <a:latin typeface="Fira Code Light"/>
+                <a:ea typeface="Fira Code Light"/>
+                <a:cs typeface="Fira Code Light"/>
+              </a:rPr>
+              <a:t>, </a:t>
+            </a:r>
+            <a:r>
+              <a:rPr sz="1050" b="0" i="1" u="none">
+                <a:solidFill>
+                  <a:schemeClr val="tx1"/>
+                </a:solidFill>
+                <a:latin typeface="Fira Code Light"/>
+                <a:ea typeface="Fira Code Light"/>
+                <a:cs typeface="Fira Code Light"/>
+              </a:rPr>
+              <a:t>Gamma</a:t>
+            </a:r>
+            <a:r>
+              <a:rPr sz="1050" b="0" i="1" u="none">
+                <a:solidFill>
+                  <a:schemeClr val="tx1"/>
+                </a:solidFill>
+                <a:latin typeface="Fira Code Light"/>
+                <a:ea typeface="Fira Code Light"/>
+                <a:cs typeface="Fira Code Light"/>
+              </a:rPr>
+              <a:t> = </a:t>
+            </a:r>
+            <a:r>
+              <a:rPr sz="1050" b="0" i="1" u="none">
+                <a:solidFill>
+                  <a:schemeClr val="tx1"/>
+                </a:solidFill>
+                <a:latin typeface="Fira Code Light"/>
+                <a:ea typeface="Fira Code Light"/>
+                <a:cs typeface="Fira Code Light"/>
+              </a:rPr>
+              <a:t>2.2f</a:t>
+            </a:r>
+            <a:r>
+              <a:rPr sz="1050" b="0" i="1" u="none">
+                <a:solidFill>
+                  <a:schemeClr val="tx1"/>
+                </a:solidFill>
+                <a:latin typeface="Fira Code Light"/>
+                <a:ea typeface="Fira Code Light"/>
+                <a:cs typeface="Fira Code Light"/>
+              </a:rPr>
+              <a:t>, </a:t>
+            </a:r>
+            <a:r>
+              <a:rPr sz="1050" b="0" i="1" u="none">
+                <a:solidFill>
+                  <a:schemeClr val="tx1"/>
+                </a:solidFill>
+                <a:latin typeface="Fira Code Light"/>
+                <a:ea typeface="Fira Code Light"/>
+                <a:cs typeface="Fira Code Light"/>
+              </a:rPr>
+              <a:t>Contrast</a:t>
+            </a:r>
+            <a:r>
+              <a:rPr sz="1050" b="0" i="1" u="none">
+                <a:solidFill>
+                  <a:schemeClr val="tx1"/>
+                </a:solidFill>
+                <a:latin typeface="Fira Code Light"/>
+                <a:ea typeface="Fira Code Light"/>
+                <a:cs typeface="Fira Code Light"/>
+              </a:rPr>
+              <a:t> = </a:t>
+            </a:r>
+            <a:r>
+              <a:rPr sz="1050" b="0" i="1" u="none">
+                <a:solidFill>
+                  <a:schemeClr val="tx1"/>
+                </a:solidFill>
+                <a:latin typeface="Fira Code Light"/>
+                <a:ea typeface="Fira Code Light"/>
+                <a:cs typeface="Fira Code Light"/>
+              </a:rPr>
+              <a:t>1.1f</a:t>
+            </a:r>
+            <a:r>
+              <a:rPr lang="ru-RU" sz="1050" b="0" i="1" u="none">
+                <a:solidFill>
+                  <a:schemeClr val="tx1"/>
+                </a:solidFill>
+                <a:latin typeface="Fira Code Light"/>
+                <a:ea typeface="Fira Code Light"/>
+                <a:cs typeface="Fira Code Light"/>
+              </a:rPr>
+              <a:t> </a:t>
+            </a:r>
+            <a:r>
+              <a:rPr sz="1050" b="0" i="1" u="none">
+                <a:solidFill>
+                  <a:schemeClr val="tx1"/>
+                </a:solidFill>
+                <a:latin typeface="Fira Code Light"/>
+                <a:ea typeface="Fira Code Light"/>
+                <a:cs typeface="Fira Code Light"/>
+              </a:rPr>
+              <a:t>};</a:t>
+            </a:r>
+            <a:endParaRPr i="1">
+              <a:solidFill>
+                <a:schemeClr val="tx1"/>
+              </a:solidFill>
+              <a:latin typeface="Fira Code Light"/>
+              <a:cs typeface="Fira Code Light"/>
             </a:endParaRPr>
           </a:p>
           <a:p>
@@ -7363,21 +8988,12 @@
               <a:buNone/>
               <a:defRPr/>
             </a:pPr>
-            <a:r>
-              <a:rPr sz="1200" b="1" i="0" u="none">
-                <a:solidFill>
-                  <a:schemeClr val="tx1"/>
-                </a:solidFill>
-                <a:latin typeface="Arial"/>
-                <a:ea typeface="Arial"/>
-                <a:cs typeface="Arial"/>
-              </a:rPr>
-              <a:t>С render graph:</a:t>
-            </a:r>
-            <a:endParaRPr sz="1200">
-              <a:solidFill>
-                <a:schemeClr val="tx1"/>
-              </a:solidFill>
+            <a:endParaRPr i="1">
+              <a:solidFill>
+                <a:schemeClr val="tx1"/>
+              </a:solidFill>
+              <a:latin typeface="Fira Code Light"/>
+              <a:cs typeface="Fira Code Light"/>
             </a:endParaRPr>
           </a:p>
           <a:p>
@@ -7386,13 +9002,78 @@
               <a:buNone/>
               <a:defRPr/>
             </a:pPr>
-            <a:endParaRPr sz="1200" b="1" i="0" u="none">
-              <a:solidFill>
-                <a:schemeClr val="tx1"/>
-              </a:solidFill>
-              <a:latin typeface="Arial"/>
-              <a:ea typeface="Arial"/>
-              <a:cs typeface="Arial"/>
+            <a:r>
+              <a:rPr sz="1050" b="0" i="1" u="none">
+                <a:solidFill>
+                  <a:schemeClr val="tx1"/>
+                </a:solidFill>
+                <a:latin typeface="Fira Code Light"/>
+                <a:ea typeface="Fira Code Light"/>
+                <a:cs typeface="Fira Code Light"/>
+              </a:rPr>
+              <a:t>renderGraph</a:t>
+            </a:r>
+            <a:r>
+              <a:rPr sz="1050" b="0" i="1" u="none">
+                <a:solidFill>
+                  <a:schemeClr val="tx1"/>
+                </a:solidFill>
+                <a:latin typeface="Fira Code Light"/>
+                <a:ea typeface="Fira Code Light"/>
+                <a:cs typeface="Fira Code Light"/>
+              </a:rPr>
+              <a:t>.</a:t>
+            </a:r>
+            <a:r>
+              <a:rPr sz="1050" b="0" i="1" u="none">
+                <a:solidFill>
+                  <a:schemeClr val="tx1"/>
+                </a:solidFill>
+                <a:latin typeface="Fira Code Light"/>
+                <a:ea typeface="Fira Code Light"/>
+                <a:cs typeface="Fira Code Light"/>
+              </a:rPr>
+              <a:t>AddPass</a:t>
+            </a:r>
+            <a:r>
+              <a:rPr sz="1050" b="0" i="1" u="none">
+                <a:solidFill>
+                  <a:schemeClr val="tx1"/>
+                </a:solidFill>
+                <a:latin typeface="Fira Code Light"/>
+                <a:ea typeface="Fira Code Light"/>
+                <a:cs typeface="Fira Code Light"/>
+              </a:rPr>
+              <a:t>(</a:t>
+            </a:r>
+            <a:r>
+              <a:rPr sz="1050" b="0" i="1" u="none">
+                <a:solidFill>
+                  <a:schemeClr val="tx1"/>
+                </a:solidFill>
+                <a:latin typeface="Fira Code Light"/>
+                <a:ea typeface="Fira Code Light"/>
+                <a:cs typeface="Fira Code Light"/>
+              </a:rPr>
+              <a:t>geometryPass</a:t>
+            </a:r>
+            <a:r>
+              <a:rPr sz="1050" b="0" i="1" u="none">
+                <a:solidFill>
+                  <a:schemeClr val="tx1"/>
+                </a:solidFill>
+                <a:latin typeface="Fira Code Light"/>
+                <a:ea typeface="Fira Code Light"/>
+                <a:cs typeface="Fira Code Light"/>
+              </a:rPr>
+              <a:t>);</a:t>
+            </a:r>
+            <a:endParaRPr i="1">
+              <a:solidFill>
+                <a:schemeClr val="tx1"/>
+              </a:solidFill>
+              <a:latin typeface="Fira Code Light"/>
+              <a:cs typeface="Fira Code Light"/>
             </a:endParaRPr>
           </a:p>
           <a:p>
@@ -7402,39 +9083,72 @@
               <a:defRPr/>
             </a:pPr>
             <a:r>
-              <a:rPr sz="1000" b="0" i="1" u="none">
-                <a:solidFill>
-                  <a:schemeClr val="tx1"/>
-                </a:solidFill>
-                <a:latin typeface="Fira Code Light"/>
-                <a:ea typeface="Fira Code Light"/>
-                <a:cs typeface="Fira Code Light"/>
-              </a:rPr>
-              <a:t>var newEffect = </a:t>
-            </a:r>
-            <a:r>
-              <a:rPr sz="1000" b="0" i="1" u="none">
-                <a:solidFill>
-                  <a:schemeClr val="tx1"/>
-                </a:solidFill>
-                <a:latin typeface="Fira Code Light"/>
-                <a:ea typeface="Fira Code Light"/>
-                <a:cs typeface="Fira Code Light"/>
-              </a:rPr>
-              <a:t>new</a:t>
-            </a:r>
-            <a:r>
-              <a:rPr sz="1000" b="0" i="1" u="none">
-                <a:solidFill>
-                  <a:schemeClr val="tx1"/>
-                </a:solidFill>
-                <a:latin typeface="Fira Code Light"/>
-                <a:ea typeface="Fira Code Light"/>
-                <a:cs typeface="Fira Code Light"/>
-              </a:rPr>
-              <a:t> CustomEffectPass { Input = somePass.Output }; </a:t>
-            </a:r>
-            <a:endParaRPr sz="1000" b="0" i="1" u="none">
+              <a:rPr sz="1050" b="0" i="1" u="none">
+                <a:solidFill>
+                  <a:schemeClr val="tx1"/>
+                </a:solidFill>
+                <a:latin typeface="Fira Code Light"/>
+                <a:ea typeface="Fira Code Light"/>
+                <a:cs typeface="Fira Code Light"/>
+              </a:rPr>
+              <a:t>renderGraph</a:t>
+            </a:r>
+            <a:r>
+              <a:rPr sz="1050" b="0" i="1" u="none">
+                <a:solidFill>
+                  <a:schemeClr val="tx1"/>
+                </a:solidFill>
+                <a:latin typeface="Fira Code Light"/>
+                <a:ea typeface="Fira Code Light"/>
+                <a:cs typeface="Fira Code Light"/>
+              </a:rPr>
+              <a:t>.</a:t>
+            </a:r>
+            <a:r>
+              <a:rPr sz="1050" b="0" i="1" u="none">
+                <a:solidFill>
+                  <a:schemeClr val="tx1"/>
+                </a:solidFill>
+                <a:latin typeface="Fira Code Light"/>
+                <a:ea typeface="Fira Code Light"/>
+                <a:cs typeface="Fira Code Light"/>
+              </a:rPr>
+              <a:t>AddPass</a:t>
+            </a:r>
+            <a:r>
+              <a:rPr sz="1050" b="0" i="1" u="none">
+                <a:solidFill>
+                  <a:schemeClr val="tx1"/>
+                </a:solidFill>
+                <a:latin typeface="Fira Code Light"/>
+                <a:ea typeface="Fira Code Light"/>
+                <a:cs typeface="Fira Code Light"/>
+              </a:rPr>
+              <a:t>(</a:t>
+            </a:r>
+            <a:r>
+              <a:rPr sz="1050" b="0" i="1" u="none">
+                <a:solidFill>
+                  <a:schemeClr val="tx1"/>
+                </a:solidFill>
+                <a:latin typeface="Fira Code Light"/>
+                <a:ea typeface="Fira Code Light"/>
+                <a:cs typeface="Fira Code Light"/>
+              </a:rPr>
+              <a:t>blurPass</a:t>
+            </a:r>
+            <a:r>
+              <a:rPr sz="1050" b="0" i="1" u="none">
+                <a:solidFill>
+                  <a:schemeClr val="tx1"/>
+                </a:solidFill>
+                <a:latin typeface="Fira Code Light"/>
+                <a:ea typeface="Fira Code Light"/>
+                <a:cs typeface="Fira Code Light"/>
+              </a:rPr>
+              <a:t>);</a:t>
+            </a:r>
+            <a:endParaRPr i="1">
               <a:solidFill>
                 <a:schemeClr val="tx1"/>
               </a:solidFill>
@@ -7449,18 +9163,29 @@
               <a:defRPr/>
             </a:pPr>
             <a:r>
-              <a:rPr sz="1000" b="0" i="1" u="none">
-                <a:solidFill>
-                  <a:schemeClr val="tx1"/>
-                </a:solidFill>
-                <a:latin typeface="Fira Code Light"/>
-                <a:ea typeface="Fira Code Light"/>
-                <a:cs typeface="Fira Code Light"/>
-              </a:rPr>
-              <a:t>renderGraph.</a:t>
-            </a:r>
-            <a:r>
-              <a:rPr sz="1000" b="0" i="1" u="none">
+              <a:rPr sz="1050" b="0" i="1" u="none">
+                <a:solidFill>
+                  <a:schemeClr val="tx1"/>
+                </a:solidFill>
+                <a:latin typeface="Fira Code Light"/>
+                <a:ea typeface="Fira Code Light"/>
+                <a:cs typeface="Fira Code Light"/>
+              </a:rPr>
+              <a:t>renderGraph</a:t>
+            </a:r>
+            <a:r>
+              <a:rPr sz="1050" b="0" i="1" u="none">
+                <a:solidFill>
+                  <a:schemeClr val="tx1"/>
+                </a:solidFill>
+                <a:latin typeface="Fira Code Light"/>
+                <a:ea typeface="Fira Code Light"/>
+                <a:cs typeface="Fira Code Light"/>
+              </a:rPr>
+              <a:t>.</a:t>
+            </a:r>
+            <a:r>
+              <a:rPr sz="1050" b="0" i="1" u="none">
                 <a:solidFill>
                   <a:schemeClr val="tx1"/>
                 </a:solidFill>
@@ -7471,26 +9196,722 @@
               <a:t>AddPass</a:t>
             </a:r>
             <a:r>
-              <a:rPr sz="1000" b="0" i="1" u="none">
-                <a:solidFill>
-                  <a:schemeClr val="tx1"/>
-                </a:solidFill>
-                <a:latin typeface="Fira Code Light"/>
-                <a:ea typeface="Fira Code Light"/>
-                <a:cs typeface="Fira Code Light"/>
-              </a:rPr>
-              <a:t>(newEffect); </a:t>
-            </a:r>
-            <a:r>
-              <a:rPr sz="1000" b="0" i="1" u="none">
-                <a:solidFill>
-                  <a:schemeClr val="accent6"/>
-                </a:solidFill>
-                <a:latin typeface="Fira Code Light"/>
-                <a:ea typeface="Fira Code Light"/>
-                <a:cs typeface="Fira Code Light"/>
-              </a:rPr>
-              <a:t>// Всё остальное автоматически</a:t>
+              <a:rPr sz="1050" b="0" i="1" u="none">
+                <a:solidFill>
+                  <a:schemeClr val="tx1"/>
+                </a:solidFill>
+                <a:latin typeface="Fira Code Light"/>
+                <a:ea typeface="Fira Code Light"/>
+                <a:cs typeface="Fira Code Light"/>
+              </a:rPr>
+              <a:t>(</a:t>
+            </a:r>
+            <a:r>
+              <a:rPr sz="1050" b="0" i="1" u="none">
+                <a:solidFill>
+                  <a:schemeClr val="tx1"/>
+                </a:solidFill>
+                <a:latin typeface="Fira Code Light"/>
+                <a:ea typeface="Fira Code Light"/>
+                <a:cs typeface="Fira Code Light"/>
+              </a:rPr>
+              <a:t>colorCorrectionPass</a:t>
+            </a:r>
+            <a:r>
+              <a:rPr sz="1050" b="0" i="1" u="none">
+                <a:solidFill>
+                  <a:schemeClr val="tx1"/>
+                </a:solidFill>
+                <a:latin typeface="Fira Code Light"/>
+                <a:ea typeface="Fira Code Light"/>
+                <a:cs typeface="Fira Code Light"/>
+              </a:rPr>
+              <a:t>);</a:t>
+            </a:r>
+            <a:endParaRPr i="1">
+              <a:solidFill>
+                <a:schemeClr val="tx1"/>
+              </a:solidFill>
+              <a:latin typeface="Fira Code Light"/>
+              <a:cs typeface="Fira Code Light"/>
+            </a:endParaRPr>
+          </a:p>
+          <a:p>
+            <a:pPr marL="0" indent="0">
+              <a:buFont typeface="Arial"/>
+              <a:buNone/>
+              <a:defRPr/>
+            </a:pPr>
+            <a:r>
+              <a:rPr sz="1050" b="0" i="1" u="none">
+                <a:solidFill>
+                  <a:schemeClr val="tx1"/>
+                </a:solidFill>
+                <a:latin typeface="Fira Code Light"/>
+                <a:ea typeface="Fira Code Light"/>
+                <a:cs typeface="Fira Code Light"/>
+              </a:rPr>
+              <a:t>renderGraph</a:t>
+            </a:r>
+            <a:r>
+              <a:rPr sz="1050" b="0" i="1" u="none">
+                <a:solidFill>
+                  <a:schemeClr val="tx1"/>
+                </a:solidFill>
+                <a:latin typeface="Fira Code Light"/>
+                <a:ea typeface="Fira Code Light"/>
+                <a:cs typeface="Fira Code Light"/>
+              </a:rPr>
+              <a:t>.</a:t>
+            </a:r>
+            <a:r>
+              <a:rPr sz="1050" b="0" i="1" u="none">
+                <a:solidFill>
+                  <a:schemeClr val="tx1"/>
+                </a:solidFill>
+                <a:latin typeface="Fira Code Light"/>
+                <a:ea typeface="Fira Code Light"/>
+                <a:cs typeface="Fira Code Light"/>
+              </a:rPr>
+              <a:t>Compile</a:t>
+            </a:r>
+            <a:r>
+              <a:rPr sz="1050" b="0" i="1" u="none">
+                <a:solidFill>
+                  <a:schemeClr val="tx1"/>
+                </a:solidFill>
+                <a:latin typeface="Fira Code Light"/>
+                <a:ea typeface="Fira Code Light"/>
+                <a:cs typeface="Fira Code Light"/>
+              </a:rPr>
+              <a:t>();</a:t>
+            </a:r>
+            <a:endParaRPr i="1">
+              <a:solidFill>
+                <a:schemeClr val="tx1"/>
+              </a:solidFill>
+              <a:latin typeface="Fira Code Light"/>
+              <a:ea typeface="Fira Code Light"/>
+              <a:cs typeface="Fira Code Light"/>
+            </a:endParaRPr>
+          </a:p>
+          <a:p>
+            <a:pPr marL="0" indent="0">
+              <a:buFont typeface="Arial"/>
+              <a:buNone/>
+              <a:defRPr/>
+            </a:pPr>
+            <a:endParaRPr i="1">
+              <a:solidFill>
+                <a:schemeClr val="tx1"/>
+              </a:solidFill>
+              <a:latin typeface="Fira Code Light"/>
+              <a:cs typeface="Fira Code Light"/>
+            </a:endParaRPr>
+          </a:p>
+          <a:p>
+            <a:pPr marL="0" indent="0">
+              <a:buFont typeface="Arial"/>
+              <a:buNone/>
+              <a:defRPr/>
+            </a:pPr>
+            <a:r>
+              <a:rPr sz="1050" b="0" i="1" u="none">
+                <a:solidFill>
+                  <a:schemeClr val="tx1"/>
+                </a:solidFill>
+                <a:latin typeface="Fira Code Light"/>
+                <a:ea typeface="Fira Code Light"/>
+                <a:cs typeface="Fira Code Light"/>
+              </a:rPr>
+              <a:t>while</a:t>
+            </a:r>
+            <a:r>
+              <a:rPr sz="1050" b="0" i="1" u="none">
+                <a:solidFill>
+                  <a:schemeClr val="tx1"/>
+                </a:solidFill>
+                <a:latin typeface="Fira Code Light"/>
+                <a:ea typeface="Fira Code Light"/>
+                <a:cs typeface="Fira Code Light"/>
+              </a:rPr>
+              <a:t> (</a:t>
+            </a:r>
+            <a:r>
+              <a:rPr sz="1050" b="0" i="1" u="none">
+                <a:solidFill>
+                  <a:schemeClr val="tx1"/>
+                </a:solidFill>
+                <a:latin typeface="Fira Code Light"/>
+                <a:ea typeface="Fira Code Light"/>
+                <a:cs typeface="Fira Code Light"/>
+              </a:rPr>
+              <a:t>running</a:t>
+            </a:r>
+            <a:r>
+              <a:rPr sz="1050" b="0" i="1" u="none">
+                <a:solidFill>
+                  <a:schemeClr val="tx1"/>
+                </a:solidFill>
+                <a:latin typeface="Fira Code Light"/>
+                <a:ea typeface="Fira Code Light"/>
+                <a:cs typeface="Fira Code Light"/>
+              </a:rPr>
+              <a:t>)</a:t>
+            </a:r>
+            <a:r>
+              <a:rPr lang="ru-RU" sz="1050" b="0" i="1" u="none">
+                <a:solidFill>
+                  <a:schemeClr val="tx1"/>
+                </a:solidFill>
+                <a:latin typeface="Fira Code Light"/>
+                <a:ea typeface="Fira Code Light"/>
+                <a:cs typeface="Fira Code Light"/>
+              </a:rPr>
+              <a:t> </a:t>
+            </a:r>
+            <a:r>
+              <a:rPr sz="1050" b="0" i="1" u="none">
+                <a:solidFill>
+                  <a:schemeClr val="tx1"/>
+                </a:solidFill>
+                <a:latin typeface="Fira Code Light"/>
+                <a:ea typeface="Fira Code Light"/>
+                <a:cs typeface="Fira Code Light"/>
+              </a:rPr>
+              <a:t>{</a:t>
+            </a:r>
+            <a:endParaRPr i="1">
+              <a:solidFill>
+                <a:schemeClr val="tx1"/>
+              </a:solidFill>
+              <a:latin typeface="Fira Code Light"/>
+              <a:cs typeface="Fira Code Light"/>
+            </a:endParaRPr>
+          </a:p>
+          <a:p>
+            <a:pPr marL="0" indent="0">
+              <a:buFont typeface="Arial"/>
+              <a:buNone/>
+              <a:defRPr/>
+            </a:pPr>
+            <a:r>
+              <a:rPr sz="1050" b="0" i="1" u="none">
+                <a:solidFill>
+                  <a:schemeClr val="tx1"/>
+                </a:solidFill>
+                <a:latin typeface="Fira Code Light"/>
+                <a:ea typeface="Fira Code Light"/>
+                <a:cs typeface="Fira Code Light"/>
+              </a:rPr>
+              <a:t>    </a:t>
+            </a:r>
+            <a:r>
+              <a:rPr sz="1050" b="0" i="1" u="none">
+                <a:solidFill>
+                  <a:schemeClr val="tx1"/>
+                </a:solidFill>
+                <a:latin typeface="Fira Code Light"/>
+                <a:ea typeface="Fira Code Light"/>
+                <a:cs typeface="Fira Code Light"/>
+              </a:rPr>
+              <a:t>renderGraph</a:t>
+            </a:r>
+            <a:r>
+              <a:rPr sz="1050" b="0" i="1" u="none">
+                <a:solidFill>
+                  <a:schemeClr val="tx1"/>
+                </a:solidFill>
+                <a:latin typeface="Fira Code Light"/>
+                <a:ea typeface="Fira Code Light"/>
+                <a:cs typeface="Fira Code Light"/>
+              </a:rPr>
+              <a:t>.</a:t>
+            </a:r>
+            <a:r>
+              <a:rPr sz="1050" b="0" i="1" u="none">
+                <a:solidFill>
+                  <a:schemeClr val="tx1"/>
+                </a:solidFill>
+                <a:latin typeface="Fira Code Light"/>
+                <a:ea typeface="Fira Code Light"/>
+                <a:cs typeface="Fira Code Light"/>
+              </a:rPr>
+              <a:t>UpdateFrameData</a:t>
+            </a:r>
+            <a:r>
+              <a:rPr sz="1050" b="0" i="1" u="none">
+                <a:solidFill>
+                  <a:schemeClr val="tx1"/>
+                </a:solidFill>
+                <a:latin typeface="Fira Code Light"/>
+                <a:ea typeface="Fira Code Light"/>
+                <a:cs typeface="Fira Code Light"/>
+              </a:rPr>
+              <a:t>(</a:t>
+            </a:r>
+            <a:r>
+              <a:rPr sz="1050" b="0" i="1" u="none">
+                <a:solidFill>
+                  <a:schemeClr val="tx1"/>
+                </a:solidFill>
+                <a:latin typeface="Fira Code Light"/>
+                <a:ea typeface="Fira Code Light"/>
+                <a:cs typeface="Fira Code Light"/>
+              </a:rPr>
+              <a:t>deltaTime</a:t>
+            </a:r>
+            <a:r>
+              <a:rPr sz="1050" b="0" i="1" u="none">
+                <a:solidFill>
+                  <a:schemeClr val="tx1"/>
+                </a:solidFill>
+                <a:latin typeface="Fira Code Light"/>
+                <a:ea typeface="Fira Code Light"/>
+                <a:cs typeface="Fira Code Light"/>
+              </a:rPr>
+              <a:t>, </a:t>
+            </a:r>
+            <a:r>
+              <a:rPr sz="1050" b="0" i="1" u="none">
+                <a:solidFill>
+                  <a:schemeClr val="tx1"/>
+                </a:solidFill>
+                <a:latin typeface="Fira Code Light"/>
+                <a:ea typeface="Fira Code Light"/>
+                <a:cs typeface="Fira Code Light"/>
+              </a:rPr>
+              <a:t>screenWidth</a:t>
+            </a:r>
+            <a:r>
+              <a:rPr sz="1050" b="0" i="1" u="none">
+                <a:solidFill>
+                  <a:schemeClr val="tx1"/>
+                </a:solidFill>
+                <a:latin typeface="Fira Code Light"/>
+                <a:ea typeface="Fira Code Light"/>
+                <a:cs typeface="Fira Code Light"/>
+              </a:rPr>
+              <a:t>, </a:t>
+            </a:r>
+            <a:r>
+              <a:rPr sz="1050" b="0" i="1" u="none">
+                <a:solidFill>
+                  <a:schemeClr val="tx1"/>
+                </a:solidFill>
+                <a:latin typeface="Fira Code Light"/>
+                <a:ea typeface="Fira Code Light"/>
+                <a:cs typeface="Fira Code Light"/>
+              </a:rPr>
+              <a:t>screenHeight</a:t>
+            </a:r>
+            <a:r>
+              <a:rPr sz="1050" b="0" i="1" u="none">
+                <a:solidFill>
+                  <a:schemeClr val="tx1"/>
+                </a:solidFill>
+                <a:latin typeface="Fira Code Light"/>
+                <a:ea typeface="Fira Code Light"/>
+                <a:cs typeface="Fira Code Light"/>
+              </a:rPr>
+              <a:t>);</a:t>
+            </a:r>
+            <a:endParaRPr i="1">
+              <a:solidFill>
+                <a:schemeClr val="tx1"/>
+              </a:solidFill>
+              <a:latin typeface="Fira Code Light"/>
+              <a:cs typeface="Fira Code Light"/>
+            </a:endParaRPr>
+          </a:p>
+          <a:p>
+            <a:pPr marL="0" indent="0">
+              <a:buFont typeface="Arial"/>
+              <a:buNone/>
+              <a:defRPr/>
+            </a:pPr>
+            <a:r>
+              <a:rPr sz="1050" b="0" i="1" u="none">
+                <a:solidFill>
+                  <a:schemeClr val="tx1"/>
+                </a:solidFill>
+                <a:latin typeface="Fira Code Light"/>
+                <a:ea typeface="Fira Code Light"/>
+                <a:cs typeface="Fira Code Light"/>
+              </a:rPr>
+              <a:t>    </a:t>
+            </a:r>
+            <a:r>
+              <a:rPr sz="1050" b="0" i="1" u="none">
+                <a:solidFill>
+                  <a:schemeClr val="tx1"/>
+                </a:solidFill>
+                <a:latin typeface="Fira Code Light"/>
+                <a:ea typeface="Fira Code Light"/>
+                <a:cs typeface="Fira Code Light"/>
+              </a:rPr>
+              <a:t>using</a:t>
+            </a:r>
+            <a:r>
+              <a:rPr sz="1050" b="0" i="1" u="none">
+                <a:solidFill>
+                  <a:schemeClr val="tx1"/>
+                </a:solidFill>
+                <a:latin typeface="Fira Code Light"/>
+                <a:ea typeface="Fira Code Light"/>
+                <a:cs typeface="Fira Code Light"/>
+              </a:rPr>
+              <a:t> </a:t>
+            </a:r>
+            <a:r>
+              <a:rPr sz="1050" b="0" i="1" u="none">
+                <a:solidFill>
+                  <a:schemeClr val="tx1"/>
+                </a:solidFill>
+                <a:latin typeface="Fira Code Light"/>
+                <a:ea typeface="Fira Code Light"/>
+                <a:cs typeface="Fira Code Light"/>
+              </a:rPr>
+              <a:t>var</a:t>
+            </a:r>
+            <a:r>
+              <a:rPr sz="1050" b="0" i="1" u="none">
+                <a:solidFill>
+                  <a:schemeClr val="tx1"/>
+                </a:solidFill>
+                <a:latin typeface="Fira Code Light"/>
+                <a:ea typeface="Fira Code Light"/>
+                <a:cs typeface="Fira Code Light"/>
+              </a:rPr>
+              <a:t> </a:t>
+            </a:r>
+            <a:r>
+              <a:rPr sz="1050" b="0" i="1" u="none">
+                <a:solidFill>
+                  <a:schemeClr val="tx1"/>
+                </a:solidFill>
+                <a:latin typeface="Fira Code Light"/>
+                <a:ea typeface="Fira Code Light"/>
+                <a:cs typeface="Fira Code Light"/>
+              </a:rPr>
+              <a:t>commandBuffer</a:t>
+            </a:r>
+            <a:r>
+              <a:rPr sz="1050" b="0" i="1" u="none">
+                <a:solidFill>
+                  <a:schemeClr val="tx1"/>
+                </a:solidFill>
+                <a:latin typeface="Fira Code Light"/>
+                <a:ea typeface="Fira Code Light"/>
+                <a:cs typeface="Fira Code Light"/>
+              </a:rPr>
+              <a:t> = </a:t>
+            </a:r>
+            <a:r>
+              <a:rPr sz="1050" b="0" i="1" u="none">
+                <a:solidFill>
+                  <a:schemeClr val="tx1"/>
+                </a:solidFill>
+                <a:latin typeface="Fira Code Light"/>
+                <a:ea typeface="Fira Code Light"/>
+                <a:cs typeface="Fira Code Light"/>
+              </a:rPr>
+              <a:t>device</a:t>
+            </a:r>
+            <a:r>
+              <a:rPr sz="1050" b="0" i="1" u="none">
+                <a:solidFill>
+                  <a:schemeClr val="tx1"/>
+                </a:solidFill>
+                <a:latin typeface="Fira Code Light"/>
+                <a:ea typeface="Fira Code Light"/>
+                <a:cs typeface="Fira Code Light"/>
+              </a:rPr>
+              <a:t>.</a:t>
+            </a:r>
+            <a:r>
+              <a:rPr sz="1050" b="0" i="1" u="none">
+                <a:solidFill>
+                  <a:schemeClr val="tx1"/>
+                </a:solidFill>
+                <a:latin typeface="Fira Code Light"/>
+                <a:ea typeface="Fira Code Light"/>
+                <a:cs typeface="Fira Code Light"/>
+              </a:rPr>
+              <a:t>CreateCommandBuffer</a:t>
+            </a:r>
+            <a:r>
+              <a:rPr sz="1050" b="0" i="1" u="none">
+                <a:solidFill>
+                  <a:schemeClr val="tx1"/>
+                </a:solidFill>
+                <a:latin typeface="Fira Code Light"/>
+                <a:ea typeface="Fira Code Light"/>
+                <a:cs typeface="Fira Code Light"/>
+              </a:rPr>
+              <a:t>();</a:t>
+            </a:r>
+            <a:endParaRPr i="1">
+              <a:solidFill>
+                <a:schemeClr val="tx1"/>
+              </a:solidFill>
+              <a:latin typeface="Fira Code Light"/>
+              <a:cs typeface="Fira Code Light"/>
+            </a:endParaRPr>
+          </a:p>
+          <a:p>
+            <a:pPr marL="0" indent="0">
+              <a:buFont typeface="Arial"/>
+              <a:buNone/>
+              <a:defRPr/>
+            </a:pPr>
+            <a:r>
+              <a:rPr sz="1050" b="0" i="1" u="none">
+                <a:solidFill>
+                  <a:schemeClr val="tx1"/>
+                </a:solidFill>
+                <a:latin typeface="Fira Code Light"/>
+                <a:ea typeface="Fira Code Light"/>
+                <a:cs typeface="Fira Code Light"/>
+              </a:rPr>
+              <a:t>    </a:t>
+            </a:r>
+            <a:r>
+              <a:rPr sz="1050" b="0" i="1" u="none">
+                <a:solidFill>
+                  <a:schemeClr val="tx1"/>
+                </a:solidFill>
+                <a:latin typeface="Fira Code Light"/>
+                <a:ea typeface="Fira Code Light"/>
+                <a:cs typeface="Fira Code Light"/>
+              </a:rPr>
+              <a:t>renderGraph</a:t>
+            </a:r>
+            <a:r>
+              <a:rPr sz="1050" b="0" i="1" u="none">
+                <a:solidFill>
+                  <a:schemeClr val="tx1"/>
+                </a:solidFill>
+                <a:latin typeface="Fira Code Light"/>
+                <a:ea typeface="Fira Code Light"/>
+                <a:cs typeface="Fira Code Light"/>
+              </a:rPr>
+              <a:t>.</a:t>
+            </a:r>
+            <a:r>
+              <a:rPr sz="1050" b="0" i="1" u="none">
+                <a:solidFill>
+                  <a:schemeClr val="tx1"/>
+                </a:solidFill>
+                <a:latin typeface="Fira Code Light"/>
+                <a:ea typeface="Fira Code Light"/>
+                <a:cs typeface="Fira Code Light"/>
+              </a:rPr>
+              <a:t>Execute</a:t>
+            </a:r>
+            <a:r>
+              <a:rPr sz="1050" b="0" i="1" u="none">
+                <a:solidFill>
+                  <a:schemeClr val="tx1"/>
+                </a:solidFill>
+                <a:latin typeface="Fira Code Light"/>
+                <a:ea typeface="Fira Code Light"/>
+                <a:cs typeface="Fira Code Light"/>
+              </a:rPr>
+              <a:t>(</a:t>
+            </a:r>
+            <a:r>
+              <a:rPr sz="1050" b="0" i="1" u="none">
+                <a:solidFill>
+                  <a:schemeClr val="tx1"/>
+                </a:solidFill>
+                <a:latin typeface="Fira Code Light"/>
+                <a:ea typeface="Fira Code Light"/>
+                <a:cs typeface="Fira Code Light"/>
+              </a:rPr>
+              <a:t>commandBuffer</a:t>
+            </a:r>
+            <a:r>
+              <a:rPr sz="1050" b="0" i="1" u="none">
+                <a:solidFill>
+                  <a:schemeClr val="tx1"/>
+                </a:solidFill>
+                <a:latin typeface="Fira Code Light"/>
+                <a:ea typeface="Fira Code Light"/>
+                <a:cs typeface="Fira Code Light"/>
+              </a:rPr>
+              <a:t>);</a:t>
+            </a:r>
+            <a:endParaRPr i="1">
+              <a:solidFill>
+                <a:schemeClr val="tx1"/>
+              </a:solidFill>
+              <a:latin typeface="Fira Code Light"/>
+              <a:cs typeface="Fira Code Light"/>
+            </a:endParaRPr>
+          </a:p>
+          <a:p>
+            <a:pPr marL="0" indent="0">
+              <a:buFont typeface="Arial"/>
+              <a:buNone/>
+              <a:defRPr/>
+            </a:pPr>
+            <a:r>
+              <a:rPr sz="1050" b="0" i="1" u="none">
+                <a:solidFill>
+                  <a:schemeClr val="tx1"/>
+                </a:solidFill>
+                <a:latin typeface="Fira Code Light"/>
+                <a:ea typeface="Fira Code Light"/>
+                <a:cs typeface="Fira Code Light"/>
+              </a:rPr>
+              <a:t>    </a:t>
+            </a:r>
+            <a:r>
+              <a:rPr sz="1050" b="0" i="1" u="none">
+                <a:solidFill>
+                  <a:schemeClr val="tx1"/>
+                </a:solidFill>
+                <a:latin typeface="Fira Code Light"/>
+                <a:ea typeface="Fira Code Light"/>
+                <a:cs typeface="Fira Code Light"/>
+              </a:rPr>
+              <a:t>device</a:t>
+            </a:r>
+            <a:r>
+              <a:rPr sz="1050" b="0" i="1" u="none">
+                <a:solidFill>
+                  <a:schemeClr val="tx1"/>
+                </a:solidFill>
+                <a:latin typeface="Fira Code Light"/>
+                <a:ea typeface="Fira Code Light"/>
+                <a:cs typeface="Fira Code Light"/>
+              </a:rPr>
+              <a:t>.</a:t>
+            </a:r>
+            <a:r>
+              <a:rPr sz="1050" b="0" i="1" u="none">
+                <a:solidFill>
+                  <a:schemeClr val="tx1"/>
+                </a:solidFill>
+                <a:latin typeface="Fira Code Light"/>
+                <a:ea typeface="Fira Code Light"/>
+                <a:cs typeface="Fira Code Light"/>
+              </a:rPr>
+              <a:t>ExecuteCommandBuffer</a:t>
+            </a:r>
+            <a:r>
+              <a:rPr sz="1050" b="0" i="1" u="none">
+                <a:solidFill>
+                  <a:schemeClr val="tx1"/>
+                </a:solidFill>
+                <a:latin typeface="Fira Code Light"/>
+                <a:ea typeface="Fira Code Light"/>
+                <a:cs typeface="Fira Code Light"/>
+              </a:rPr>
+              <a:t>(</a:t>
+            </a:r>
+            <a:r>
+              <a:rPr sz="1050" b="0" i="1" u="none">
+                <a:solidFill>
+                  <a:schemeClr val="tx1"/>
+                </a:solidFill>
+                <a:latin typeface="Fira Code Light"/>
+                <a:ea typeface="Fira Code Light"/>
+                <a:cs typeface="Fira Code Light"/>
+              </a:rPr>
+              <a:t>commandBuffer</a:t>
+            </a:r>
+            <a:r>
+              <a:rPr sz="1050" b="0" i="1" u="none">
+                <a:solidFill>
+                  <a:schemeClr val="tx1"/>
+                </a:solidFill>
+                <a:latin typeface="Fira Code Light"/>
+                <a:ea typeface="Fira Code Light"/>
+                <a:cs typeface="Fira Code Light"/>
+              </a:rPr>
+              <a:t>);</a:t>
+            </a:r>
+            <a:endParaRPr i="1">
+              <a:solidFill>
+                <a:schemeClr val="tx1"/>
+              </a:solidFill>
+              <a:latin typeface="Fira Code Light"/>
+              <a:cs typeface="Fira Code Light"/>
+            </a:endParaRPr>
+          </a:p>
+          <a:p>
+            <a:pPr marL="0" indent="0">
+              <a:buFont typeface="Arial"/>
+              <a:buNone/>
+              <a:defRPr/>
+            </a:pPr>
+            <a:r>
+              <a:rPr sz="1050" b="0" i="1" u="none">
+                <a:solidFill>
+                  <a:schemeClr val="tx1"/>
+                </a:solidFill>
+                <a:latin typeface="Fira Code Light"/>
+                <a:ea typeface="Fira Code Light"/>
+                <a:cs typeface="Fira Code Light"/>
+              </a:rPr>
+              <a:t>    </a:t>
+            </a:r>
+            <a:r>
+              <a:rPr sz="1050" b="0" i="1" u="none">
+                <a:solidFill>
+                  <a:schemeClr val="tx1"/>
+                </a:solidFill>
+                <a:latin typeface="Fira Code Light"/>
+                <a:ea typeface="Fira Code Light"/>
+                <a:cs typeface="Fira Code Light"/>
+              </a:rPr>
+              <a:t>device</a:t>
+            </a:r>
+            <a:r>
+              <a:rPr sz="1050" b="0" i="1" u="none">
+                <a:solidFill>
+                  <a:schemeClr val="tx1"/>
+                </a:solidFill>
+                <a:latin typeface="Fira Code Light"/>
+                <a:ea typeface="Fira Code Light"/>
+                <a:cs typeface="Fira Code Light"/>
+              </a:rPr>
+              <a:t>.</a:t>
+            </a:r>
+            <a:r>
+              <a:rPr sz="1050" b="0" i="1" u="none">
+                <a:solidFill>
+                  <a:schemeClr val="tx1"/>
+                </a:solidFill>
+                <a:latin typeface="Fira Code Light"/>
+                <a:ea typeface="Fira Code Light"/>
+                <a:cs typeface="Fira Code Light"/>
+              </a:rPr>
+              <a:t>Present</a:t>
+            </a:r>
+            <a:r>
+              <a:rPr sz="1050" b="0" i="1" u="none">
+                <a:solidFill>
+                  <a:schemeClr val="tx1"/>
+                </a:solidFill>
+                <a:latin typeface="Fira Code Light"/>
+                <a:ea typeface="Fira Code Light"/>
+                <a:cs typeface="Fira Code Light"/>
+              </a:rPr>
+              <a:t>(); </a:t>
+            </a:r>
+            <a:r>
+              <a:rPr sz="1050" b="0" i="1" u="none">
+                <a:solidFill>
+                  <a:schemeClr val="tx1"/>
+                </a:solidFill>
+                <a:latin typeface="Fira Code Light"/>
+                <a:ea typeface="Fira Code Light"/>
+                <a:cs typeface="Fira Code Light"/>
+              </a:rPr>
+              <a:t>}</a:t>
             </a:r>
             <a:endParaRPr>
               <a:solidFill>
@@ -7535,7 +9956,7 @@
       </p:grpSpPr>
       <p:sp>
         <p:nvSpPr>
-          <p:cNvPr id="1807629289" name="Title 1"/>
+          <p:cNvPr id="1803294488" name="Title 1"/>
           <p:cNvSpPr>
             <a:spLocks noGrp="1"/>
           </p:cNvSpPr>
@@ -7560,7 +9981,7 @@
                 <a:ea typeface="Arial"/>
                 <a:cs typeface="Arial"/>
               </a:rPr>
-              <a:t>Сложность реализации</a:t>
+              <a:t>За и против использования</a:t>
             </a:r>
             <a:endParaRPr>
               <a:solidFill>
@@ -7572,7 +9993,7 @@
       </p:sp>
       <p:sp>
         <p:nvSpPr>
-          <p:cNvPr id="2107477928" name="Content Placeholder 2"/>
+          <p:cNvPr id="900628863" name="Content Placeholder 2"/>
           <p:cNvSpPr>
             <a:spLocks noGrp="1"/>
           </p:cNvSpPr>
@@ -7599,7 +10020,28 @@
                 <a:ea typeface="Arial"/>
                 <a:cs typeface="Arial"/>
               </a:rPr>
-              <a:t>Парадокс:</a:t>
+              <a:t>✅ Когда использовать:</a:t>
+            </a:r>
+            <a:endParaRPr sz="1200">
+              <a:solidFill>
+                <a:schemeClr val="tx1"/>
+              </a:solidFill>
+            </a:endParaRPr>
+          </a:p>
+          <a:p>
+            <a:pPr>
+              <a:defRPr/>
+            </a:pPr>
+            <a:r>
+              <a:rPr sz="1200" b="1" i="0" u="none">
+                <a:solidFill>
+                  <a:schemeClr val="tx1"/>
+                </a:solidFill>
+                <a:latin typeface="Arial"/>
+                <a:ea typeface="Arial"/>
+                <a:cs typeface="Arial"/>
+              </a:rPr>
+              <a:t>Команды без graphics экспертизы</a:t>
             </a:r>
             <a:r>
               <a:rPr sz="1200" b="0" i="0" u="none">
@@ -7612,13 +10054,107 @@
               </a:rPr>
               <a:t> </a:t>
             </a:r>
-            <a:endParaRPr sz="1200" b="0" i="0" u="none">
-              <a:solidFill>
-                <a:schemeClr val="tx1"/>
-              </a:solidFill>
-              <a:latin typeface="Arial"/>
-              <a:ea typeface="Arial"/>
-              <a:cs typeface="Arial"/>
+            <a:r>
+              <a:rPr sz="1200" b="0" i="0" u="none">
+                <a:solidFill>
+                  <a:schemeClr val="tx1"/>
+                </a:solidFill>
+                <a:latin typeface="Arial"/>
+                <a:ea typeface="Arial"/>
+                <a:cs typeface="Arial"/>
+              </a:rPr>
+              <a:t>- автоматическая синхронизация, защита от ошибок</a:t>
+            </a:r>
+            <a:endParaRPr sz="1200">
+              <a:solidFill>
+                <a:schemeClr val="tx1"/>
+              </a:solidFill>
+            </a:endParaRPr>
+          </a:p>
+          <a:p>
+            <a:pPr>
+              <a:defRPr/>
+            </a:pPr>
+            <a:r>
+              <a:rPr sz="1200" b="1" i="0" u="none">
+                <a:solidFill>
+                  <a:schemeClr val="tx1"/>
+                </a:solidFill>
+                <a:latin typeface="Arial"/>
+                <a:ea typeface="Arial"/>
+                <a:cs typeface="Arial"/>
+              </a:rPr>
+              <a:t>Неопределенные требования</a:t>
+            </a:r>
+            <a:r>
+              <a:rPr sz="1200" b="0" i="0" u="none">
+                <a:solidFill>
+                  <a:schemeClr val="tx1"/>
+                </a:solidFill>
+                <a:latin typeface="Arial"/>
+                <a:ea typeface="Arial"/>
+                <a:cs typeface="Arial"/>
+              </a:rPr>
+              <a:t> </a:t>
+            </a:r>
+            <a:r>
+              <a:rPr sz="1200" b="0" i="0" u="none">
+                <a:solidFill>
+                  <a:schemeClr val="tx1"/>
+                </a:solidFill>
+                <a:latin typeface="Arial"/>
+                <a:ea typeface="Arial"/>
+                <a:cs typeface="Arial"/>
+              </a:rPr>
+              <a:t>- легко добавлять/удалять эффекты</a:t>
+            </a:r>
+            <a:endParaRPr sz="1200">
+              <a:solidFill>
+                <a:schemeClr val="tx1"/>
+              </a:solidFill>
+            </a:endParaRPr>
+          </a:p>
+          <a:p>
+            <a:pPr>
+              <a:defRPr/>
+            </a:pPr>
+            <a:r>
+              <a:rPr sz="1200" b="1" i="0" u="none">
+                <a:solidFill>
+                  <a:schemeClr val="tx1"/>
+                </a:solidFill>
+                <a:latin typeface="Arial"/>
+                <a:ea typeface="Arial"/>
+                <a:cs typeface="Arial"/>
+              </a:rPr>
+              <a:t>Сложные pipeline'ы</a:t>
+            </a:r>
+            <a:r>
+              <a:rPr sz="1200" b="0" i="0" u="none">
+                <a:solidFill>
+                  <a:schemeClr val="tx1"/>
+                </a:solidFill>
+                <a:latin typeface="Arial"/>
+                <a:ea typeface="Arial"/>
+                <a:cs typeface="Arial"/>
+              </a:rPr>
+              <a:t> </a:t>
+            </a:r>
+            <a:r>
+              <a:rPr sz="1200" b="0" i="0" u="none">
+                <a:solidFill>
+                  <a:schemeClr val="tx1"/>
+                </a:solidFill>
+                <a:latin typeface="Arial"/>
+                <a:ea typeface="Arial"/>
+                <a:cs typeface="Arial"/>
+              </a:rPr>
+              <a:t>- автоматическое управление зависимостями</a:t>
+            </a:r>
+            <a:endParaRPr sz="1200">
+              <a:solidFill>
+                <a:schemeClr val="tx1"/>
+              </a:solidFill>
             </a:endParaRPr>
           </a:p>
           <a:p>
@@ -7627,17 +10163,6 @@
               <a:buNone/>
               <a:defRPr/>
             </a:pPr>
-            <a:r>
-              <a:rPr sz="1200" b="0" i="0" u="none">
-                <a:solidFill>
-                  <a:schemeClr val="tx1"/>
-                </a:solidFill>
-                <a:latin typeface="Arial"/>
-                <a:ea typeface="Arial"/>
-                <a:cs typeface="Arial"/>
-              </a:rPr>
-              <a:t>Сам граф простой, инфраструктура сложная</a:t>
-            </a:r>
             <a:endParaRPr sz="1200">
               <a:solidFill>
                 <a:schemeClr val="tx1"/>
@@ -7650,6 +10175,103 @@
               <a:buNone/>
               <a:defRPr/>
             </a:pPr>
+            <a:r>
+              <a:rPr sz="1200" b="1" i="0" u="none">
+                <a:solidFill>
+                  <a:schemeClr val="tx1"/>
+                </a:solidFill>
+                <a:latin typeface="Arial"/>
+                <a:ea typeface="Arial"/>
+                <a:cs typeface="Arial"/>
+              </a:rPr>
+              <a:t>❌ Можно обойтись без:</a:t>
+            </a:r>
+            <a:endParaRPr sz="1200">
+              <a:solidFill>
+                <a:schemeClr val="tx1"/>
+              </a:solidFill>
+            </a:endParaRPr>
+          </a:p>
+          <a:p>
+            <a:pPr>
+              <a:defRPr/>
+            </a:pPr>
+            <a:r>
+              <a:rPr sz="1200" b="1" i="0" u="none">
+                <a:solidFill>
+                  <a:schemeClr val="tx1"/>
+                </a:solidFill>
+                <a:latin typeface="Arial"/>
+                <a:ea typeface="Arial"/>
+                <a:cs typeface="Arial"/>
+              </a:rPr>
+              <a:t>Простые проекты</a:t>
+            </a:r>
+            <a:r>
+              <a:rPr sz="1200" b="0" i="0" u="none">
+                <a:solidFill>
+                  <a:schemeClr val="tx1"/>
+                </a:solidFill>
+                <a:latin typeface="Arial"/>
+                <a:ea typeface="Arial"/>
+                <a:cs typeface="Arial"/>
+              </a:rPr>
+              <a:t> </a:t>
+            </a:r>
+            <a:r>
+              <a:rPr sz="1200" b="0" i="0" u="none">
+                <a:solidFill>
+                  <a:schemeClr val="tx1"/>
+                </a:solidFill>
+                <a:latin typeface="Arial"/>
+                <a:ea typeface="Arial"/>
+                <a:cs typeface="Arial"/>
+              </a:rPr>
+              <a:t>- один rendering pass, статичный контент</a:t>
+            </a:r>
+            <a:endParaRPr sz="1200">
+              <a:solidFill>
+                <a:schemeClr val="tx1"/>
+              </a:solidFill>
+            </a:endParaRPr>
+          </a:p>
+          <a:p>
+            <a:pPr>
+              <a:defRPr/>
+            </a:pPr>
+            <a:r>
+              <a:rPr sz="1200" b="1" i="0" u="none">
+                <a:solidFill>
+                  <a:schemeClr val="tx1"/>
+                </a:solidFill>
+                <a:latin typeface="Arial"/>
+                <a:ea typeface="Arial"/>
+                <a:cs typeface="Arial"/>
+              </a:rPr>
+              <a:t>Экспертные команды</a:t>
+            </a:r>
+            <a:r>
+              <a:rPr sz="1200" b="0" i="0" u="none">
+                <a:solidFill>
+                  <a:schemeClr val="tx1"/>
+                </a:solidFill>
+                <a:latin typeface="Arial"/>
+                <a:ea typeface="Arial"/>
+                <a:cs typeface="Arial"/>
+              </a:rPr>
+              <a:t> </a:t>
+            </a:r>
+            <a:r>
+              <a:rPr sz="1200" b="0" i="0" u="none">
+                <a:solidFill>
+                  <a:schemeClr val="tx1"/>
+                </a:solidFill>
+                <a:latin typeface="Arial"/>
+                <a:ea typeface="Arial"/>
+                <a:cs typeface="Arial"/>
+              </a:rPr>
+              <a:t>- глубокие знания graphics API</a:t>
+            </a:r>
             <a:endParaRPr sz="1200">
               <a:solidFill>
                 <a:schemeClr val="tx1"/>
@@ -7662,83 +10284,6 @@
               <a:buNone/>
               <a:defRPr/>
             </a:pPr>
-            <a:r>
-              <a:rPr sz="1200" b="1" i="0" u="none">
-                <a:solidFill>
-                  <a:schemeClr val="tx1"/>
-                </a:solidFill>
-                <a:latin typeface="Arial"/>
-                <a:ea typeface="Arial"/>
-                <a:cs typeface="Arial"/>
-              </a:rPr>
-              <a:t>Простая часть:</a:t>
-            </a:r>
-            <a:endParaRPr sz="1200" b="1" i="0" u="none">
-              <a:solidFill>
-                <a:schemeClr val="tx1"/>
-              </a:solidFill>
-              <a:latin typeface="Arial"/>
-              <a:ea typeface="Arial"/>
-              <a:cs typeface="Arial"/>
-            </a:endParaRPr>
-          </a:p>
-          <a:p>
-            <a:pPr>
-              <a:defRPr/>
-            </a:pPr>
-            <a:r>
-              <a:rPr sz="1200" b="0" i="0" u="none">
-                <a:solidFill>
-                  <a:schemeClr val="tx1"/>
-                </a:solidFill>
-                <a:latin typeface="Arial"/>
-                <a:ea typeface="Arial"/>
-                <a:cs typeface="Arial"/>
-              </a:rPr>
-              <a:t>Топологическая сортировка - стандартный алгоритм</a:t>
-            </a:r>
-            <a:endParaRPr sz="1200">
-              <a:solidFill>
-                <a:schemeClr val="tx1"/>
-              </a:solidFill>
-            </a:endParaRPr>
-          </a:p>
-          <a:p>
-            <a:pPr>
-              <a:defRPr/>
-            </a:pPr>
-            <a:r>
-              <a:rPr sz="1200" b="0" i="0" u="none">
-                <a:solidFill>
-                  <a:schemeClr val="tx1"/>
-                </a:solidFill>
-                <a:latin typeface="Arial"/>
-                <a:ea typeface="Arial"/>
-                <a:cs typeface="Arial"/>
-              </a:rPr>
-              <a:t>Resource lifetime tracking - простое отслеживание</a:t>
-            </a:r>
-            <a:endParaRPr sz="1200">
-              <a:solidFill>
-                <a:schemeClr val="tx1"/>
-              </a:solidFill>
-            </a:endParaRPr>
-          </a:p>
-          <a:p>
-            <a:pPr>
-              <a:defRPr/>
-            </a:pPr>
-            <a:r>
-              <a:rPr sz="1200" b="0" i="0" u="none">
-                <a:solidFill>
-                  <a:schemeClr val="tx1"/>
-                </a:solidFill>
-                <a:latin typeface="Arial"/>
-                <a:ea typeface="Arial"/>
-                <a:cs typeface="Arial"/>
-              </a:rPr>
-              <a:t>Pass execution - итерация по списку</a:t>
-            </a:r>
             <a:endParaRPr sz="1200">
               <a:solidFill>
                 <a:schemeClr val="tx1"/>
@@ -7751,7 +10296,18 @@
               <a:buNone/>
               <a:defRPr/>
             </a:pPr>
-            <a:endParaRPr sz="1200">
+            <a:r>
+              <a:rPr sz="1200" b="1" i="0" u="none">
+                <a:solidFill>
+                  <a:schemeClr val="tx1"/>
+                </a:solidFill>
+                <a:latin typeface="Arial"/>
+                <a:ea typeface="Arial"/>
+                <a:cs typeface="Arial"/>
+              </a:rPr>
+              <a:t>Проблема ручной реализации:</a:t>
+            </a:r>
+            <a:endParaRPr>
               <a:solidFill>
                 <a:schemeClr val="tx1"/>
               </a:solidFill>
@@ -7764,149 +10320,177 @@
               <a:defRPr/>
             </a:pPr>
             <a:r>
-              <a:rPr sz="1200" b="1" i="0" u="none">
-                <a:solidFill>
-                  <a:schemeClr val="tx1"/>
-                </a:solidFill>
-                <a:latin typeface="Arial"/>
-                <a:ea typeface="Arial"/>
-                <a:cs typeface="Arial"/>
-              </a:rPr>
-              <a:t>Сложная часть (80% времени):</a:t>
-            </a:r>
-            <a:endParaRPr sz="1200" b="1" i="0" u="none">
-              <a:solidFill>
-                <a:schemeClr val="tx1"/>
-              </a:solidFill>
-              <a:latin typeface="Arial"/>
-              <a:ea typeface="Arial"/>
-              <a:cs typeface="Arial"/>
-            </a:endParaRPr>
-          </a:p>
-          <a:p>
-            <a:pPr>
-              <a:defRPr/>
-            </a:pPr>
-            <a:r>
-              <a:rPr sz="1200" b="1" i="0" u="none">
-                <a:solidFill>
-                  <a:schemeClr val="tx1"/>
-                </a:solidFill>
-                <a:latin typeface="Arial"/>
-                <a:ea typeface="Arial"/>
-                <a:cs typeface="Arial"/>
-              </a:rPr>
-              <a:t>Graphics API Abstraction</a:t>
-            </a:r>
-            <a:r>
-              <a:rPr sz="1200" b="0" i="0" u="none">
-                <a:solidFill>
-                  <a:schemeClr val="tx1"/>
-                </a:solidFill>
-                <a:latin typeface="Arial"/>
-                <a:ea typeface="Arial"/>
-                <a:cs typeface="Arial"/>
+              <a:rPr sz="1000" b="0" i="1" u="none">
+                <a:solidFill>
+                  <a:schemeClr val="accent6"/>
+                </a:solidFill>
+                <a:latin typeface="Fira Code Light"/>
+                <a:ea typeface="Fira Code Light"/>
+                <a:cs typeface="Fira Code Light"/>
+              </a:rPr>
+              <a:t>// Типичные ошибки неопытных разработчиков:</a:t>
+            </a:r>
+            <a:br>
+              <a:rPr sz="1000" b="0" i="1" u="none">
+                <a:solidFill>
+                  <a:schemeClr val="tx1"/>
+                </a:solidFill>
+                <a:latin typeface="Fira Code Light"/>
+                <a:ea typeface="Fira Code Light"/>
+                <a:cs typeface="Fira Code Light"/>
+              </a:rPr>
+            </a:br>
+            <a:r>
+              <a:rPr sz="1000" b="0" i="1" u="none">
+                <a:solidFill>
+                  <a:schemeClr val="tx1"/>
+                </a:solidFill>
+                <a:latin typeface="Fira Code Light"/>
+                <a:ea typeface="Fira Code Light"/>
+                <a:cs typeface="Fira Code Light"/>
+              </a:rPr>
+              <a:t>SetRenderTarget</a:t>
+            </a:r>
+            <a:r>
+              <a:rPr sz="1000" b="0" i="1" u="none">
+                <a:solidFill>
+                  <a:schemeClr val="tx1"/>
+                </a:solidFill>
+                <a:latin typeface="Fira Code Light"/>
+                <a:ea typeface="Fira Code Light"/>
+                <a:cs typeface="Fira Code Light"/>
+              </a:rPr>
+              <a:t>(colorBuffer); </a:t>
+            </a:r>
+            <a:br>
+              <a:rPr sz="1000" b="0" i="1" u="none">
+                <a:solidFill>
+                  <a:schemeClr val="tx1"/>
+                </a:solidFill>
+                <a:latin typeface="Fira Code Light"/>
+                <a:ea typeface="Fira Code Light"/>
+                <a:cs typeface="Fira Code Light"/>
+              </a:rPr>
+            </a:br>
+            <a:r>
+              <a:rPr sz="1000" b="0" i="1" u="none">
+                <a:solidFill>
+                  <a:schemeClr val="tx1"/>
+                </a:solidFill>
+                <a:latin typeface="Fira Code Light"/>
+                <a:ea typeface="Fira Code Light"/>
+                <a:cs typeface="Fira Code Light"/>
+              </a:rPr>
+              <a:t>ApplyBlur</a:t>
+            </a:r>
+            <a:r>
+              <a:rPr sz="1000" b="0" i="1" u="none">
+                <a:solidFill>
+                  <a:schemeClr val="tx1"/>
+                </a:solidFill>
+                <a:latin typeface="Fira Code Light"/>
+                <a:ea typeface="Fira Code Light"/>
+                <a:cs typeface="Fira Code Light"/>
+              </a:rPr>
+              <a:t>(colorBuffer); </a:t>
+            </a:r>
+            <a:r>
+              <a:rPr sz="1000" b="0" i="1" u="none">
+                <a:solidFill>
+                  <a:schemeClr val="accent6"/>
+                </a:solidFill>
+                <a:latin typeface="Fira Code Light"/>
+                <a:ea typeface="Fira Code Light"/>
+                <a:cs typeface="Fira Code Light"/>
+              </a:rPr>
+              <a:t>// ERROR: забыли transition!</a:t>
+            </a:r>
+            <a:br>
+              <a:rPr sz="1000" b="0" i="1" u="none">
+                <a:solidFill>
+                  <a:schemeClr val="tx1"/>
+                </a:solidFill>
+                <a:latin typeface="Fira Code Light"/>
+                <a:ea typeface="Fira Code Light"/>
+                <a:cs typeface="Fira Code Light"/>
+              </a:rPr>
+            </a:br>
+            <a:br>
+              <a:rPr sz="1000" b="0" i="1" u="none">
+                <a:solidFill>
+                  <a:schemeClr val="tx1"/>
+                </a:solidFill>
+                <a:latin typeface="Fira Code Light"/>
+                <a:ea typeface="Fira Code Light"/>
+                <a:cs typeface="Fira Code Light"/>
+              </a:rPr>
+            </a:br>
+            <a:r>
+              <a:rPr sz="1000" b="0" i="1" u="none">
+                <a:solidFill>
+                  <a:schemeClr val="accent6"/>
+                </a:solidFill>
+                <a:latin typeface="Fira Code Light"/>
+                <a:ea typeface="Fira Code Light"/>
+                <a:cs typeface="Fira Code Light"/>
+              </a:rPr>
+              <a:t>// С render graph - автоматически корректно</a:t>
+            </a:r>
+            <a:r>
+              <a:rPr sz="1000" b="0" i="1" u="none">
+                <a:solidFill>
+                  <a:schemeClr val="accent6"/>
+                </a:solidFill>
+                <a:latin typeface="Fira Code Light"/>
+                <a:ea typeface="Fira Code Light"/>
+                <a:cs typeface="Fira Code Light"/>
               </a:rPr>
               <a:t> </a:t>
             </a:r>
-            <a:r>
-              <a:rPr sz="1200" b="0" i="0" u="none">
-                <a:solidFill>
-                  <a:schemeClr val="tx1"/>
-                </a:solidFill>
-                <a:latin typeface="Arial"/>
-                <a:ea typeface="Arial"/>
-                <a:cs typeface="Arial"/>
-              </a:rPr>
-              <a:t>- сотни API calls</a:t>
-            </a:r>
-            <a:endParaRPr sz="1200">
-              <a:solidFill>
-                <a:schemeClr val="tx1"/>
-              </a:solidFill>
-            </a:endParaRPr>
-          </a:p>
-          <a:p>
-            <a:pPr>
-              <a:defRPr/>
-            </a:pPr>
-            <a:r>
-              <a:rPr sz="1200" b="1" i="0" u="none">
-                <a:solidFill>
-                  <a:schemeClr val="tx1"/>
-                </a:solidFill>
-                <a:latin typeface="Arial"/>
-                <a:ea typeface="Arial"/>
-                <a:cs typeface="Arial"/>
-              </a:rPr>
-              <a:t>Resource System</a:t>
-            </a:r>
-            <a:r>
-              <a:rPr sz="1200" b="0" i="0" u="none">
-                <a:solidFill>
-                  <a:schemeClr val="tx1"/>
-                </a:solidFill>
-                <a:latin typeface="Arial"/>
-                <a:ea typeface="Arial"/>
-                <a:cs typeface="Arial"/>
-              </a:rPr>
-              <a:t> </a:t>
-            </a:r>
-            <a:r>
-              <a:rPr sz="1200" b="0" i="0" u="none">
-                <a:solidFill>
-                  <a:schemeClr val="tx1"/>
-                </a:solidFill>
-                <a:latin typeface="Arial"/>
-                <a:ea typeface="Arial"/>
-                <a:cs typeface="Arial"/>
-              </a:rPr>
-              <a:t>- унификация концептов</a:t>
-            </a:r>
-            <a:endParaRPr sz="1200">
-              <a:solidFill>
-                <a:schemeClr val="tx1"/>
-              </a:solidFill>
-            </a:endParaRPr>
-          </a:p>
-          <a:p>
-            <a:pPr>
-              <a:defRPr/>
-            </a:pPr>
-            <a:r>
-              <a:rPr sz="1200" b="1" i="0" u="none">
-                <a:solidFill>
-                  <a:schemeClr val="tx1"/>
-                </a:solidFill>
-                <a:latin typeface="Arial"/>
-                <a:ea typeface="Arial"/>
-                <a:cs typeface="Arial"/>
-              </a:rPr>
-              <a:t>Memory Management</a:t>
-            </a:r>
-            <a:r>
-              <a:rPr sz="1200" b="0" i="0" u="none">
-                <a:solidFill>
-                  <a:schemeClr val="tx1"/>
-                </a:solidFill>
-                <a:latin typeface="Arial"/>
-                <a:ea typeface="Arial"/>
-                <a:cs typeface="Arial"/>
-              </a:rPr>
-              <a:t> </a:t>
-            </a:r>
-            <a:r>
-              <a:rPr sz="1200" b="0" i="0" u="none">
-                <a:solidFill>
-                  <a:schemeClr val="tx1"/>
-                </a:solidFill>
-                <a:latin typeface="Arial"/>
-                <a:ea typeface="Arial"/>
-                <a:cs typeface="Arial"/>
-              </a:rPr>
-              <a:t>- pooling, aliasing, GC integration</a:t>
-            </a:r>
-            <a:endParaRPr sz="1200">
+            <a:br>
+              <a:rPr sz="1000" b="0" i="1" u="none">
+                <a:solidFill>
+                  <a:schemeClr val="accent6"/>
+                </a:solidFill>
+                <a:latin typeface="Fira Code Light"/>
+                <a:ea typeface="Fira Code Light"/>
+                <a:cs typeface="Fira Code Light"/>
+              </a:rPr>
+            </a:br>
+            <a:r>
+              <a:rPr sz="1000" b="0" i="1" u="none">
+                <a:solidFill>
+                  <a:schemeClr val="tx1"/>
+                </a:solidFill>
+                <a:latin typeface="Fira Code Light"/>
+                <a:ea typeface="Fira Code Light"/>
+                <a:cs typeface="Fira Code Light"/>
+              </a:rPr>
+              <a:t>var blur = </a:t>
+            </a:r>
+            <a:r>
+              <a:rPr sz="1000" b="0" i="1" u="none">
+                <a:solidFill>
+                  <a:schemeClr val="tx1"/>
+                </a:solidFill>
+                <a:latin typeface="Fira Code Light"/>
+                <a:ea typeface="Fira Code Light"/>
+                <a:cs typeface="Fira Code Light"/>
+              </a:rPr>
+              <a:t>new</a:t>
+            </a:r>
+            <a:r>
+              <a:rPr sz="1000" b="0" i="1" u="none">
+                <a:solidFill>
+                  <a:schemeClr val="tx1"/>
+                </a:solidFill>
+                <a:latin typeface="Fira Code Light"/>
+                <a:ea typeface="Fira Code Light"/>
+                <a:cs typeface="Fira Code Light"/>
+              </a:rPr>
+              <a:t> BlurPass { Input = geometry.ColorOutput };</a:t>
+            </a:r>
+            <a:endParaRPr>
               <a:solidFill>
                 <a:schemeClr val="tx1"/>
               </a:solidFill>
@@ -7949,7 +10533,7 @@
       </p:grpSpPr>
       <p:sp>
         <p:nvSpPr>
-          <p:cNvPr id="1119523725" name="Title 1"/>
+          <p:cNvPr id="1735016971" name="Title 1"/>
           <p:cNvSpPr>
             <a:spLocks noGrp="1"/>
           </p:cNvSpPr>
@@ -7974,9 +10558,9 @@
                 <a:ea typeface="Arial"/>
                 <a:cs typeface="Arial"/>
               </a:rPr>
-              <a:t>Основные преимущества</a:t>
-            </a:r>
-            <a:endParaRPr>
+              <a:t>Пример сложной задачи</a:t>
+            </a:r>
+            <a:endParaRPr sz="2000">
               <a:solidFill>
                 <a:schemeClr val="tx1"/>
               </a:solidFill>
@@ -7986,7 +10570,7 @@
       </p:sp>
       <p:sp>
         <p:nvSpPr>
-          <p:cNvPr id="1513757545" name="Content Placeholder 2"/>
+          <p:cNvPr id="322513154" name="Content Placeholder 2"/>
           <p:cNvSpPr>
             <a:spLocks noGrp="1"/>
           </p:cNvSpPr>
@@ -7996,9 +10580,7 @@
         </p:nvSpPr>
         <p:spPr bwMode="auto"/>
         <p:txBody>
-          <a:bodyPr vertOverflow="overflow" horzOverflow="overflow" vert="horz" wrap="square" lIns="91440" tIns="45720" rIns="91440" bIns="45720" numCol="1" spcCol="0" rtlCol="0" fromWordArt="0" anchor="t" anchorCtr="0" forceAA="0" upright="0" compatLnSpc="0">
-            <a:normAutofit/>
-          </a:bodyPr>
+          <a:bodyPr/>
           <a:lstStyle/>
           <a:p>
             <a:pPr marL="0" indent="0">
@@ -8015,7 +10597,7 @@
                 <a:ea typeface="Arial"/>
                 <a:cs typeface="Arial"/>
               </a:rPr>
-              <a:t>Снижение порога входа:</a:t>
+              <a:t>Pipeline рекламной визуализации:</a:t>
             </a:r>
             <a:endParaRPr sz="1200">
               <a:solidFill>
@@ -8030,33 +10612,30 @@
               <a:defRPr/>
             </a:pPr>
             <a:r>
-              <a:rPr sz="1000" b="0" i="1" u="none">
-                <a:solidFill>
-                  <a:schemeClr val="accent6"/>
-                </a:solidFill>
-                <a:latin typeface="Fira Code Light"/>
-                <a:ea typeface="Fira Code Light"/>
-                <a:cs typeface="Fira Code Light"/>
-              </a:rPr>
-              <a:t>// Без render graph - нужно знать DirectX 12</a:t>
-            </a:r>
-            <a:r>
-              <a:rPr sz="1000" b="0" i="1" u="none">
-                <a:solidFill>
-                  <a:schemeClr val="accent6"/>
-                </a:solidFill>
-                <a:latin typeface="Fira Code Light"/>
-                <a:ea typeface="Fira Code Light"/>
-                <a:cs typeface="Fira Code Light"/>
-              </a:rPr>
-              <a:t> </a:t>
-            </a:r>
-            <a:endParaRPr sz="1000" b="0" i="1" u="none">
-              <a:solidFill>
-                <a:schemeClr val="tx1"/>
-              </a:solidFill>
-              <a:latin typeface="Fira Code Light"/>
-              <a:cs typeface="Fira Code Light"/>
+              <a:rPr sz="1200" b="0" i="1" u="sng">
+                <a:solidFill>
+                  <a:schemeClr val="tx1"/>
+                </a:solidFill>
+                <a:latin typeface="Consolas"/>
+                <a:ea typeface="Consolas"/>
+                <a:cs typeface="Consolas"/>
+              </a:rPr>
+              <a:t>Geometry → Base Rendering → Blur Effect → Masking → Fade Transition → Color Correction → Final Output</a:t>
+            </a:r>
+            <a:br>
+              <a:rPr sz="1200" b="0" i="1" u="sng">
+                <a:solidFill>
+                  <a:schemeClr val="tx1"/>
+                </a:solidFill>
+                <a:latin typeface="Consolas"/>
+                <a:ea typeface="Consolas"/>
+                <a:cs typeface="Consolas"/>
+              </a:rPr>
+            </a:br>
+            <a:endParaRPr sz="1200">
+              <a:solidFill>
+                <a:schemeClr val="tx1"/>
+              </a:solidFill>
             </a:endParaRPr>
           </a:p>
           <a:p>
@@ -8065,23 +10644,10 @@
               <a:buNone/>
               <a:defRPr/>
             </a:pPr>
-            <a:r>
-              <a:rPr sz="1000" b="0" i="1" u="none">
-                <a:solidFill>
-                  <a:schemeClr val="tx1"/>
-                </a:solidFill>
-                <a:latin typeface="Fira Code Light"/>
-                <a:ea typeface="Fira Code Light"/>
-                <a:cs typeface="Fira Code Light"/>
-              </a:rPr>
-              <a:t>D3D12_RESOURCE_BARRIER barrier = {}; </a:t>
-            </a:r>
-            <a:endParaRPr sz="1000" b="0" i="1" u="none">
-              <a:solidFill>
-                <a:schemeClr val="tx1"/>
-              </a:solidFill>
-              <a:latin typeface="Fira Code Light"/>
-              <a:cs typeface="Fira Code Light"/>
+            <a:endParaRPr sz="1200">
+              <a:solidFill>
+                <a:schemeClr val="tx1"/>
+              </a:solidFill>
             </a:endParaRPr>
           </a:p>
           <a:p>
@@ -8091,151 +10657,6 @@
               <a:defRPr/>
             </a:pPr>
             <a:r>
-              <a:rPr sz="1000" b="0" i="1" u="none">
-                <a:solidFill>
-                  <a:schemeClr val="tx1"/>
-                </a:solidFill>
-                <a:latin typeface="Fira Code Light"/>
-                <a:ea typeface="Fira Code Light"/>
-                <a:cs typeface="Fira Code Light"/>
-              </a:rPr>
-              <a:t>barrier.Type = D3D12_RESOURCE_BARRIER_TYPE_TRANSITION; </a:t>
-            </a:r>
-            <a:endParaRPr sz="1000" b="0" i="1" u="none">
-              <a:solidFill>
-                <a:schemeClr val="tx1"/>
-              </a:solidFill>
-              <a:latin typeface="Fira Code Light"/>
-              <a:cs typeface="Fira Code Light"/>
-            </a:endParaRPr>
-          </a:p>
-          <a:p>
-            <a:pPr marL="0" indent="0">
-              <a:buFont typeface="Arial"/>
-              <a:buNone/>
-              <a:defRPr/>
-            </a:pPr>
-            <a:r>
-              <a:rPr sz="1000" b="0" i="1" u="none">
-                <a:solidFill>
-                  <a:schemeClr val="accent6"/>
-                </a:solidFill>
-                <a:latin typeface="Fira Code Light"/>
-                <a:ea typeface="Fira Code Light"/>
-                <a:cs typeface="Fira Code Light"/>
-              </a:rPr>
-              <a:t>// ... еще 10 строк setup'а</a:t>
-            </a:r>
-            <a:endParaRPr sz="1000" b="0" i="1" u="none">
-              <a:solidFill>
-                <a:schemeClr val="accent6"/>
-              </a:solidFill>
-              <a:latin typeface="Fira Code Light"/>
-              <a:cs typeface="Fira Code Light"/>
-            </a:endParaRPr>
-          </a:p>
-          <a:p>
-            <a:pPr marL="0" indent="0">
-              <a:buFont typeface="Arial"/>
-              <a:buNone/>
-              <a:defRPr/>
-            </a:pPr>
-            <a:r>
-              <a:rPr sz="1000" b="0" i="1" u="none">
-                <a:solidFill>
-                  <a:schemeClr val="accent6"/>
-                </a:solidFill>
-                <a:latin typeface="Fira Code Light"/>
-                <a:ea typeface="Fira Code Light"/>
-                <a:cs typeface="Fira Code Light"/>
-              </a:rPr>
-              <a:t>// С render graph - декларативно</a:t>
-            </a:r>
-            <a:r>
-              <a:rPr sz="1000" b="0" i="1" u="none">
-                <a:solidFill>
-                  <a:schemeClr val="accent6"/>
-                </a:solidFill>
-                <a:latin typeface="Fira Code Light"/>
-                <a:ea typeface="Fira Code Light"/>
-                <a:cs typeface="Fira Code Light"/>
-              </a:rPr>
-              <a:t> </a:t>
-            </a:r>
-            <a:endParaRPr sz="1000" b="0" i="1" u="none">
-              <a:solidFill>
-                <a:schemeClr val="tx1"/>
-              </a:solidFill>
-              <a:latin typeface="Fira Code Light"/>
-              <a:cs typeface="Fira Code Light"/>
-            </a:endParaRPr>
-          </a:p>
-          <a:p>
-            <a:pPr marL="0" indent="0">
-              <a:buFont typeface="Arial"/>
-              <a:buNone/>
-              <a:defRPr/>
-            </a:pPr>
-            <a:r>
-              <a:rPr sz="1000" b="0" i="1" u="none">
-                <a:solidFill>
-                  <a:schemeClr val="tx1"/>
-                </a:solidFill>
-                <a:latin typeface="Fira Code Light"/>
-                <a:ea typeface="Fira Code Light"/>
-                <a:cs typeface="Fira Code Light"/>
-              </a:rPr>
-              <a:t>var blur = </a:t>
-            </a:r>
-            <a:r>
-              <a:rPr sz="1000" b="0" i="1" u="none">
-                <a:solidFill>
-                  <a:schemeClr val="tx1"/>
-                </a:solidFill>
-                <a:latin typeface="Fira Code Light"/>
-                <a:ea typeface="Fira Code Light"/>
-                <a:cs typeface="Fira Code Light"/>
-              </a:rPr>
-              <a:t>new</a:t>
-            </a:r>
-            <a:r>
-              <a:rPr sz="1000" b="0" i="1" u="none">
-                <a:solidFill>
-                  <a:schemeClr val="tx1"/>
-                </a:solidFill>
-                <a:latin typeface="Fira Code Light"/>
-                <a:ea typeface="Fira Code Light"/>
-                <a:cs typeface="Fira Code Light"/>
-              </a:rPr>
-              <a:t> BlurPass { Input = geometry.Output }; </a:t>
-            </a:r>
-            <a:endParaRPr sz="1100" b="0" i="0" u="none">
-              <a:solidFill>
-                <a:schemeClr val="tx1"/>
-              </a:solidFill>
-              <a:latin typeface="Fira Code Light"/>
-              <a:cs typeface="Fira Code Light"/>
-            </a:endParaRPr>
-          </a:p>
-          <a:p>
-            <a:pPr marL="0" indent="0">
-              <a:buFont typeface="Arial"/>
-              <a:buNone/>
-              <a:defRPr/>
-            </a:pPr>
-            <a:endParaRPr>
-              <a:solidFill>
-                <a:schemeClr val="tx1"/>
-              </a:solidFill>
-            </a:endParaRPr>
-          </a:p>
-          <a:p>
-            <a:pPr marL="0" indent="0">
-              <a:buFont typeface="Arial"/>
-              <a:buNone/>
-              <a:defRPr/>
-            </a:pPr>
-            <a:r>
               <a:rPr sz="1200" b="1" i="0" u="none">
                 <a:solidFill>
                   <a:schemeClr val="tx1"/>
@@ -8244,7 +10665,7 @@
                 <a:ea typeface="Arial"/>
                 <a:cs typeface="Arial"/>
               </a:rPr>
-              <a:t>Автоматическая оптимизация:</a:t>
+              <a:t>Проблемы ручного подхода:</a:t>
             </a:r>
             <a:endParaRPr sz="1200" b="1" i="0" u="none">
               <a:solidFill>
@@ -8268,7 +10689,7 @@
                 <a:ea typeface="Arial"/>
                 <a:cs typeface="Arial"/>
               </a:rPr>
-              <a:t>Resource Aliasing</a:t>
+              <a:t>40MB VRAM</a:t>
             </a:r>
             <a:r>
               <a:rPr sz="1200" b="0" i="0" u="none">
@@ -8290,7 +10711,51 @@
                 <a:ea typeface="Arial"/>
                 <a:cs typeface="Arial"/>
               </a:rPr>
-              <a:t>- экономия 60-75% VRAM</a:t>
+              <a:t>без aliasing vs</a:t>
+            </a:r>
+            <a:r>
+              <a:rPr sz="1200" b="0" i="0" u="none">
+                <a:solidFill>
+                  <a:schemeClr val="tx1"/>
+                </a:solidFill>
+                <a:latin typeface="Arial"/>
+                <a:ea typeface="Arial"/>
+                <a:cs typeface="Arial"/>
+              </a:rPr>
+              <a:t> </a:t>
+            </a:r>
+            <a:r>
+              <a:rPr sz="1200" b="1" i="0" u="none">
+                <a:solidFill>
+                  <a:schemeClr val="tx1"/>
+                </a:solidFill>
+                <a:latin typeface="Arial"/>
+                <a:ea typeface="Arial"/>
+                <a:cs typeface="Arial"/>
+              </a:rPr>
+              <a:t>16MB</a:t>
+            </a:r>
+            <a:r>
+              <a:rPr sz="1200" b="0" i="0" u="none">
+                <a:solidFill>
+                  <a:schemeClr val="tx1"/>
+                </a:solidFill>
+                <a:latin typeface="Arial"/>
+                <a:ea typeface="Arial"/>
+                <a:cs typeface="Arial"/>
+              </a:rPr>
+              <a:t> </a:t>
+            </a:r>
+            <a:r>
+              <a:rPr sz="1200" b="0" i="0" u="none">
+                <a:solidFill>
+                  <a:schemeClr val="tx1"/>
+                </a:solidFill>
+                <a:latin typeface="Arial"/>
+                <a:ea typeface="Arial"/>
+                <a:cs typeface="Arial"/>
+              </a:rPr>
+              <a:t>с автоматической оптимизацией</a:t>
             </a:r>
             <a:endParaRPr sz="1200">
               <a:solidFill>
@@ -8311,7 +10776,7 @@
                 <a:ea typeface="Arial"/>
                 <a:cs typeface="Arial"/>
               </a:rPr>
-              <a:t>Barrier Optimization</a:t>
+              <a:t>Недели переписывания</a:t>
             </a:r>
             <a:r>
               <a:rPr sz="1200" b="0" i="0" u="none">
@@ -8333,7 +10798,7 @@
                 <a:ea typeface="Arial"/>
                 <a:cs typeface="Arial"/>
               </a:rPr>
-              <a:t>- минимизация sync overhead</a:t>
+              <a:t>кода для каждого нового эффекта</a:t>
             </a:r>
             <a:endParaRPr sz="1200">
               <a:solidFill>
@@ -8354,7 +10819,7 @@
                 <a:ea typeface="Arial"/>
                 <a:cs typeface="Arial"/>
               </a:rPr>
-              <a:t>Dead Code Elimination</a:t>
+              <a:t>Высокий риск ошибок</a:t>
             </a:r>
             <a:r>
               <a:rPr sz="1200" b="0" i="0" u="none">
@@ -8376,7 +10841,7 @@
                 <a:ea typeface="Arial"/>
                 <a:cs typeface="Arial"/>
               </a:rPr>
-              <a:t>- удаление неиспользуемых pass'ов</a:t>
+              <a:t>синхронизации между pass'ами</a:t>
             </a:r>
             <a:endParaRPr sz="1200">
               <a:solidFill>
@@ -8411,7 +10876,7 @@
                 <a:ea typeface="Arial"/>
                 <a:cs typeface="Arial"/>
               </a:rPr>
-              <a:t>Гибкость для изменений:</a:t>
+              <a:t>С render graph:</a:t>
             </a:r>
             <a:endParaRPr sz="1200">
               <a:solidFill>
@@ -8420,63 +10885,103 @@
             </a:endParaRPr>
           </a:p>
           <a:p>
-            <a:pPr>
-              <a:defRPr/>
-            </a:pPr>
-            <a:r>
-              <a:rPr sz="1200" b="0" i="0" u="none">
-                <a:solidFill>
-                  <a:schemeClr val="tx1"/>
-                </a:solidFill>
-                <a:latin typeface="Arial"/>
-                <a:ea typeface="Arial"/>
-                <a:cs typeface="Arial"/>
-              </a:rPr>
-              <a:t>Легко адаптироваться к новым требованиям</a:t>
-            </a:r>
-            <a:endParaRPr sz="1200">
-              <a:solidFill>
-                <a:schemeClr val="tx1"/>
-              </a:solidFill>
-            </a:endParaRPr>
-          </a:p>
-          <a:p>
-            <a:pPr>
-              <a:defRPr/>
-            </a:pPr>
-            <a:r>
-              <a:rPr sz="1200" b="0" i="0" u="none">
-                <a:solidFill>
-                  <a:schemeClr val="tx1"/>
-                </a:solidFill>
-                <a:latin typeface="Arial"/>
-                <a:ea typeface="Arial"/>
-                <a:cs typeface="Arial"/>
-              </a:rPr>
-              <a:t>Runtime reconfiguration</a:t>
-            </a:r>
-            <a:endParaRPr sz="1200">
-              <a:solidFill>
-                <a:schemeClr val="tx1"/>
-              </a:solidFill>
-            </a:endParaRPr>
-          </a:p>
-          <a:p>
-            <a:pPr>
-              <a:defRPr/>
-            </a:pPr>
-            <a:r>
-              <a:rPr sz="1200" b="0" i="0" u="none">
-                <a:solidFill>
-                  <a:schemeClr val="tx1"/>
-                </a:solidFill>
-                <a:latin typeface="Arial"/>
-                <a:ea typeface="Arial"/>
-                <a:cs typeface="Arial"/>
-              </a:rPr>
-              <a:t>Модульное тестирование каждого pass'а</a:t>
-            </a:r>
-            <a:endParaRPr sz="1200">
+            <a:pPr marL="0" indent="0">
+              <a:buFont typeface="Arial"/>
+              <a:buNone/>
+              <a:defRPr/>
+            </a:pPr>
+            <a:r>
+              <a:rPr sz="1000" b="0" i="1" u="none">
+                <a:solidFill>
+                  <a:schemeClr val="tx1"/>
+                </a:solidFill>
+                <a:latin typeface="Fira Code Light"/>
+                <a:ea typeface="Fira Code Light"/>
+                <a:cs typeface="Fira Code Light"/>
+              </a:rPr>
+              <a:t>var newEffect = </a:t>
+            </a:r>
+            <a:r>
+              <a:rPr sz="1000" b="0" i="1" u="none">
+                <a:solidFill>
+                  <a:schemeClr val="tx1"/>
+                </a:solidFill>
+                <a:latin typeface="Fira Code Light"/>
+                <a:ea typeface="Fira Code Light"/>
+                <a:cs typeface="Fira Code Light"/>
+              </a:rPr>
+              <a:t>new</a:t>
+            </a:r>
+            <a:r>
+              <a:rPr sz="1000" b="0" i="1" u="none">
+                <a:solidFill>
+                  <a:schemeClr val="tx1"/>
+                </a:solidFill>
+                <a:latin typeface="Fira Code Light"/>
+                <a:ea typeface="Fira Code Light"/>
+                <a:cs typeface="Fira Code Light"/>
+              </a:rPr>
+              <a:t> CustomEffectPass { Input = somePass.Output }; </a:t>
+            </a:r>
+            <a:endParaRPr sz="1000" b="0" i="1" u="none">
+              <a:solidFill>
+                <a:schemeClr val="tx1"/>
+              </a:solidFill>
+              <a:latin typeface="Fira Code Light"/>
+              <a:cs typeface="Fira Code Light"/>
+            </a:endParaRPr>
+          </a:p>
+          <a:p>
+            <a:pPr marL="0" indent="0">
+              <a:buFont typeface="Arial"/>
+              <a:buNone/>
+              <a:defRPr/>
+            </a:pPr>
+            <a:r>
+              <a:rPr sz="1000" b="0" i="1" u="none">
+                <a:solidFill>
+                  <a:schemeClr val="tx1"/>
+                </a:solidFill>
+                <a:latin typeface="Fira Code Light"/>
+                <a:ea typeface="Fira Code Light"/>
+                <a:cs typeface="Fira Code Light"/>
+              </a:rPr>
+              <a:t>renderGraph.</a:t>
+            </a:r>
+            <a:r>
+              <a:rPr sz="1000" b="0" i="1" u="none">
+                <a:solidFill>
+                  <a:schemeClr val="tx1"/>
+                </a:solidFill>
+                <a:latin typeface="Fira Code Light"/>
+                <a:ea typeface="Fira Code Light"/>
+                <a:cs typeface="Fira Code Light"/>
+              </a:rPr>
+              <a:t>AddPass</a:t>
+            </a:r>
+            <a:r>
+              <a:rPr sz="1000" b="0" i="1" u="none">
+                <a:solidFill>
+                  <a:schemeClr val="tx1"/>
+                </a:solidFill>
+                <a:latin typeface="Fira Code Light"/>
+                <a:ea typeface="Fira Code Light"/>
+                <a:cs typeface="Fira Code Light"/>
+              </a:rPr>
+              <a:t>(newEffect); </a:t>
+            </a:r>
+            <a:r>
+              <a:rPr sz="1000" b="0" i="1" u="none">
+                <a:solidFill>
+                  <a:schemeClr val="accent6"/>
+                </a:solidFill>
+                <a:latin typeface="Fira Code Light"/>
+                <a:ea typeface="Fira Code Light"/>
+                <a:cs typeface="Fira Code Light"/>
+              </a:rPr>
+              <a:t>// Всё остальное автоматически</a:t>
+            </a:r>
+            <a:endParaRPr>
               <a:solidFill>
                 <a:schemeClr val="tx1"/>
               </a:solidFill>
@@ -8519,7 +11024,7 @@
       </p:grpSpPr>
       <p:sp>
         <p:nvSpPr>
-          <p:cNvPr id="1582061695" name="Title 1"/>
+          <p:cNvPr id="1148951122" name="Title 1"/>
           <p:cNvSpPr>
             <a:spLocks noGrp="1"/>
           </p:cNvSpPr>
@@ -8544,7 +11049,7 @@
                 <a:ea typeface="Arial"/>
                 <a:cs typeface="Arial"/>
               </a:rPr>
-              <a:t>Недостатки</a:t>
+              <a:t>Сложность реализации</a:t>
             </a:r>
             <a:endParaRPr>
               <a:solidFill>
@@ -8556,7 +11061,7 @@
       </p:sp>
       <p:sp>
         <p:nvSpPr>
-          <p:cNvPr id="705611672" name="Content Placeholder 2"/>
+          <p:cNvPr id="2075712158" name="Content Placeholder 2"/>
           <p:cNvSpPr>
             <a:spLocks noGrp="1"/>
           </p:cNvSpPr>
@@ -8583,18 +11088,8 @@
                 <a:ea typeface="Arial"/>
                 <a:cs typeface="Arial"/>
               </a:rPr>
-              <a:t>Performance Overhead:</a:t>
-            </a:r>
-            <a:endParaRPr sz="1200">
-              <a:solidFill>
-                <a:schemeClr val="tx1"/>
-              </a:solidFill>
-            </a:endParaRPr>
-          </a:p>
-          <a:p>
-            <a:pPr>
-              <a:defRPr/>
-            </a:pPr>
+              <a:t>Парадокс:</a:t>
+            </a:r>
             <a:r>
               <a:rPr sz="1200" b="0" i="0" u="none">
                 <a:solidFill>
@@ -8604,184 +11099,9 @@
                 <a:ea typeface="Arial"/>
                 <a:cs typeface="Arial"/>
               </a:rPr>
-              <a:t>Compilation cost: 0.5-2ms для сложных графов</a:t>
-            </a:r>
-            <a:endParaRPr sz="1200">
-              <a:solidFill>
-                <a:schemeClr val="tx1"/>
-              </a:solidFill>
-            </a:endParaRPr>
-          </a:p>
-          <a:p>
-            <a:pPr>
-              <a:defRPr/>
-            </a:pPr>
-            <a:r>
-              <a:rPr sz="1200" b="0" i="0" u="none">
-                <a:solidFill>
-                  <a:schemeClr val="tx1"/>
-                </a:solidFill>
-                <a:latin typeface="Arial"/>
-                <a:ea typeface="Arial"/>
-                <a:cs typeface="Arial"/>
-              </a:rPr>
-              <a:t>Memory overhead: ~150 байт метаданных на pass</a:t>
-            </a:r>
-            <a:endParaRPr sz="1200">
-              <a:solidFill>
-                <a:schemeClr val="tx1"/>
-              </a:solidFill>
-            </a:endParaRPr>
-          </a:p>
-          <a:p>
-            <a:pPr>
-              <a:defRPr/>
-            </a:pPr>
-            <a:r>
-              <a:rPr sz="1200" b="0" i="0" u="none">
-                <a:solidFill>
-                  <a:schemeClr val="tx1"/>
-                </a:solidFill>
-                <a:latin typeface="Arial"/>
-                <a:ea typeface="Arial"/>
-                <a:cs typeface="Arial"/>
-              </a:rPr>
-              <a:t>Indirection в вызовах функций</a:t>
-            </a:r>
-            <a:endParaRPr sz="1200">
-              <a:solidFill>
-                <a:schemeClr val="tx1"/>
-              </a:solidFill>
-            </a:endParaRPr>
-          </a:p>
-          <a:p>
-            <a:pPr marL="0" indent="0">
-              <a:buFont typeface="Arial"/>
-              <a:buNone/>
-              <a:defRPr/>
-            </a:pPr>
-            <a:endParaRPr sz="1200">
-              <a:solidFill>
-                <a:schemeClr val="tx1"/>
-              </a:solidFill>
-            </a:endParaRPr>
-          </a:p>
-          <a:p>
-            <a:pPr marL="0" indent="0">
-              <a:buFont typeface="Arial"/>
-              <a:buNone/>
-              <a:defRPr/>
-            </a:pPr>
-            <a:r>
-              <a:rPr sz="1200" b="1" i="0" u="none">
-                <a:solidFill>
-                  <a:schemeClr val="tx1"/>
-                </a:solidFill>
-                <a:latin typeface="Arial"/>
-                <a:ea typeface="Arial"/>
-                <a:cs typeface="Arial"/>
-              </a:rPr>
-              <a:t>Сложность отладки:</a:t>
-            </a:r>
-            <a:endParaRPr sz="1200">
-              <a:solidFill>
-                <a:schemeClr val="tx1"/>
-              </a:solidFill>
-            </a:endParaRPr>
-          </a:p>
-          <a:p>
-            <a:pPr>
-              <a:defRPr/>
-            </a:pPr>
-            <a:r>
-              <a:rPr sz="1200" b="0" i="0" u="none">
-                <a:solidFill>
-                  <a:schemeClr val="tx1"/>
-                </a:solidFill>
-                <a:latin typeface="Arial"/>
-                <a:ea typeface="Arial"/>
-                <a:cs typeface="Arial"/>
-              </a:rPr>
-              <a:t>Непрямое выполнение затрудняет debugging</a:t>
-            </a:r>
-            <a:endParaRPr sz="1200">
-              <a:solidFill>
-                <a:schemeClr val="tx1"/>
-              </a:solidFill>
-            </a:endParaRPr>
-          </a:p>
-          <a:p>
-            <a:pPr>
-              <a:defRPr/>
-            </a:pPr>
-            <a:r>
-              <a:rPr sz="1200" b="0" i="0" u="none">
-                <a:solidFill>
-                  <a:schemeClr val="tx1"/>
-                </a:solidFill>
-                <a:latin typeface="Arial"/>
-                <a:ea typeface="Arial"/>
-                <a:cs typeface="Arial"/>
-              </a:rPr>
-              <a:t>Необходимость понимания концепции графа</a:t>
-            </a:r>
-            <a:endParaRPr sz="1200">
-              <a:solidFill>
-                <a:schemeClr val="tx1"/>
-              </a:solidFill>
-            </a:endParaRPr>
-          </a:p>
-          <a:p>
-            <a:pPr>
-              <a:defRPr/>
-            </a:pPr>
-            <a:r>
-              <a:rPr sz="1200" b="0" i="0" u="none">
-                <a:solidFill>
-                  <a:schemeClr val="tx1"/>
-                </a:solidFill>
-                <a:latin typeface="Arial"/>
-                <a:ea typeface="Arial"/>
-                <a:cs typeface="Arial"/>
-              </a:rPr>
-              <a:t>Сложнее отследить flow выполнения</a:t>
-            </a:r>
-            <a:endParaRPr sz="1200">
-              <a:solidFill>
-                <a:schemeClr val="tx1"/>
-              </a:solidFill>
-            </a:endParaRPr>
-          </a:p>
-          <a:p>
-            <a:pPr marL="0" indent="0">
-              <a:buFont typeface="Arial"/>
-              <a:buNone/>
-              <a:defRPr/>
-            </a:pPr>
-            <a:endParaRPr sz="1200">
-              <a:solidFill>
-                <a:schemeClr val="tx1"/>
-              </a:solidFill>
-            </a:endParaRPr>
-          </a:p>
-          <a:p>
-            <a:pPr marL="0" indent="0">
-              <a:buFont typeface="Arial"/>
-              <a:buNone/>
-              <a:defRPr/>
-            </a:pPr>
-            <a:r>
-              <a:rPr sz="1200" b="1" i="0" u="none">
-                <a:solidFill>
-                  <a:schemeClr val="tx1"/>
-                </a:solidFill>
-                <a:latin typeface="Arial"/>
-                <a:ea typeface="Arial"/>
-                <a:cs typeface="Arial"/>
-              </a:rPr>
-              <a:t>Ограничения гибкости:</a:t>
-            </a:r>
-            <a:endParaRPr sz="1200" b="1" i="0" u="none">
+              <a:t> </a:t>
+            </a:r>
+            <a:endParaRPr sz="1200" b="0" i="0" u="none">
               <a:solidFill>
                 <a:schemeClr val="tx1"/>
               </a:solidFill>
@@ -8791,7 +11111,9 @@
             </a:endParaRPr>
           </a:p>
           <a:p>
-            <a:pPr>
+            <a:pPr marL="0" indent="0">
+              <a:buFont typeface="Arial"/>
+              <a:buNone/>
               <a:defRPr/>
             </a:pPr>
             <a:r>
@@ -8803,7 +11125,7 @@
                 <a:ea typeface="Arial"/>
                 <a:cs typeface="Arial"/>
               </a:rPr>
-              <a:t>Проблемы с динамическими pipeline'ами</a:t>
+              <a:t>Сам граф простой, инфраструктура сложная</a:t>
             </a:r>
             <a:endParaRPr sz="1200">
               <a:solidFill>
@@ -8812,6 +11134,44 @@
             </a:endParaRPr>
           </a:p>
           <a:p>
+            <a:pPr marL="0" indent="0">
+              <a:buFont typeface="Arial"/>
+              <a:buNone/>
+              <a:defRPr/>
+            </a:pPr>
+            <a:endParaRPr sz="1200">
+              <a:solidFill>
+                <a:schemeClr val="tx1"/>
+              </a:solidFill>
+            </a:endParaRPr>
+          </a:p>
+          <a:p>
+            <a:pPr marL="0" indent="0">
+              <a:buFont typeface="Arial"/>
+              <a:buNone/>
+              <a:defRPr/>
+            </a:pPr>
+            <a:r>
+              <a:rPr sz="1200" b="1" i="0" u="none">
+                <a:solidFill>
+                  <a:schemeClr val="tx1"/>
+                </a:solidFill>
+                <a:latin typeface="Arial"/>
+                <a:ea typeface="Arial"/>
+                <a:cs typeface="Arial"/>
+              </a:rPr>
+              <a:t>Простая часть:</a:t>
+            </a:r>
+            <a:endParaRPr sz="1200" b="1" i="0" u="none">
+              <a:solidFill>
+                <a:schemeClr val="tx1"/>
+              </a:solidFill>
+              <a:latin typeface="Arial"/>
+              <a:ea typeface="Arial"/>
+              <a:cs typeface="Arial"/>
+            </a:endParaRPr>
+          </a:p>
+          <a:p>
             <a:pPr>
               <a:defRPr/>
             </a:pPr>
@@ -8824,7 +11184,7 @@
                 <a:ea typeface="Arial"/>
                 <a:cs typeface="Arial"/>
               </a:rPr>
-              <a:t>Ограниченная поддержка условного выполнения</a:t>
+              <a:t>Топологическая сортировка - стандартный алгоритм</a:t>
             </a:r>
             <a:endParaRPr sz="1200">
               <a:solidFill>
@@ -8845,7 +11205,195 @@
                 <a:ea typeface="Arial"/>
                 <a:cs typeface="Arial"/>
               </a:rPr>
-              <a:t>Возможные проблемы с legacy кодом</a:t>
+              <a:t>Resource lifetime tracking - простое отслеживание</a:t>
+            </a:r>
+            <a:endParaRPr sz="1200">
+              <a:solidFill>
+                <a:schemeClr val="tx1"/>
+              </a:solidFill>
+            </a:endParaRPr>
+          </a:p>
+          <a:p>
+            <a:pPr>
+              <a:defRPr/>
+            </a:pPr>
+            <a:r>
+              <a:rPr sz="1200" b="0" i="0" u="none">
+                <a:solidFill>
+                  <a:schemeClr val="tx1"/>
+                </a:solidFill>
+                <a:latin typeface="Arial"/>
+                <a:ea typeface="Arial"/>
+                <a:cs typeface="Arial"/>
+              </a:rPr>
+              <a:t>Pass execution - итерация по списку</a:t>
+            </a:r>
+            <a:endParaRPr sz="1200">
+              <a:solidFill>
+                <a:schemeClr val="tx1"/>
+              </a:solidFill>
+            </a:endParaRPr>
+          </a:p>
+          <a:p>
+            <a:pPr marL="0" indent="0">
+              <a:buFont typeface="Arial"/>
+              <a:buNone/>
+              <a:defRPr/>
+            </a:pPr>
+            <a:endParaRPr sz="1200">
+              <a:solidFill>
+                <a:schemeClr val="tx1"/>
+              </a:solidFill>
+            </a:endParaRPr>
+          </a:p>
+          <a:p>
+            <a:pPr marL="0" indent="0">
+              <a:buFont typeface="Arial"/>
+              <a:buNone/>
+              <a:defRPr/>
+            </a:pPr>
+            <a:r>
+              <a:rPr sz="1200" b="1" i="0" u="none">
+                <a:solidFill>
+                  <a:schemeClr val="tx1"/>
+                </a:solidFill>
+                <a:latin typeface="Arial"/>
+                <a:ea typeface="Arial"/>
+                <a:cs typeface="Arial"/>
+              </a:rPr>
+              <a:t>Сложная часть (80% времени):</a:t>
+            </a:r>
+            <a:endParaRPr sz="1200" b="1" i="0" u="none">
+              <a:solidFill>
+                <a:schemeClr val="tx1"/>
+              </a:solidFill>
+              <a:latin typeface="Arial"/>
+              <a:ea typeface="Arial"/>
+              <a:cs typeface="Arial"/>
+            </a:endParaRPr>
+          </a:p>
+          <a:p>
+            <a:pPr>
+              <a:defRPr/>
+            </a:pPr>
+            <a:r>
+              <a:rPr sz="1200" b="1" i="0" u="none">
+                <a:solidFill>
+                  <a:schemeClr val="tx1"/>
+                </a:solidFill>
+                <a:latin typeface="Arial"/>
+                <a:ea typeface="Arial"/>
+                <a:cs typeface="Arial"/>
+              </a:rPr>
+              <a:t>Graphics API Abstraction</a:t>
+            </a:r>
+            <a:r>
+              <a:rPr sz="1200" b="0" i="0" u="none">
+                <a:solidFill>
+                  <a:schemeClr val="tx1"/>
+                </a:solidFill>
+                <a:latin typeface="Arial"/>
+                <a:ea typeface="Arial"/>
+                <a:cs typeface="Arial"/>
+              </a:rPr>
+              <a:t> </a:t>
+            </a:r>
+            <a:r>
+              <a:rPr sz="1200" b="0" i="0" u="none">
+                <a:solidFill>
+                  <a:schemeClr val="tx1"/>
+                </a:solidFill>
+                <a:latin typeface="Arial"/>
+                <a:ea typeface="Arial"/>
+                <a:cs typeface="Arial"/>
+              </a:rPr>
+              <a:t>- сотни API calls</a:t>
+            </a:r>
+            <a:endParaRPr sz="1200">
+              <a:solidFill>
+                <a:schemeClr val="tx1"/>
+              </a:solidFill>
+            </a:endParaRPr>
+          </a:p>
+          <a:p>
+            <a:pPr>
+              <a:defRPr/>
+            </a:pPr>
+            <a:r>
+              <a:rPr sz="1200" b="1" i="0" u="none">
+                <a:solidFill>
+                  <a:schemeClr val="tx1"/>
+                </a:solidFill>
+                <a:latin typeface="Arial"/>
+                <a:ea typeface="Arial"/>
+                <a:cs typeface="Arial"/>
+              </a:rPr>
+              <a:t>Resource System</a:t>
+            </a:r>
+            <a:r>
+              <a:rPr sz="1200" b="0" i="0" u="none">
+                <a:solidFill>
+                  <a:schemeClr val="tx1"/>
+                </a:solidFill>
+                <a:latin typeface="Arial"/>
+                <a:ea typeface="Arial"/>
+                <a:cs typeface="Arial"/>
+              </a:rPr>
+              <a:t> </a:t>
+            </a:r>
+            <a:r>
+              <a:rPr sz="1200" b="0" i="0" u="none">
+                <a:solidFill>
+                  <a:schemeClr val="tx1"/>
+                </a:solidFill>
+                <a:latin typeface="Arial"/>
+                <a:ea typeface="Arial"/>
+                <a:cs typeface="Arial"/>
+              </a:rPr>
+              <a:t>- унификация концептов</a:t>
+            </a:r>
+            <a:endParaRPr sz="1200">
+              <a:solidFill>
+                <a:schemeClr val="tx1"/>
+              </a:solidFill>
+            </a:endParaRPr>
+          </a:p>
+          <a:p>
+            <a:pPr>
+              <a:defRPr/>
+            </a:pPr>
+            <a:r>
+              <a:rPr sz="1200" b="1" i="0" u="none">
+                <a:solidFill>
+                  <a:schemeClr val="tx1"/>
+                </a:solidFill>
+                <a:latin typeface="Arial"/>
+                <a:ea typeface="Arial"/>
+                <a:cs typeface="Arial"/>
+              </a:rPr>
+              <a:t>Memory Management</a:t>
+            </a:r>
+            <a:r>
+              <a:rPr sz="1200" b="0" i="0" u="none">
+                <a:solidFill>
+                  <a:schemeClr val="tx1"/>
+                </a:solidFill>
+                <a:latin typeface="Arial"/>
+                <a:ea typeface="Arial"/>
+                <a:cs typeface="Arial"/>
+              </a:rPr>
+              <a:t> </a:t>
+            </a:r>
+            <a:r>
+              <a:rPr sz="1200" b="0" i="0" u="none">
+                <a:solidFill>
+                  <a:schemeClr val="tx1"/>
+                </a:solidFill>
+                <a:latin typeface="Arial"/>
+                <a:ea typeface="Arial"/>
+                <a:cs typeface="Arial"/>
+              </a:rPr>
+              <a:t>- pooling, aliasing, GC integration</a:t>
             </a:r>
             <a:endParaRPr sz="1200">
               <a:solidFill>
@@ -8890,7 +11438,7 @@
       </p:grpSpPr>
       <p:sp>
         <p:nvSpPr>
-          <p:cNvPr id="1818471806" name="Title 1"/>
+          <p:cNvPr id="156328197" name="Title 1"/>
           <p:cNvSpPr>
             <a:spLocks noGrp="1"/>
           </p:cNvSpPr>
@@ -8915,9 +11463,9 @@
                 <a:ea typeface="Arial"/>
                 <a:cs typeface="Arial"/>
               </a:rPr>
-              <a:t>Дополнительные возможности</a:t>
-            </a:r>
-            <a:endParaRPr sz="2000">
+              <a:t>Основные преимущества</a:t>
+            </a:r>
+            <a:endParaRPr>
               <a:solidFill>
                 <a:schemeClr val="tx1"/>
               </a:solidFill>
@@ -8927,7 +11475,7 @@
       </p:sp>
       <p:sp>
         <p:nvSpPr>
-          <p:cNvPr id="1248379234" name="Content Placeholder 2"/>
+          <p:cNvPr id="1631890155" name="Content Placeholder 2"/>
           <p:cNvSpPr>
             <a:spLocks noGrp="1"/>
           </p:cNvSpPr>
@@ -8937,7 +11485,9 @@
         </p:nvSpPr>
         <p:spPr bwMode="auto"/>
         <p:txBody>
-          <a:bodyPr/>
+          <a:bodyPr vertOverflow="overflow" horzOverflow="overflow" vert="horz" wrap="square" lIns="91440" tIns="45720" rIns="91440" bIns="45720" numCol="1" spcCol="0" rtlCol="0" fromWordArt="0" anchor="t" anchorCtr="0" forceAA="0" upright="0" compatLnSpc="0">
+            <a:normAutofit/>
+          </a:bodyPr>
           <a:lstStyle/>
           <a:p>
             <a:pPr marL="0" indent="0">
@@ -8954,7 +11504,7 @@
                 <a:ea typeface="Arial"/>
                 <a:cs typeface="Arial"/>
               </a:rPr>
-              <a:t>Профилирование и статистика:</a:t>
+              <a:t>Снижение порога входа:</a:t>
             </a:r>
             <a:endParaRPr sz="1200">
               <a:solidFill>
@@ -8977,10 +11527,10 @@
                 <a:ea typeface="Fira Code Light"/>
                 <a:cs typeface="Fira Code Light"/>
               </a:rPr>
-              <a:t>// Автоматический сбор данных</a:t>
-            </a:r>
-            <a:r>
-              <a:rPr sz="1000" b="0" i="0" u="none">
+              <a:t>// Без render graph - нужно знать DirectX 12</a:t>
+            </a:r>
+            <a:r>
+              <a:rPr sz="1000" b="0" i="1" u="none">
                 <a:solidFill>
                   <a:schemeClr val="accent6"/>
                 </a:solidFill>
@@ -8990,7 +11540,7 @@
               </a:rPr>
               <a:t> </a:t>
             </a:r>
-            <a:endParaRPr sz="1000" b="0" i="0" u="none">
+            <a:endParaRPr sz="1000" b="0" i="1" u="none">
               <a:solidFill>
                 <a:schemeClr val="tx1"/>
               </a:solidFill>
@@ -9013,18 +11563,7 @@
                 <a:ea typeface="Fira Code Light"/>
                 <a:cs typeface="Fira Code Light"/>
               </a:rPr>
-              <a:t>foreach(var pass in renderGraph.Passes) </a:t>
-            </a:r>
-            <a:r>
-              <a:rPr sz="1000" b="0" i="1" u="none">
-                <a:solidFill>
-                  <a:schemeClr val="tx1"/>
-                </a:solidFill>
-                <a:latin typeface="Fira Code Light"/>
-                <a:ea typeface="Fira Code Light"/>
-                <a:cs typeface="Fira Code Light"/>
-              </a:rPr>
-              <a:t>{     </a:t>
+              <a:t>D3D12_RESOURCE_BARRIER barrier = {}; </a:t>
             </a:r>
             <a:endParaRPr sz="1000" b="0" i="1" u="none">
               <a:solidFill>
@@ -9049,51 +11588,7 @@
                 <a:ea typeface="Fira Code Light"/>
                 <a:cs typeface="Fira Code Light"/>
               </a:rPr>
-              <a:t>  Console.</a:t>
-            </a:r>
-            <a:r>
-              <a:rPr sz="1000" b="0" i="1" u="none">
-                <a:solidFill>
-                  <a:schemeClr val="tx1"/>
-                </a:solidFill>
-                <a:latin typeface="Fira Code Light"/>
-                <a:ea typeface="Fira Code Light"/>
-                <a:cs typeface="Fira Code Light"/>
-              </a:rPr>
-              <a:t>WriteLine</a:t>
-            </a:r>
-            <a:r>
-              <a:rPr sz="1000" b="0" i="1" u="none">
-                <a:solidFill>
-                  <a:schemeClr val="tx1"/>
-                </a:solidFill>
-                <a:latin typeface="Fira Code Light"/>
-                <a:ea typeface="Fira Code Light"/>
-                <a:cs typeface="Fira Code Light"/>
-              </a:rPr>
-              <a:t>($</a:t>
-            </a:r>
-            <a:r>
-              <a:rPr sz="1000" b="0" i="1" u="none">
-                <a:solidFill>
-                  <a:schemeClr val="tx1"/>
-                </a:solidFill>
-                <a:latin typeface="Fira Code Light"/>
-                <a:ea typeface="Fira Code Light"/>
-                <a:cs typeface="Fira Code Light"/>
-              </a:rPr>
-              <a:t>"{pass.Name}: {pass.Stats.ExecutionTime:F2}ms"</a:t>
-            </a:r>
-            <a:r>
-              <a:rPr sz="1000" b="0" i="1" u="none">
-                <a:solidFill>
-                  <a:schemeClr val="tx1"/>
-                </a:solidFill>
-                <a:latin typeface="Fira Code Light"/>
-                <a:ea typeface="Fira Code Light"/>
-                <a:cs typeface="Fira Code Light"/>
-              </a:rPr>
-              <a:t>);     </a:t>
+              <a:t>barrier.Type = D3D12_RESOURCE_BARRIER_TYPE_TRANSITION; </a:t>
             </a:r>
             <a:endParaRPr sz="1000" b="0" i="1" u="none">
               <a:solidFill>
@@ -9112,61 +11607,17 @@
             <a:r>
               <a:rPr sz="1000" b="0" i="1" u="none">
                 <a:solidFill>
-                  <a:schemeClr val="tx1"/>
-                </a:solidFill>
-                <a:latin typeface="Fira Code Light"/>
-                <a:ea typeface="Fira Code Light"/>
-                <a:cs typeface="Fira Code Light"/>
-              </a:rPr>
-              <a:t>  Console.</a:t>
-            </a:r>
-            <a:r>
-              <a:rPr sz="1000" b="0" i="1" u="none">
-                <a:solidFill>
-                  <a:schemeClr val="tx1"/>
-                </a:solidFill>
-                <a:latin typeface="Fira Code Light"/>
-                <a:ea typeface="Fira Code Light"/>
-                <a:cs typeface="Fira Code Light"/>
-              </a:rPr>
-              <a:t>WriteLine</a:t>
-            </a:r>
-            <a:r>
-              <a:rPr sz="1000" b="0" i="1" u="none">
-                <a:solidFill>
-                  <a:schemeClr val="tx1"/>
-                </a:solidFill>
-                <a:latin typeface="Fira Code Light"/>
-                <a:ea typeface="Fira Code Light"/>
-                <a:cs typeface="Fira Code Light"/>
-              </a:rPr>
-              <a:t>($</a:t>
-            </a:r>
-            <a:r>
-              <a:rPr sz="1000" b="0" i="1" u="none">
-                <a:solidFill>
-                  <a:schemeClr val="tx1"/>
-                </a:solidFill>
-                <a:latin typeface="Fira Code Light"/>
-                <a:ea typeface="Fira Code Light"/>
-                <a:cs typeface="Fira Code Light"/>
-              </a:rPr>
-              <a:t>"Memory: {pass.Stats.MemoryUsage}KB"</a:t>
-            </a:r>
-            <a:r>
-              <a:rPr sz="1000" b="0" i="1" u="none">
-                <a:solidFill>
-                  <a:schemeClr val="tx1"/>
-                </a:solidFill>
-                <a:latin typeface="Fira Code Light"/>
-                <a:ea typeface="Fira Code Light"/>
-                <a:cs typeface="Fira Code Light"/>
-              </a:rPr>
-              <a:t>); </a:t>
+                  <a:schemeClr val="accent6"/>
+                </a:solidFill>
+                <a:latin typeface="Fira Code Light"/>
+                <a:ea typeface="Fira Code Light"/>
+                <a:cs typeface="Fira Code Light"/>
+              </a:rPr>
+              <a:t>// ... еще 10 строк setup'а</a:t>
             </a:r>
             <a:endParaRPr sz="1000" b="0" i="1" u="none">
               <a:solidFill>
-                <a:schemeClr val="tx1"/>
+                <a:schemeClr val="accent6"/>
               </a:solidFill>
               <a:latin typeface="Fira Code Light"/>
               <a:cs typeface="Fira Code Light"/>
@@ -9181,21 +11632,31 @@
             <a:r>
               <a:rPr sz="1000" b="0" i="1" u="none">
                 <a:solidFill>
-                  <a:schemeClr val="tx1"/>
-                </a:solidFill>
-                <a:latin typeface="Fira Code Light"/>
-                <a:ea typeface="Fira Code Light"/>
-                <a:cs typeface="Fira Code Light"/>
-              </a:rPr>
-              <a:t>}</a:t>
-            </a:r>
-            <a:endParaRPr sz="1200" b="0" i="0" u="none">
-              <a:solidFill>
-                <a:schemeClr val="tx1"/>
-              </a:solidFill>
-              <a:latin typeface="Consolas"/>
-              <a:ea typeface="Consolas"/>
-              <a:cs typeface="Consolas"/>
+                  <a:schemeClr val="accent6"/>
+                </a:solidFill>
+                <a:latin typeface="Fira Code Light"/>
+                <a:ea typeface="Fira Code Light"/>
+                <a:cs typeface="Fira Code Light"/>
+              </a:rPr>
+              <a:t>// С render graph - декларативно</a:t>
+            </a:r>
+            <a:r>
+              <a:rPr sz="1000" b="0" i="1" u="none">
+                <a:solidFill>
+                  <a:schemeClr val="accent6"/>
+                </a:solidFill>
+                <a:latin typeface="Fira Code Light"/>
+                <a:ea typeface="Fira Code Light"/>
+                <a:cs typeface="Fira Code Light"/>
+              </a:rPr>
+              <a:t> </a:t>
+            </a:r>
+            <a:endParaRPr sz="1000" b="0" i="1" u="none">
+              <a:solidFill>
+                <a:schemeClr val="tx1"/>
+              </a:solidFill>
+              <a:latin typeface="Fira Code Light"/>
+              <a:cs typeface="Fira Code Light"/>
             </a:endParaRPr>
           </a:p>
           <a:p>
@@ -9205,20 +11666,44 @@
               <a:defRPr/>
             </a:pPr>
             <a:r>
-              <a:rPr sz="1200" b="0" i="0" u="none">
-                <a:solidFill>
-                  <a:schemeClr val="tx1"/>
-                </a:solidFill>
-                <a:latin typeface="Consolas"/>
-                <a:ea typeface="Consolas"/>
-                <a:cs typeface="Consolas"/>
-              </a:rPr>
-              <a:t> </a:t>
-            </a:r>
-            <a:endParaRPr>
-              <a:solidFill>
-                <a:schemeClr val="tx1"/>
-              </a:solidFill>
+              <a:rPr sz="1000" b="0" i="1" u="none">
+                <a:solidFill>
+                  <a:schemeClr val="tx1"/>
+                </a:solidFill>
+                <a:latin typeface="Fira Code Light"/>
+                <a:ea typeface="Fira Code Light"/>
+                <a:cs typeface="Fira Code Light"/>
+              </a:rPr>
+              <a:t>var blur = </a:t>
+            </a:r>
+            <a:r>
+              <a:rPr sz="1000" b="0" i="1" u="none">
+                <a:solidFill>
+                  <a:schemeClr val="tx1"/>
+                </a:solidFill>
+                <a:latin typeface="Fira Code Light"/>
+                <a:ea typeface="Fira Code Light"/>
+                <a:cs typeface="Fira Code Light"/>
+              </a:rPr>
+              <a:t>new</a:t>
+            </a:r>
+            <a:r>
+              <a:rPr sz="1000" b="0" i="1" u="none">
+                <a:solidFill>
+                  <a:schemeClr val="tx1"/>
+                </a:solidFill>
+                <a:latin typeface="Fira Code Light"/>
+                <a:ea typeface="Fira Code Light"/>
+                <a:cs typeface="Fira Code Light"/>
+              </a:rPr>
+              <a:t> BlurPass { Input = geometry.Output }; </a:t>
+            </a:r>
+            <a:endParaRPr sz="1100" b="0" i="0" u="none">
+              <a:solidFill>
+                <a:schemeClr val="tx1"/>
+              </a:solidFill>
+              <a:latin typeface="Fira Code Light"/>
+              <a:cs typeface="Fira Code Light"/>
             </a:endParaRPr>
           </a:p>
           <a:p>
@@ -9227,81 +11712,7 @@
               <a:buNone/>
               <a:defRPr/>
             </a:pPr>
-            <a:r>
-              <a:rPr sz="1200" b="1" i="0" u="none">
-                <a:solidFill>
-                  <a:schemeClr val="tx1"/>
-                </a:solidFill>
-                <a:latin typeface="Arial"/>
-                <a:ea typeface="Arial"/>
-                <a:cs typeface="Arial"/>
-              </a:rPr>
-              <a:t>Visual Debugging:</a:t>
-            </a:r>
-            <a:endParaRPr sz="1200">
-              <a:solidFill>
-                <a:schemeClr val="tx1"/>
-              </a:solidFill>
-            </a:endParaRPr>
-          </a:p>
-          <a:p>
-            <a:pPr>
-              <a:defRPr/>
-            </a:pPr>
-            <a:r>
-              <a:rPr sz="1200" b="0" i="0" u="none">
-                <a:solidFill>
-                  <a:schemeClr val="tx1"/>
-                </a:solidFill>
-                <a:latin typeface="Arial"/>
-                <a:ea typeface="Arial"/>
-                <a:cs typeface="Arial"/>
-              </a:rPr>
-              <a:t>Автоматическая генерация диаграмм графа</a:t>
-            </a:r>
-            <a:endParaRPr sz="1200">
-              <a:solidFill>
-                <a:schemeClr val="tx1"/>
-              </a:solidFill>
-            </a:endParaRPr>
-          </a:p>
-          <a:p>
-            <a:pPr>
-              <a:defRPr/>
-            </a:pPr>
-            <a:r>
-              <a:rPr sz="1200" b="0" i="0" u="none">
-                <a:solidFill>
-                  <a:schemeClr val="tx1"/>
-                </a:solidFill>
-                <a:latin typeface="Arial"/>
-                <a:ea typeface="Arial"/>
-                <a:cs typeface="Arial"/>
-              </a:rPr>
-              <a:t>Resource flow tracking</a:t>
-            </a:r>
-            <a:endParaRPr sz="1200">
-              <a:solidFill>
-                <a:schemeClr val="tx1"/>
-              </a:solidFill>
-            </a:endParaRPr>
-          </a:p>
-          <a:p>
-            <a:pPr>
-              <a:defRPr/>
-            </a:pPr>
-            <a:r>
-              <a:rPr sz="1200" b="0" i="0" u="none">
-                <a:solidFill>
-                  <a:schemeClr val="tx1"/>
-                </a:solidFill>
-                <a:latin typeface="Arial"/>
-                <a:ea typeface="Arial"/>
-                <a:cs typeface="Arial"/>
-              </a:rPr>
-              <a:t>Bottleneck identification</a:t>
-            </a:r>
-            <a:endParaRPr sz="1200">
+            <a:endParaRPr>
               <a:solidFill>
                 <a:schemeClr val="tx1"/>
               </a:solidFill>
@@ -9313,18 +11724,6 @@
               <a:buNone/>
               <a:defRPr/>
             </a:pPr>
-            <a:endParaRPr sz="1200">
-              <a:solidFill>
-                <a:schemeClr val="tx1"/>
-              </a:solidFill>
-            </a:endParaRPr>
-          </a:p>
-          <a:p>
-            <a:pPr marL="0" indent="0">
-              <a:buFont typeface="Arial"/>
-              <a:buNone/>
-              <a:defRPr/>
-            </a:pPr>
             <a:r>
               <a:rPr sz="1200" b="1" i="0" u="none">
                 <a:solidFill>
@@ -9334,7 +11733,7 @@
                 <a:ea typeface="Arial"/>
                 <a:cs typeface="Arial"/>
               </a:rPr>
-              <a:t>Development Tools:</a:t>
+              <a:t>Автоматическая оптимизация:</a:t>
             </a:r>
             <a:endParaRPr sz="1200" b="1" i="0" u="none">
               <a:solidFill>
@@ -9350,6 +11749,17 @@
               <a:defRPr/>
             </a:pPr>
             <a:r>
+              <a:rPr sz="1200" b="1" i="0" u="none">
+                <a:solidFill>
+                  <a:schemeClr val="tx1"/>
+                </a:solidFill>
+                <a:latin typeface="Arial"/>
+                <a:ea typeface="Arial"/>
+                <a:cs typeface="Arial"/>
+              </a:rPr>
+              <a:t>Resource Aliasing</a:t>
+            </a:r>
+            <a:r>
               <a:rPr sz="1200" b="0" i="0" u="none">
                 <a:solidFill>
                   <a:schemeClr val="tx1"/>
@@ -9358,7 +11768,18 @@
                 <a:ea typeface="Arial"/>
                 <a:cs typeface="Arial"/>
               </a:rPr>
-              <a:t>Hot-reload шейдеров и pass'ов</a:t>
+              <a:t> </a:t>
+            </a:r>
+            <a:r>
+              <a:rPr sz="1200" b="0" i="0" u="none">
+                <a:solidFill>
+                  <a:schemeClr val="tx1"/>
+                </a:solidFill>
+                <a:latin typeface="Arial"/>
+                <a:ea typeface="Arial"/>
+                <a:cs typeface="Arial"/>
+              </a:rPr>
+              <a:t>- экономия 60-75% VRAM</a:t>
             </a:r>
             <a:endParaRPr sz="1200">
               <a:solidFill>
@@ -9371,6 +11792,17 @@
               <a:defRPr/>
             </a:pPr>
             <a:r>
+              <a:rPr sz="1200" b="1" i="0" u="none">
+                <a:solidFill>
+                  <a:schemeClr val="tx1"/>
+                </a:solidFill>
+                <a:latin typeface="Arial"/>
+                <a:ea typeface="Arial"/>
+                <a:cs typeface="Arial"/>
+              </a:rPr>
+              <a:t>Barrier Optimization</a:t>
+            </a:r>
+            <a:r>
               <a:rPr sz="1200" b="0" i="0" u="none">
                 <a:solidFill>
                   <a:schemeClr val="tx1"/>
@@ -9379,7 +11811,18 @@
                 <a:ea typeface="Arial"/>
                 <a:cs typeface="Arial"/>
               </a:rPr>
-              <a:t>Automated testing framework</a:t>
+              <a:t> </a:t>
+            </a:r>
+            <a:r>
+              <a:rPr sz="1200" b="0" i="0" u="none">
+                <a:solidFill>
+                  <a:schemeClr val="tx1"/>
+                </a:solidFill>
+                <a:latin typeface="Arial"/>
+                <a:ea typeface="Arial"/>
+                <a:cs typeface="Arial"/>
+              </a:rPr>
+              <a:t>- минимизация sync overhead</a:t>
             </a:r>
             <a:endParaRPr sz="1200">
               <a:solidFill>
@@ -9392,6 +11835,17 @@
               <a:defRPr/>
             </a:pPr>
             <a:r>
+              <a:rPr sz="1200" b="1" i="0" u="none">
+                <a:solidFill>
+                  <a:schemeClr val="tx1"/>
+                </a:solidFill>
+                <a:latin typeface="Arial"/>
+                <a:ea typeface="Arial"/>
+                <a:cs typeface="Arial"/>
+              </a:rPr>
+              <a:t>Dead Code Elimination</a:t>
+            </a:r>
+            <a:r>
               <a:rPr sz="1200" b="0" i="0" u="none">
                 <a:solidFill>
                   <a:schemeClr val="tx1"/>
@@ -9400,7 +11854,116 @@
                 <a:ea typeface="Arial"/>
                 <a:cs typeface="Arial"/>
               </a:rPr>
-              <a:t>Integration с профайлерами (RenderDoc, PIX)</a:t>
+              <a:t> </a:t>
+            </a:r>
+            <a:r>
+              <a:rPr sz="1200" b="0" i="0" u="none">
+                <a:solidFill>
+                  <a:schemeClr val="tx1"/>
+                </a:solidFill>
+                <a:latin typeface="Arial"/>
+                <a:ea typeface="Arial"/>
+                <a:cs typeface="Arial"/>
+              </a:rPr>
+              <a:t>- удаление неиспользуемых pass'ов</a:t>
+            </a:r>
+            <a:endParaRPr sz="1200">
+              <a:solidFill>
+                <a:schemeClr val="tx1"/>
+              </a:solidFill>
+            </a:endParaRPr>
+          </a:p>
+          <a:p>
+            <a:pPr marL="0" indent="0">
+              <a:buFont typeface="Arial"/>
+              <a:buNone/>
+              <a:defRPr/>
+            </a:pPr>
+            <a:endParaRPr sz="1200">
+              <a:solidFill>
+                <a:schemeClr val="tx1"/>
+              </a:solidFill>
+            </a:endParaRPr>
+          </a:p>
+          <a:p>
+            <a:pPr marL="0" indent="0">
+              <a:buFont typeface="Arial"/>
+              <a:buNone/>
+              <a:defRPr/>
+            </a:pPr>
+            <a:r>
+              <a:rPr sz="1200" b="1" i="0" u="none">
+                <a:solidFill>
+                  <a:schemeClr val="tx1"/>
+                </a:solidFill>
+                <a:latin typeface="Arial"/>
+                <a:ea typeface="Arial"/>
+                <a:cs typeface="Arial"/>
+              </a:rPr>
+              <a:t>Гибкость для изменений:</a:t>
+            </a:r>
+            <a:endParaRPr sz="1200">
+              <a:solidFill>
+                <a:schemeClr val="tx1"/>
+              </a:solidFill>
+            </a:endParaRPr>
+          </a:p>
+          <a:p>
+            <a:pPr>
+              <a:defRPr/>
+            </a:pPr>
+            <a:r>
+              <a:rPr sz="1200" b="0" i="0" u="none">
+                <a:solidFill>
+                  <a:schemeClr val="tx1"/>
+                </a:solidFill>
+                <a:latin typeface="Arial"/>
+                <a:ea typeface="Arial"/>
+                <a:cs typeface="Arial"/>
+              </a:rPr>
+              <a:t>Легко адаптироваться к новым требованиям</a:t>
+            </a:r>
+            <a:endParaRPr sz="1200">
+              <a:solidFill>
+                <a:schemeClr val="tx1"/>
+              </a:solidFill>
+            </a:endParaRPr>
+          </a:p>
+          <a:p>
+            <a:pPr>
+              <a:defRPr/>
+            </a:pPr>
+            <a:r>
+              <a:rPr sz="1200" b="0" i="0" u="none">
+                <a:solidFill>
+                  <a:schemeClr val="tx1"/>
+                </a:solidFill>
+                <a:latin typeface="Arial"/>
+                <a:ea typeface="Arial"/>
+                <a:cs typeface="Arial"/>
+              </a:rPr>
+              <a:t>Runtime reconfiguration</a:t>
+            </a:r>
+            <a:endParaRPr sz="1200">
+              <a:solidFill>
+                <a:schemeClr val="tx1"/>
+              </a:solidFill>
+            </a:endParaRPr>
+          </a:p>
+          <a:p>
+            <a:pPr>
+              <a:defRPr/>
+            </a:pPr>
+            <a:r>
+              <a:rPr sz="1200" b="0" i="0" u="none">
+                <a:solidFill>
+                  <a:schemeClr val="tx1"/>
+                </a:solidFill>
+                <a:latin typeface="Arial"/>
+                <a:ea typeface="Arial"/>
+                <a:cs typeface="Arial"/>
+              </a:rPr>
+              <a:t>Модульное тестирование каждого pass'а</a:t>
             </a:r>
             <a:endParaRPr sz="1200">
               <a:solidFill>
